--- a/assignment2_presentation.pptx
+++ b/assignment2_presentation.pptx
@@ -5,16 +5,20 @@
     <p:sldMasterId id="2147483648" r:id="rId1"/>
   </p:sldMasterIdLst>
   <p:notesMasterIdLst>
-    <p:notesMasterId r:id="rId9"/>
+    <p:notesMasterId r:id="rId13"/>
   </p:notesMasterIdLst>
   <p:sldIdLst>
     <p:sldId id="256" r:id="rId2"/>
     <p:sldId id="257" r:id="rId3"/>
     <p:sldId id="258" r:id="rId4"/>
-    <p:sldId id="264" r:id="rId5"/>
-    <p:sldId id="265" r:id="rId6"/>
-    <p:sldId id="266" r:id="rId7"/>
-    <p:sldId id="262" r:id="rId8"/>
+    <p:sldId id="267" r:id="rId5"/>
+    <p:sldId id="264" r:id="rId6"/>
+    <p:sldId id="269" r:id="rId7"/>
+    <p:sldId id="270" r:id="rId8"/>
+    <p:sldId id="271" r:id="rId9"/>
+    <p:sldId id="272" r:id="rId10"/>
+    <p:sldId id="273" r:id="rId11"/>
+    <p:sldId id="262" r:id="rId12"/>
   </p:sldIdLst>
   <p:sldSz cx="12192000" cy="6858000"/>
   <p:notesSz cx="6858000" cy="9144000"/>
@@ -135,7 +139,7 @@
 <file path=ppt/revisionInfo.xml><?xml version="1.0" encoding="utf-8"?>
 <p1510:revInfo xmlns:a="http://schemas.openxmlformats.org/drawingml/2006/main" xmlns:r="http://schemas.openxmlformats.org/officeDocument/2006/relationships" xmlns:p1510="http://schemas.microsoft.com/office/powerpoint/2015/10/main">
   <p1510:revLst>
-    <p1510:client id="{75455494-DF79-4459-9468-3B6CCDEE9B9A}" v="9" dt="2025-02-04T14:54:46.201"/>
+    <p1510:client id="{75455494-DF79-4459-9468-3B6CCDEE9B9A}" v="21" dt="2025-02-04T15:12:05.408"/>
   </p1510:revLst>
 </p1510:revInfo>
 </file>
@@ -145,7 +149,7 @@
   <pc:docChgLst>
     <pc:chgData name="Thomas Walchhofer" userId="c08abf49-14a8-4d2f-8f58-9f17fd209c28" providerId="ADAL" clId="{75455494-DF79-4459-9468-3B6CCDEE9B9A}"/>
     <pc:docChg chg="undo redo custSel addSld delSld modSld">
-      <pc:chgData name="Thomas Walchhofer" userId="c08abf49-14a8-4d2f-8f58-9f17fd209c28" providerId="ADAL" clId="{75455494-DF79-4459-9468-3B6CCDEE9B9A}" dt="2025-02-04T14:58:09.177" v="1240" actId="14100"/>
+      <pc:chgData name="Thomas Walchhofer" userId="c08abf49-14a8-4d2f-8f58-9f17fd209c28" providerId="ADAL" clId="{75455494-DF79-4459-9468-3B6CCDEE9B9A}" dt="2025-02-04T15:28:24.625" v="1794" actId="6549"/>
       <pc:docMkLst>
         <pc:docMk/>
       </pc:docMkLst>
@@ -196,8 +200,8 @@
           </ac:spMkLst>
         </pc:spChg>
       </pc:sldChg>
-      <pc:sldChg chg="modSp mod">
-        <pc:chgData name="Thomas Walchhofer" userId="c08abf49-14a8-4d2f-8f58-9f17fd209c28" providerId="ADAL" clId="{75455494-DF79-4459-9468-3B6CCDEE9B9A}" dt="2025-02-04T14:54:11.691" v="1182" actId="6549"/>
+      <pc:sldChg chg="modSp mod modNotesTx">
+        <pc:chgData name="Thomas Walchhofer" userId="c08abf49-14a8-4d2f-8f58-9f17fd209c28" providerId="ADAL" clId="{75455494-DF79-4459-9468-3B6CCDEE9B9A}" dt="2025-02-04T15:28:24.625" v="1794" actId="6549"/>
         <pc:sldMkLst>
           <pc:docMk/>
           <pc:sldMk cId="0" sldId="257"/>
@@ -219,8 +223,8 @@
           </ac:spMkLst>
         </pc:spChg>
       </pc:sldChg>
-      <pc:sldChg chg="addSp delSp modSp add mod">
-        <pc:chgData name="Thomas Walchhofer" userId="c08abf49-14a8-4d2f-8f58-9f17fd209c28" providerId="ADAL" clId="{75455494-DF79-4459-9468-3B6CCDEE9B9A}" dt="2025-02-04T14:55:01.883" v="1205" actId="1076"/>
+      <pc:sldChg chg="addSp delSp modSp add mod modNotesTx">
+        <pc:chgData name="Thomas Walchhofer" userId="c08abf49-14a8-4d2f-8f58-9f17fd209c28" providerId="ADAL" clId="{75455494-DF79-4459-9468-3B6CCDEE9B9A}" dt="2025-02-04T15:28:22.058" v="1793" actId="6549"/>
         <pc:sldMkLst>
           <pc:docMk/>
           <pc:sldMk cId="32863691" sldId="258"/>
@@ -249,8 +253,8 @@
             <ac:spMk id="316663598" creationId="{4897361A-3D07-2684-CF2A-B2F1D7E69EFD}"/>
           </ac:spMkLst>
         </pc:spChg>
-        <pc:picChg chg="add mod">
-          <ac:chgData name="Thomas Walchhofer" userId="c08abf49-14a8-4d2f-8f58-9f17fd209c28" providerId="ADAL" clId="{75455494-DF79-4459-9468-3B6CCDEE9B9A}" dt="2025-02-04T14:55:01.883" v="1205" actId="1076"/>
+        <pc:picChg chg="add del mod">
+          <ac:chgData name="Thomas Walchhofer" userId="c08abf49-14a8-4d2f-8f58-9f17fd209c28" providerId="ADAL" clId="{75455494-DF79-4459-9468-3B6CCDEE9B9A}" dt="2025-02-04T15:07:54.882" v="1284" actId="478"/>
           <ac:picMkLst>
             <pc:docMk/>
             <pc:sldMk cId="32863691" sldId="258"/>
@@ -391,8 +395,8 @@
           </ac:spMkLst>
         </pc:spChg>
       </pc:sldChg>
-      <pc:sldChg chg="addSp delSp modSp add mod setBg setClrOvrMap">
-        <pc:chgData name="Thomas Walchhofer" userId="c08abf49-14a8-4d2f-8f58-9f17fd209c28" providerId="ADAL" clId="{75455494-DF79-4459-9468-3B6CCDEE9B9A}" dt="2025-02-04T14:58:09.177" v="1240" actId="14100"/>
+      <pc:sldChg chg="addSp delSp modSp add mod setBg setClrOvrMap modNotesTx">
+        <pc:chgData name="Thomas Walchhofer" userId="c08abf49-14a8-4d2f-8f58-9f17fd209c28" providerId="ADAL" clId="{75455494-DF79-4459-9468-3B6CCDEE9B9A}" dt="2025-02-04T15:28:12.807" v="1791" actId="6549"/>
         <pc:sldMkLst>
           <pc:docMk/>
           <pc:sldMk cId="779330942" sldId="262"/>
@@ -565,7 +569,7 @@
         </pc:sldMkLst>
       </pc:sldChg>
       <pc:sldChg chg="addSp delSp modSp add mod">
-        <pc:chgData name="Thomas Walchhofer" userId="c08abf49-14a8-4d2f-8f58-9f17fd209c28" providerId="ADAL" clId="{75455494-DF79-4459-9468-3B6CCDEE9B9A}" dt="2025-02-04T14:34:19.848" v="383" actId="1076"/>
+        <pc:chgData name="Thomas Walchhofer" userId="c08abf49-14a8-4d2f-8f58-9f17fd209c28" providerId="ADAL" clId="{75455494-DF79-4459-9468-3B6CCDEE9B9A}" dt="2025-02-04T15:20:46.401" v="1589" actId="20577"/>
         <pc:sldMkLst>
           <pc:docMk/>
           <pc:sldMk cId="7783070" sldId="264"/>
@@ -578,24 +582,48 @@
             <ac:spMk id="3" creationId="{74367EAE-4D40-B0F6-98A9-FD5CEDC974B2}"/>
           </ac:spMkLst>
         </pc:spChg>
-        <pc:spChg chg="mod">
-          <ac:chgData name="Thomas Walchhofer" userId="c08abf49-14a8-4d2f-8f58-9f17fd209c28" providerId="ADAL" clId="{75455494-DF79-4459-9468-3B6CCDEE9B9A}" dt="2025-02-04T14:33:53.925" v="379" actId="1076"/>
+        <pc:spChg chg="add del mod">
+          <ac:chgData name="Thomas Walchhofer" userId="c08abf49-14a8-4d2f-8f58-9f17fd209c28" providerId="ADAL" clId="{75455494-DF79-4459-9468-3B6CCDEE9B9A}" dt="2025-02-04T15:10:57.244" v="1348" actId="478"/>
+          <ac:spMkLst>
+            <pc:docMk/>
+            <pc:sldMk cId="7783070" sldId="264"/>
+            <ac:spMk id="3" creationId="{8B185D89-0B28-F87F-A542-7AD925117CB8}"/>
+          </ac:spMkLst>
+        </pc:spChg>
+        <pc:spChg chg="add mod">
+          <ac:chgData name="Thomas Walchhofer" userId="c08abf49-14a8-4d2f-8f58-9f17fd209c28" providerId="ADAL" clId="{75455494-DF79-4459-9468-3B6CCDEE9B9A}" dt="2025-02-04T15:20:46.401" v="1589" actId="20577"/>
+          <ac:spMkLst>
+            <pc:docMk/>
+            <pc:sldMk cId="7783070" sldId="264"/>
+            <ac:spMk id="4" creationId="{5F385CBE-4A0A-7FE0-0198-2506B6042425}"/>
+          </ac:spMkLst>
+        </pc:spChg>
+        <pc:spChg chg="add mod">
+          <ac:chgData name="Thomas Walchhofer" userId="c08abf49-14a8-4d2f-8f58-9f17fd209c28" providerId="ADAL" clId="{75455494-DF79-4459-9468-3B6CCDEE9B9A}" dt="2025-02-04T15:17:36.461" v="1538" actId="27636"/>
+          <ac:spMkLst>
+            <pc:docMk/>
+            <pc:sldMk cId="7783070" sldId="264"/>
+            <ac:spMk id="10" creationId="{DE61C0AC-0849-08C4-E1F5-06CD4FF1FE49}"/>
+          </ac:spMkLst>
+        </pc:spChg>
+        <pc:spChg chg="del mod">
+          <ac:chgData name="Thomas Walchhofer" userId="c08abf49-14a8-4d2f-8f58-9f17fd209c28" providerId="ADAL" clId="{75455494-DF79-4459-9468-3B6CCDEE9B9A}" dt="2025-02-04T15:10:53.698" v="1347" actId="478"/>
           <ac:spMkLst>
             <pc:docMk/>
             <pc:sldMk cId="7783070" sldId="264"/>
             <ac:spMk id="11" creationId="{E8EA7E0D-C8AB-23CE-6C8B-B200A471F126}"/>
           </ac:spMkLst>
         </pc:spChg>
-        <pc:picChg chg="mod">
-          <ac:chgData name="Thomas Walchhofer" userId="c08abf49-14a8-4d2f-8f58-9f17fd209c28" providerId="ADAL" clId="{75455494-DF79-4459-9468-3B6CCDEE9B9A}" dt="2025-02-04T14:34:19.848" v="383" actId="1076"/>
+        <pc:picChg chg="del mod">
+          <ac:chgData name="Thomas Walchhofer" userId="c08abf49-14a8-4d2f-8f58-9f17fd209c28" providerId="ADAL" clId="{75455494-DF79-4459-9468-3B6CCDEE9B9A}" dt="2025-02-04T15:11:48.094" v="1418" actId="478"/>
           <ac:picMkLst>
             <pc:docMk/>
             <pc:sldMk cId="7783070" sldId="264"/>
             <ac:picMk id="5" creationId="{8698791A-2ABA-4513-274F-62F700AA19D5}"/>
           </ac:picMkLst>
         </pc:picChg>
-        <pc:picChg chg="add mod">
-          <ac:chgData name="Thomas Walchhofer" userId="c08abf49-14a8-4d2f-8f58-9f17fd209c28" providerId="ADAL" clId="{75455494-DF79-4459-9468-3B6CCDEE9B9A}" dt="2025-02-04T14:33:40.116" v="378" actId="1076"/>
+        <pc:picChg chg="add del mod">
+          <ac:chgData name="Thomas Walchhofer" userId="c08abf49-14a8-4d2f-8f58-9f17fd209c28" providerId="ADAL" clId="{75455494-DF79-4459-9468-3B6CCDEE9B9A}" dt="2025-02-04T15:10:18.300" v="1345" actId="478"/>
           <ac:picMkLst>
             <pc:docMk/>
             <pc:sldMk cId="7783070" sldId="264"/>
@@ -603,7 +631,15 @@
           </ac:picMkLst>
         </pc:picChg>
         <pc:picChg chg="add mod">
-          <ac:chgData name="Thomas Walchhofer" userId="c08abf49-14a8-4d2f-8f58-9f17fd209c28" providerId="ADAL" clId="{75455494-DF79-4459-9468-3B6CCDEE9B9A}" dt="2025-02-04T14:33:36.284" v="377" actId="1076"/>
+          <ac:chgData name="Thomas Walchhofer" userId="c08abf49-14a8-4d2f-8f58-9f17fd209c28" providerId="ADAL" clId="{75455494-DF79-4459-9468-3B6CCDEE9B9A}" dt="2025-02-04T15:11:16.320" v="1380"/>
+          <ac:picMkLst>
+            <pc:docMk/>
+            <pc:sldMk cId="7783070" sldId="264"/>
+            <ac:picMk id="7" creationId="{2AF2F5F4-5254-D73E-2C5A-7DE6E64F4A53}"/>
+          </ac:picMkLst>
+        </pc:picChg>
+        <pc:picChg chg="add del mod">
+          <ac:chgData name="Thomas Walchhofer" userId="c08abf49-14a8-4d2f-8f58-9f17fd209c28" providerId="ADAL" clId="{75455494-DF79-4459-9468-3B6CCDEE9B9A}" dt="2025-02-04T15:10:19.341" v="1346" actId="478"/>
           <ac:picMkLst>
             <pc:docMk/>
             <pc:sldMk cId="7783070" sldId="264"/>
@@ -611,11 +647,19 @@
           </ac:picMkLst>
         </pc:picChg>
         <pc:picChg chg="mod">
-          <ac:chgData name="Thomas Walchhofer" userId="c08abf49-14a8-4d2f-8f58-9f17fd209c28" providerId="ADAL" clId="{75455494-DF79-4459-9468-3B6CCDEE9B9A}" dt="2025-02-04T14:34:19.848" v="383" actId="1076"/>
+          <ac:chgData name="Thomas Walchhofer" userId="c08abf49-14a8-4d2f-8f58-9f17fd209c28" providerId="ADAL" clId="{75455494-DF79-4459-9468-3B6CCDEE9B9A}" dt="2025-02-04T15:13:24.174" v="1457" actId="1076"/>
           <ac:picMkLst>
             <pc:docMk/>
             <pc:sldMk cId="7783070" sldId="264"/>
             <ac:picMk id="9" creationId="{0FFD01A9-FE52-29D6-5A1D-F4226144313A}"/>
+          </ac:picMkLst>
+        </pc:picChg>
+        <pc:picChg chg="del">
+          <ac:chgData name="Thomas Walchhofer" userId="c08abf49-14a8-4d2f-8f58-9f17fd209c28" providerId="ADAL" clId="{75455494-DF79-4459-9468-3B6CCDEE9B9A}" dt="2025-02-04T15:11:15.881" v="1379" actId="478"/>
+          <ac:picMkLst>
+            <pc:docMk/>
+            <pc:sldMk cId="7783070" sldId="264"/>
+            <ac:picMk id="1224306507" creationId="{2E002E12-0F09-B289-34BA-6EC4058338FA}"/>
           </ac:picMkLst>
         </pc:picChg>
       </pc:sldChg>
@@ -626,8 +670,8 @@
           <pc:sldMk cId="2723764585" sldId="264"/>
         </pc:sldMkLst>
       </pc:sldChg>
-      <pc:sldChg chg="modSp add mod">
-        <pc:chgData name="Thomas Walchhofer" userId="c08abf49-14a8-4d2f-8f58-9f17fd209c28" providerId="ADAL" clId="{75455494-DF79-4459-9468-3B6CCDEE9B9A}" dt="2025-02-04T14:36:28.878" v="404" actId="14826"/>
+      <pc:sldChg chg="modSp add del mod">
+        <pc:chgData name="Thomas Walchhofer" userId="c08abf49-14a8-4d2f-8f58-9f17fd209c28" providerId="ADAL" clId="{75455494-DF79-4459-9468-3B6CCDEE9B9A}" dt="2025-02-04T15:28:08.206" v="1789" actId="47"/>
         <pc:sldMkLst>
           <pc:docMk/>
           <pc:sldMk cId="1418109239" sldId="265"/>
@@ -687,8 +731,8 @@
           <pc:sldMk cId="1886731281" sldId="266"/>
         </pc:sldMkLst>
       </pc:sldChg>
-      <pc:sldChg chg="modSp add mod">
-        <pc:chgData name="Thomas Walchhofer" userId="c08abf49-14a8-4d2f-8f58-9f17fd209c28" providerId="ADAL" clId="{75455494-DF79-4459-9468-3B6CCDEE9B9A}" dt="2025-02-04T14:38:51.407" v="426" actId="14100"/>
+      <pc:sldChg chg="modSp add del mod">
+        <pc:chgData name="Thomas Walchhofer" userId="c08abf49-14a8-4d2f-8f58-9f17fd209c28" providerId="ADAL" clId="{75455494-DF79-4459-9468-3B6CCDEE9B9A}" dt="2025-02-04T15:28:09.310" v="1790" actId="47"/>
         <pc:sldMkLst>
           <pc:docMk/>
           <pc:sldMk cId="3244722592" sldId="266"/>
@@ -754,6 +798,303 @@
             <pc:docMk/>
             <pc:sldMk cId="3023552692" sldId="267"/>
             <ac:picMk id="3" creationId="{DBD2BD98-821A-0120-42F9-A8841B95C377}"/>
+          </ac:picMkLst>
+        </pc:picChg>
+      </pc:sldChg>
+      <pc:sldChg chg="addSp delSp modSp add mod modNotesTx">
+        <pc:chgData name="Thomas Walchhofer" userId="c08abf49-14a8-4d2f-8f58-9f17fd209c28" providerId="ADAL" clId="{75455494-DF79-4459-9468-3B6CCDEE9B9A}" dt="2025-02-04T15:28:19.065" v="1792" actId="6549"/>
+        <pc:sldMkLst>
+          <pc:docMk/>
+          <pc:sldMk cId="4006199125" sldId="267"/>
+        </pc:sldMkLst>
+        <pc:spChg chg="mod">
+          <ac:chgData name="Thomas Walchhofer" userId="c08abf49-14a8-4d2f-8f58-9f17fd209c28" providerId="ADAL" clId="{75455494-DF79-4459-9468-3B6CCDEE9B9A}" dt="2025-02-04T15:07:46.259" v="1282" actId="20577"/>
+          <ac:spMkLst>
+            <pc:docMk/>
+            <pc:sldMk cId="4006199125" sldId="267"/>
+            <ac:spMk id="4" creationId="{D774C4E9-A196-FEEF-BB72-7098671712C7}"/>
+          </ac:spMkLst>
+        </pc:spChg>
+        <pc:spChg chg="add mod">
+          <ac:chgData name="Thomas Walchhofer" userId="c08abf49-14a8-4d2f-8f58-9f17fd209c28" providerId="ADAL" clId="{75455494-DF79-4459-9468-3B6CCDEE9B9A}" dt="2025-02-04T15:09:45.001" v="1319" actId="122"/>
+          <ac:spMkLst>
+            <pc:docMk/>
+            <pc:sldMk cId="4006199125" sldId="267"/>
+            <ac:spMk id="15" creationId="{D25D8D24-3E5B-6914-F3CE-A25B67B2B856}"/>
+          </ac:spMkLst>
+        </pc:spChg>
+        <pc:spChg chg="add mod">
+          <ac:chgData name="Thomas Walchhofer" userId="c08abf49-14a8-4d2f-8f58-9f17fd209c28" providerId="ADAL" clId="{75455494-DF79-4459-9468-3B6CCDEE9B9A}" dt="2025-02-04T15:09:52.972" v="1330" actId="20577"/>
+          <ac:spMkLst>
+            <pc:docMk/>
+            <pc:sldMk cId="4006199125" sldId="267"/>
+            <ac:spMk id="16" creationId="{489318C4-D496-0907-6542-C3A28B5F1C17}"/>
+          </ac:spMkLst>
+        </pc:spChg>
+        <pc:spChg chg="add mod">
+          <ac:chgData name="Thomas Walchhofer" userId="c08abf49-14a8-4d2f-8f58-9f17fd209c28" providerId="ADAL" clId="{75455494-DF79-4459-9468-3B6CCDEE9B9A}" dt="2025-02-04T15:10:10.524" v="1344" actId="20577"/>
+          <ac:spMkLst>
+            <pc:docMk/>
+            <pc:sldMk cId="4006199125" sldId="267"/>
+            <ac:spMk id="17" creationId="{0F9AB097-5DFA-748C-79E6-0941E0ABA333}"/>
+          </ac:spMkLst>
+        </pc:spChg>
+        <pc:grpChg chg="add mod">
+          <ac:chgData name="Thomas Walchhofer" userId="c08abf49-14a8-4d2f-8f58-9f17fd209c28" providerId="ADAL" clId="{75455494-DF79-4459-9468-3B6CCDEE9B9A}" dt="2025-02-04T15:09:05.555" v="1301" actId="164"/>
+          <ac:grpSpMkLst>
+            <pc:docMk/>
+            <pc:sldMk cId="4006199125" sldId="267"/>
+            <ac:grpSpMk id="6" creationId="{9DAAC0D4-7BCE-6D66-2243-680953F2E03D}"/>
+          </ac:grpSpMkLst>
+        </pc:grpChg>
+        <pc:grpChg chg="add mod">
+          <ac:chgData name="Thomas Walchhofer" userId="c08abf49-14a8-4d2f-8f58-9f17fd209c28" providerId="ADAL" clId="{75455494-DF79-4459-9468-3B6CCDEE9B9A}" dt="2025-02-04T15:09:05.555" v="1301" actId="164"/>
+          <ac:grpSpMkLst>
+            <pc:docMk/>
+            <pc:sldMk cId="4006199125" sldId="267"/>
+            <ac:grpSpMk id="9" creationId="{9A174C44-B791-9A8C-2FF7-0BC504FE72BC}"/>
+          </ac:grpSpMkLst>
+        </pc:grpChg>
+        <pc:grpChg chg="add mod">
+          <ac:chgData name="Thomas Walchhofer" userId="c08abf49-14a8-4d2f-8f58-9f17fd209c28" providerId="ADAL" clId="{75455494-DF79-4459-9468-3B6CCDEE9B9A}" dt="2025-02-04T15:09:05.555" v="1301" actId="164"/>
+          <ac:grpSpMkLst>
+            <pc:docMk/>
+            <pc:sldMk cId="4006199125" sldId="267"/>
+            <ac:grpSpMk id="12" creationId="{B2F35B5F-2641-F826-D3DB-245E81F62555}"/>
+          </ac:grpSpMkLst>
+        </pc:grpChg>
+        <pc:grpChg chg="add mod">
+          <ac:chgData name="Thomas Walchhofer" userId="c08abf49-14a8-4d2f-8f58-9f17fd209c28" providerId="ADAL" clId="{75455494-DF79-4459-9468-3B6CCDEE9B9A}" dt="2025-02-04T15:09:31.581" v="1306" actId="1076"/>
+          <ac:grpSpMkLst>
+            <pc:docMk/>
+            <pc:sldMk cId="4006199125" sldId="267"/>
+            <ac:grpSpMk id="13" creationId="{522CAC4A-A341-DED5-0887-E98D8A26F452}"/>
+          </ac:grpSpMkLst>
+        </pc:grpChg>
+        <pc:picChg chg="add mod">
+          <ac:chgData name="Thomas Walchhofer" userId="c08abf49-14a8-4d2f-8f58-9f17fd209c28" providerId="ADAL" clId="{75455494-DF79-4459-9468-3B6CCDEE9B9A}" dt="2025-02-04T15:08:02.629" v="1288" actId="164"/>
+          <ac:picMkLst>
+            <pc:docMk/>
+            <pc:sldMk cId="4006199125" sldId="267"/>
+            <ac:picMk id="2" creationId="{5D65951C-5D01-768D-9C5D-5E8A59A073B6}"/>
+          </ac:picMkLst>
+        </pc:picChg>
+        <pc:picChg chg="add mod">
+          <ac:chgData name="Thomas Walchhofer" userId="c08abf49-14a8-4d2f-8f58-9f17fd209c28" providerId="ADAL" clId="{75455494-DF79-4459-9468-3B6CCDEE9B9A}" dt="2025-02-04T15:08:02.629" v="1288" actId="164"/>
+          <ac:picMkLst>
+            <pc:docMk/>
+            <pc:sldMk cId="4006199125" sldId="267"/>
+            <ac:picMk id="3" creationId="{7B58774E-013B-5C56-A672-10D08730E1E0}"/>
+          </ac:picMkLst>
+        </pc:picChg>
+        <pc:picChg chg="del">
+          <ac:chgData name="Thomas Walchhofer" userId="c08abf49-14a8-4d2f-8f58-9f17fd209c28" providerId="ADAL" clId="{75455494-DF79-4459-9468-3B6CCDEE9B9A}" dt="2025-02-04T15:07:56.740" v="1285" actId="478"/>
+          <ac:picMkLst>
+            <pc:docMk/>
+            <pc:sldMk cId="4006199125" sldId="267"/>
+            <ac:picMk id="5" creationId="{73D1DA64-09CA-0512-5B5B-0D29AA277A01}"/>
+          </ac:picMkLst>
+        </pc:picChg>
+        <pc:picChg chg="add mod">
+          <ac:chgData name="Thomas Walchhofer" userId="c08abf49-14a8-4d2f-8f58-9f17fd209c28" providerId="ADAL" clId="{75455494-DF79-4459-9468-3B6CCDEE9B9A}" dt="2025-02-04T15:08:21.701" v="1292" actId="164"/>
+          <ac:picMkLst>
+            <pc:docMk/>
+            <pc:sldMk cId="4006199125" sldId="267"/>
+            <ac:picMk id="7" creationId="{DB3991E2-AE87-6447-2C43-75A9DE07A050}"/>
+          </ac:picMkLst>
+        </pc:picChg>
+        <pc:picChg chg="add mod">
+          <ac:chgData name="Thomas Walchhofer" userId="c08abf49-14a8-4d2f-8f58-9f17fd209c28" providerId="ADAL" clId="{75455494-DF79-4459-9468-3B6CCDEE9B9A}" dt="2025-02-04T15:08:21.701" v="1292" actId="164"/>
+          <ac:picMkLst>
+            <pc:docMk/>
+            <pc:sldMk cId="4006199125" sldId="267"/>
+            <ac:picMk id="8" creationId="{EF79B5AA-9206-0D3F-6AF1-1FAF00C10F69}"/>
+          </ac:picMkLst>
+        </pc:picChg>
+        <pc:picChg chg="add mod">
+          <ac:chgData name="Thomas Walchhofer" userId="c08abf49-14a8-4d2f-8f58-9f17fd209c28" providerId="ADAL" clId="{75455494-DF79-4459-9468-3B6CCDEE9B9A}" dt="2025-02-04T15:08:40.221" v="1296" actId="164"/>
+          <ac:picMkLst>
+            <pc:docMk/>
+            <pc:sldMk cId="4006199125" sldId="267"/>
+            <ac:picMk id="10" creationId="{B787DD12-0D88-69F1-EBD0-6B8BCF41879C}"/>
+          </ac:picMkLst>
+        </pc:picChg>
+        <pc:picChg chg="add mod">
+          <ac:chgData name="Thomas Walchhofer" userId="c08abf49-14a8-4d2f-8f58-9f17fd209c28" providerId="ADAL" clId="{75455494-DF79-4459-9468-3B6CCDEE9B9A}" dt="2025-02-04T15:08:40.221" v="1296" actId="164"/>
+          <ac:picMkLst>
+            <pc:docMk/>
+            <pc:sldMk cId="4006199125" sldId="267"/>
+            <ac:picMk id="11" creationId="{6B06E9DE-BDC2-9F63-A829-F60213EC6155}"/>
+          </ac:picMkLst>
+        </pc:picChg>
+      </pc:sldChg>
+      <pc:sldChg chg="modSp add del mod">
+        <pc:chgData name="Thomas Walchhofer" userId="c08abf49-14a8-4d2f-8f58-9f17fd209c28" providerId="ADAL" clId="{75455494-DF79-4459-9468-3B6CCDEE9B9A}" dt="2025-02-04T15:20:01.826" v="1552" actId="47"/>
+        <pc:sldMkLst>
+          <pc:docMk/>
+          <pc:sldMk cId="3471434100" sldId="268"/>
+        </pc:sldMkLst>
+        <pc:spChg chg="mod">
+          <ac:chgData name="Thomas Walchhofer" userId="c08abf49-14a8-4d2f-8f58-9f17fd209c28" providerId="ADAL" clId="{75455494-DF79-4459-9468-3B6CCDEE9B9A}" dt="2025-02-04T15:11:38.773" v="1415" actId="20577"/>
+          <ac:spMkLst>
+            <pc:docMk/>
+            <pc:sldMk cId="3471434100" sldId="268"/>
+            <ac:spMk id="4" creationId="{B00F3CC8-8F47-DBC0-8FDE-BAEAD1999B01}"/>
+          </ac:spMkLst>
+        </pc:spChg>
+      </pc:sldChg>
+      <pc:sldChg chg="modSp add mod">
+        <pc:chgData name="Thomas Walchhofer" userId="c08abf49-14a8-4d2f-8f58-9f17fd209c28" providerId="ADAL" clId="{75455494-DF79-4459-9468-3B6CCDEE9B9A}" dt="2025-02-04T15:20:49.378" v="1591" actId="20577"/>
+        <pc:sldMkLst>
+          <pc:docMk/>
+          <pc:sldMk cId="3821838507" sldId="269"/>
+        </pc:sldMkLst>
+        <pc:spChg chg="mod">
+          <ac:chgData name="Thomas Walchhofer" userId="c08abf49-14a8-4d2f-8f58-9f17fd209c28" providerId="ADAL" clId="{75455494-DF79-4459-9468-3B6CCDEE9B9A}" dt="2025-02-04T15:20:49.378" v="1591" actId="20577"/>
+          <ac:spMkLst>
+            <pc:docMk/>
+            <pc:sldMk cId="3821838507" sldId="269"/>
+            <ac:spMk id="4" creationId="{0B264E6D-5A7B-ACFA-9905-4F2A91F0435C}"/>
+          </ac:spMkLst>
+        </pc:spChg>
+        <pc:spChg chg="mod">
+          <ac:chgData name="Thomas Walchhofer" userId="c08abf49-14a8-4d2f-8f58-9f17fd209c28" providerId="ADAL" clId="{75455494-DF79-4459-9468-3B6CCDEE9B9A}" dt="2025-02-04T15:19:54.258" v="1551" actId="20577"/>
+          <ac:spMkLst>
+            <pc:docMk/>
+            <pc:sldMk cId="3821838507" sldId="269"/>
+            <ac:spMk id="10" creationId="{2983A847-E6B3-0C17-2B5F-41FE2EE024CA}"/>
+          </ac:spMkLst>
+        </pc:spChg>
+        <pc:picChg chg="mod">
+          <ac:chgData name="Thomas Walchhofer" userId="c08abf49-14a8-4d2f-8f58-9f17fd209c28" providerId="ADAL" clId="{75455494-DF79-4459-9468-3B6CCDEE9B9A}" dt="2025-02-04T15:15:18.574" v="1511" actId="14826"/>
+          <ac:picMkLst>
+            <pc:docMk/>
+            <pc:sldMk cId="3821838507" sldId="269"/>
+            <ac:picMk id="9" creationId="{FA6B1E27-B853-C101-45FC-D84F85D34E80}"/>
+          </ac:picMkLst>
+        </pc:picChg>
+      </pc:sldChg>
+      <pc:sldChg chg="modSp add mod">
+        <pc:chgData name="Thomas Walchhofer" userId="c08abf49-14a8-4d2f-8f58-9f17fd209c28" providerId="ADAL" clId="{75455494-DF79-4459-9468-3B6CCDEE9B9A}" dt="2025-02-04T15:21:59.435" v="1611" actId="14826"/>
+        <pc:sldMkLst>
+          <pc:docMk/>
+          <pc:sldMk cId="3614296369" sldId="270"/>
+        </pc:sldMkLst>
+        <pc:spChg chg="mod">
+          <ac:chgData name="Thomas Walchhofer" userId="c08abf49-14a8-4d2f-8f58-9f17fd209c28" providerId="ADAL" clId="{75455494-DF79-4459-9468-3B6CCDEE9B9A}" dt="2025-02-04T15:20:43.393" v="1587" actId="20577"/>
+          <ac:spMkLst>
+            <pc:docMk/>
+            <pc:sldMk cId="3614296369" sldId="270"/>
+            <ac:spMk id="4" creationId="{D76D366B-51F2-8BC0-84E3-2196EFF672E1}"/>
+          </ac:spMkLst>
+        </pc:spChg>
+        <pc:spChg chg="mod">
+          <ac:chgData name="Thomas Walchhofer" userId="c08abf49-14a8-4d2f-8f58-9f17fd209c28" providerId="ADAL" clId="{75455494-DF79-4459-9468-3B6CCDEE9B9A}" dt="2025-02-04T15:21:43.690" v="1610" actId="20577"/>
+          <ac:spMkLst>
+            <pc:docMk/>
+            <pc:sldMk cId="3614296369" sldId="270"/>
+            <ac:spMk id="10" creationId="{9536753E-E4BF-9CF8-DE9B-0B3CC79DC6AA}"/>
+          </ac:spMkLst>
+        </pc:spChg>
+        <pc:picChg chg="mod">
+          <ac:chgData name="Thomas Walchhofer" userId="c08abf49-14a8-4d2f-8f58-9f17fd209c28" providerId="ADAL" clId="{75455494-DF79-4459-9468-3B6CCDEE9B9A}" dt="2025-02-04T15:21:59.435" v="1611" actId="14826"/>
+          <ac:picMkLst>
+            <pc:docMk/>
+            <pc:sldMk cId="3614296369" sldId="270"/>
+            <ac:picMk id="9" creationId="{56A7B67A-93CF-7FDA-0C7A-8CCE2D424C1D}"/>
+          </ac:picMkLst>
+        </pc:picChg>
+      </pc:sldChg>
+      <pc:sldChg chg="modSp add mod">
+        <pc:chgData name="Thomas Walchhofer" userId="c08abf49-14a8-4d2f-8f58-9f17fd209c28" providerId="ADAL" clId="{75455494-DF79-4459-9468-3B6CCDEE9B9A}" dt="2025-02-04T15:23:28.508" v="1643"/>
+        <pc:sldMkLst>
+          <pc:docMk/>
+          <pc:sldMk cId="2349546168" sldId="271"/>
+        </pc:sldMkLst>
+        <pc:spChg chg="mod">
+          <ac:chgData name="Thomas Walchhofer" userId="c08abf49-14a8-4d2f-8f58-9f17fd209c28" providerId="ADAL" clId="{75455494-DF79-4459-9468-3B6CCDEE9B9A}" dt="2025-02-04T15:22:22.056" v="1626" actId="20577"/>
+          <ac:spMkLst>
+            <pc:docMk/>
+            <pc:sldMk cId="2349546168" sldId="271"/>
+            <ac:spMk id="4" creationId="{87C3B0AB-EE46-7A6C-A589-E50E6E1DF4D2}"/>
+          </ac:spMkLst>
+        </pc:spChg>
+        <pc:spChg chg="mod">
+          <ac:chgData name="Thomas Walchhofer" userId="c08abf49-14a8-4d2f-8f58-9f17fd209c28" providerId="ADAL" clId="{75455494-DF79-4459-9468-3B6CCDEE9B9A}" dt="2025-02-04T15:23:28.508" v="1643"/>
+          <ac:spMkLst>
+            <pc:docMk/>
+            <pc:sldMk cId="2349546168" sldId="271"/>
+            <ac:spMk id="10" creationId="{69D6EA3A-1A46-A81F-E7D4-FEC671D280D7}"/>
+          </ac:spMkLst>
+        </pc:spChg>
+        <pc:picChg chg="mod">
+          <ac:chgData name="Thomas Walchhofer" userId="c08abf49-14a8-4d2f-8f58-9f17fd209c28" providerId="ADAL" clId="{75455494-DF79-4459-9468-3B6CCDEE9B9A}" dt="2025-02-04T15:22:34.322" v="1627" actId="14826"/>
+          <ac:picMkLst>
+            <pc:docMk/>
+            <pc:sldMk cId="2349546168" sldId="271"/>
+            <ac:picMk id="9" creationId="{1E0456C3-FA0E-33C0-339E-D55049C5774C}"/>
+          </ac:picMkLst>
+        </pc:picChg>
+      </pc:sldChg>
+      <pc:sldChg chg="modSp add mod">
+        <pc:chgData name="Thomas Walchhofer" userId="c08abf49-14a8-4d2f-8f58-9f17fd209c28" providerId="ADAL" clId="{75455494-DF79-4459-9468-3B6CCDEE9B9A}" dt="2025-02-04T15:25:59.050" v="1720" actId="20577"/>
+        <pc:sldMkLst>
+          <pc:docMk/>
+          <pc:sldMk cId="2986438465" sldId="272"/>
+        </pc:sldMkLst>
+        <pc:spChg chg="mod">
+          <ac:chgData name="Thomas Walchhofer" userId="c08abf49-14a8-4d2f-8f58-9f17fd209c28" providerId="ADAL" clId="{75455494-DF79-4459-9468-3B6CCDEE9B9A}" dt="2025-02-04T15:24:11.058" v="1694" actId="20577"/>
+          <ac:spMkLst>
+            <pc:docMk/>
+            <pc:sldMk cId="2986438465" sldId="272"/>
+            <ac:spMk id="4" creationId="{E4E19FC4-81FC-EA38-6E1D-6ABF412017B1}"/>
+          </ac:spMkLst>
+        </pc:spChg>
+        <pc:spChg chg="mod">
+          <ac:chgData name="Thomas Walchhofer" userId="c08abf49-14a8-4d2f-8f58-9f17fd209c28" providerId="ADAL" clId="{75455494-DF79-4459-9468-3B6CCDEE9B9A}" dt="2025-02-04T15:25:59.050" v="1720" actId="20577"/>
+          <ac:spMkLst>
+            <pc:docMk/>
+            <pc:sldMk cId="2986438465" sldId="272"/>
+            <ac:spMk id="10" creationId="{8F78FB5C-C07D-B724-8E1C-0FFE20AFE681}"/>
+          </ac:spMkLst>
+        </pc:spChg>
+        <pc:picChg chg="mod">
+          <ac:chgData name="Thomas Walchhofer" userId="c08abf49-14a8-4d2f-8f58-9f17fd209c28" providerId="ADAL" clId="{75455494-DF79-4459-9468-3B6CCDEE9B9A}" dt="2025-02-04T15:24:22.974" v="1695" actId="14826"/>
+          <ac:picMkLst>
+            <pc:docMk/>
+            <pc:sldMk cId="2986438465" sldId="272"/>
+            <ac:picMk id="9" creationId="{1A4C83FC-F7F9-64D3-722B-32046BAF4379}"/>
+          </ac:picMkLst>
+        </pc:picChg>
+      </pc:sldChg>
+      <pc:sldChg chg="modSp add mod">
+        <pc:chgData name="Thomas Walchhofer" userId="c08abf49-14a8-4d2f-8f58-9f17fd209c28" providerId="ADAL" clId="{75455494-DF79-4459-9468-3B6CCDEE9B9A}" dt="2025-02-04T15:28:02.115" v="1788"/>
+        <pc:sldMkLst>
+          <pc:docMk/>
+          <pc:sldMk cId="3810569807" sldId="273"/>
+        </pc:sldMkLst>
+        <pc:spChg chg="mod">
+          <ac:chgData name="Thomas Walchhofer" userId="c08abf49-14a8-4d2f-8f58-9f17fd209c28" providerId="ADAL" clId="{75455494-DF79-4459-9468-3B6CCDEE9B9A}" dt="2025-02-04T15:26:20.825" v="1753" actId="20577"/>
+          <ac:spMkLst>
+            <pc:docMk/>
+            <pc:sldMk cId="3810569807" sldId="273"/>
+            <ac:spMk id="4" creationId="{20415882-67CD-FC6A-6A47-4974A629D41E}"/>
+          </ac:spMkLst>
+        </pc:spChg>
+        <pc:spChg chg="mod">
+          <ac:chgData name="Thomas Walchhofer" userId="c08abf49-14a8-4d2f-8f58-9f17fd209c28" providerId="ADAL" clId="{75455494-DF79-4459-9468-3B6CCDEE9B9A}" dt="2025-02-04T15:28:02.115" v="1788"/>
+          <ac:spMkLst>
+            <pc:docMk/>
+            <pc:sldMk cId="3810569807" sldId="273"/>
+            <ac:spMk id="10" creationId="{A8E30425-C1A7-D89E-9D33-BF76FFBCE403}"/>
+          </ac:spMkLst>
+        </pc:spChg>
+        <pc:picChg chg="mod">
+          <ac:chgData name="Thomas Walchhofer" userId="c08abf49-14a8-4d2f-8f58-9f17fd209c28" providerId="ADAL" clId="{75455494-DF79-4459-9468-3B6CCDEE9B9A}" dt="2025-02-04T15:26:35.378" v="1754" actId="14826"/>
+          <ac:picMkLst>
+            <pc:docMk/>
+            <pc:sldMk cId="3810569807" sldId="273"/>
+            <ac:picMk id="9" creationId="{C3A20CCE-E51D-BBDF-E57E-E68E99E9F2CE}"/>
           </ac:picMkLst>
         </pc:picChg>
       </pc:sldChg>
@@ -4465,6 +4806,234 @@
 </p:notes>
 </file>
 
+<file path=ppt/notesSlides/notesSlide10.xml><?xml version="1.0" encoding="utf-8"?>
+<p:notes xmlns:a="http://schemas.openxmlformats.org/drawingml/2006/main" xmlns:r="http://schemas.openxmlformats.org/officeDocument/2006/relationships" xmlns:p="http://schemas.openxmlformats.org/presentationml/2006/main">
+  <p:cSld>
+    <p:spTree>
+      <p:nvGrpSpPr>
+        <p:cNvPr id="1" name="">
+          <a:extLst>
+            <a:ext uri="{FF2B5EF4-FFF2-40B4-BE49-F238E27FC236}">
+              <a16:creationId xmlns:a16="http://schemas.microsoft.com/office/drawing/2014/main" id="{E33F3CC3-061D-D892-1883-758E71449186}"/>
+            </a:ext>
+          </a:extLst>
+        </p:cNvPr>
+        <p:cNvGrpSpPr/>
+        <p:nvPr/>
+      </p:nvGrpSpPr>
+      <p:grpSpPr bwMode="auto">
+        <a:xfrm>
+          <a:off x="0" y="0"/>
+          <a:ext cx="0" cy="0"/>
+          <a:chOff x="0" y="0"/>
+          <a:chExt cx="0" cy="0"/>
+        </a:xfrm>
+      </p:grpSpPr>
+      <p:sp>
+        <p:nvSpPr>
+          <p:cNvPr id="417205216" name="Slide Image Placeholder 1">
+            <a:extLst>
+              <a:ext uri="{FF2B5EF4-FFF2-40B4-BE49-F238E27FC236}">
+                <a16:creationId xmlns:a16="http://schemas.microsoft.com/office/drawing/2014/main" id="{FE8BB809-81D9-0AA6-48C7-0D54B273D3B5}"/>
+              </a:ext>
+            </a:extLst>
+          </p:cNvPr>
+          <p:cNvSpPr>
+            <a:spLocks noGrp="1" noRot="1" noChangeAspect="1"/>
+          </p:cNvSpPr>
+          <p:nvPr>
+            <p:ph type="sldImg"/>
+          </p:nvPr>
+        </p:nvSpPr>
+        <p:spPr bwMode="auto"/>
+      </p:sp>
+      <p:sp>
+        <p:nvSpPr>
+          <p:cNvPr id="821377058" name="Notes Placeholder 2">
+            <a:extLst>
+              <a:ext uri="{FF2B5EF4-FFF2-40B4-BE49-F238E27FC236}">
+                <a16:creationId xmlns:a16="http://schemas.microsoft.com/office/drawing/2014/main" id="{9895DA27-CD28-EAE3-205B-4C206772C006}"/>
+              </a:ext>
+            </a:extLst>
+          </p:cNvPr>
+          <p:cNvSpPr>
+            <a:spLocks noGrp="1"/>
+          </p:cNvSpPr>
+          <p:nvPr>
+            <p:ph type="body" idx="1"/>
+          </p:nvPr>
+        </p:nvSpPr>
+        <p:spPr bwMode="auto"/>
+        <p:txBody>
+          <a:bodyPr/>
+          <a:lstStyle/>
+          <a:p>
+            <a:pPr>
+              <a:defRPr/>
+            </a:pPr>
+            <a:endParaRPr dirty="0"/>
+          </a:p>
+        </p:txBody>
+      </p:sp>
+      <p:sp>
+        <p:nvSpPr>
+          <p:cNvPr id="1612961339" name="Slide Number Placeholder 3">
+            <a:extLst>
+              <a:ext uri="{FF2B5EF4-FFF2-40B4-BE49-F238E27FC236}">
+                <a16:creationId xmlns:a16="http://schemas.microsoft.com/office/drawing/2014/main" id="{3A173994-61BA-B554-68F0-A51E63F44D2C}"/>
+              </a:ext>
+            </a:extLst>
+          </p:cNvPr>
+          <p:cNvSpPr>
+            <a:spLocks noGrp="1"/>
+          </p:cNvSpPr>
+          <p:nvPr>
+            <p:ph type="sldNum" sz="quarter" idx="10"/>
+          </p:nvPr>
+        </p:nvSpPr>
+        <p:spPr bwMode="auto"/>
+        <p:txBody>
+          <a:bodyPr/>
+          <a:lstStyle/>
+          <a:p>
+            <a:pPr>
+              <a:defRPr/>
+            </a:pPr>
+            <a:fld id="{3F373E98-5BAB-8D0B-E7CF-9F30BB0CAFB5}" type="slidenum">
+              <a:rPr/>
+              <a:t>10</a:t>
+            </a:fld>
+            <a:endParaRPr/>
+          </a:p>
+        </p:txBody>
+      </p:sp>
+    </p:spTree>
+    <p:extLst>
+      <p:ext uri="{BB962C8B-B14F-4D97-AF65-F5344CB8AC3E}">
+        <p14:creationId xmlns:p14="http://schemas.microsoft.com/office/powerpoint/2010/main" val="3136981624"/>
+      </p:ext>
+    </p:extLst>
+  </p:cSld>
+  <p:clrMapOvr>
+    <a:masterClrMapping/>
+  </p:clrMapOvr>
+</p:notes>
+</file>
+
+<file path=ppt/notesSlides/notesSlide11.xml><?xml version="1.0" encoding="utf-8"?>
+<p:notes xmlns:a="http://schemas.openxmlformats.org/drawingml/2006/main" xmlns:r="http://schemas.openxmlformats.org/officeDocument/2006/relationships" xmlns:p="http://schemas.openxmlformats.org/presentationml/2006/main">
+  <p:cSld>
+    <p:spTree>
+      <p:nvGrpSpPr>
+        <p:cNvPr id="1" name="">
+          <a:extLst>
+            <a:ext uri="{FF2B5EF4-FFF2-40B4-BE49-F238E27FC236}">
+              <a16:creationId xmlns:a16="http://schemas.microsoft.com/office/drawing/2014/main" id="{DBF0A429-3CBF-C8B8-1AE8-C202A069D0FC}"/>
+            </a:ext>
+          </a:extLst>
+        </p:cNvPr>
+        <p:cNvGrpSpPr/>
+        <p:nvPr/>
+      </p:nvGrpSpPr>
+      <p:grpSpPr bwMode="auto">
+        <a:xfrm>
+          <a:off x="0" y="0"/>
+          <a:ext cx="0" cy="0"/>
+          <a:chOff x="0" y="0"/>
+          <a:chExt cx="0" cy="0"/>
+        </a:xfrm>
+      </p:grpSpPr>
+      <p:sp>
+        <p:nvSpPr>
+          <p:cNvPr id="417205216" name="Slide Image Placeholder 1">
+            <a:extLst>
+              <a:ext uri="{FF2B5EF4-FFF2-40B4-BE49-F238E27FC236}">
+                <a16:creationId xmlns:a16="http://schemas.microsoft.com/office/drawing/2014/main" id="{8FE7A118-29C1-14C0-7F98-1782D22EC1EC}"/>
+              </a:ext>
+            </a:extLst>
+          </p:cNvPr>
+          <p:cNvSpPr>
+            <a:spLocks noGrp="1" noRot="1" noChangeAspect="1"/>
+          </p:cNvSpPr>
+          <p:nvPr>
+            <p:ph type="sldImg"/>
+          </p:nvPr>
+        </p:nvSpPr>
+        <p:spPr bwMode="auto"/>
+      </p:sp>
+      <p:sp>
+        <p:nvSpPr>
+          <p:cNvPr id="821377058" name="Notes Placeholder 2">
+            <a:extLst>
+              <a:ext uri="{FF2B5EF4-FFF2-40B4-BE49-F238E27FC236}">
+                <a16:creationId xmlns:a16="http://schemas.microsoft.com/office/drawing/2014/main" id="{B6A42A4F-D415-838C-6C5C-0C5F40B6F566}"/>
+              </a:ext>
+            </a:extLst>
+          </p:cNvPr>
+          <p:cNvSpPr>
+            <a:spLocks noGrp="1"/>
+          </p:cNvSpPr>
+          <p:nvPr>
+            <p:ph type="body" idx="1"/>
+          </p:nvPr>
+        </p:nvSpPr>
+        <p:spPr bwMode="auto"/>
+        <p:txBody>
+          <a:bodyPr/>
+          <a:lstStyle/>
+          <a:p>
+            <a:pPr>
+              <a:defRPr/>
+            </a:pPr>
+            <a:endParaRPr dirty="0"/>
+          </a:p>
+        </p:txBody>
+      </p:sp>
+      <p:sp>
+        <p:nvSpPr>
+          <p:cNvPr id="1612961339" name="Slide Number Placeholder 3">
+            <a:extLst>
+              <a:ext uri="{FF2B5EF4-FFF2-40B4-BE49-F238E27FC236}">
+                <a16:creationId xmlns:a16="http://schemas.microsoft.com/office/drawing/2014/main" id="{46E85D43-A0CF-62FB-263D-CD02048D266B}"/>
+              </a:ext>
+            </a:extLst>
+          </p:cNvPr>
+          <p:cNvSpPr>
+            <a:spLocks noGrp="1"/>
+          </p:cNvSpPr>
+          <p:nvPr>
+            <p:ph type="sldNum" sz="quarter" idx="10"/>
+          </p:nvPr>
+        </p:nvSpPr>
+        <p:spPr bwMode="auto"/>
+        <p:txBody>
+          <a:bodyPr/>
+          <a:lstStyle/>
+          <a:p>
+            <a:pPr>
+              <a:defRPr/>
+            </a:pPr>
+            <a:fld id="{3F373E98-5BAB-8D0B-E7CF-9F30BB0CAFB5}" type="slidenum">
+              <a:rPr/>
+              <a:t>11</a:t>
+            </a:fld>
+            <a:endParaRPr/>
+          </a:p>
+        </p:txBody>
+      </p:sp>
+    </p:spTree>
+    <p:extLst>
+      <p:ext uri="{BB962C8B-B14F-4D97-AF65-F5344CB8AC3E}">
+        <p14:creationId xmlns:p14="http://schemas.microsoft.com/office/powerpoint/2010/main" val="1955608956"/>
+      </p:ext>
+    </p:extLst>
+  </p:cSld>
+  <p:clrMapOvr>
+    <a:masterClrMapping/>
+  </p:clrMapOvr>
+</p:notes>
+</file>
+
 <file path=ppt/notesSlides/notesSlide2.xml><?xml version="1.0" encoding="utf-8"?>
 <p:notes xmlns:a="http://schemas.openxmlformats.org/drawingml/2006/main" xmlns:r="http://schemas.openxmlformats.org/officeDocument/2006/relationships" xmlns:p="http://schemas.openxmlformats.org/presentationml/2006/main">
   <p:cSld>
@@ -4512,9 +5081,7 @@
             <a:pPr>
               <a:defRPr/>
             </a:pPr>
-            <a:r>
-              <a:t>First question done, fourth question done, second question -&gt; altered towards sentiment analysis with keywords, third question would be interesting</a:t>
-            </a:r>
+            <a:endParaRPr dirty="0"/>
           </a:p>
         </p:txBody>
       </p:sp>
@@ -4617,9 +5184,7 @@
             <a:pPr>
               <a:defRPr/>
             </a:pPr>
-            <a:r>
-              <a:t>First question done, fourth question done, second question -&gt; altered towards sentiment analysis with keywords, third question would be interesting</a:t>
-            </a:r>
+            <a:endParaRPr dirty="0"/>
           </a:p>
         </p:txBody>
       </p:sp>
@@ -4669,6 +5234,120 @@
 </file>
 
 <file path=ppt/notesSlides/notesSlide4.xml><?xml version="1.0" encoding="utf-8"?>
+<p:notes xmlns:a="http://schemas.openxmlformats.org/drawingml/2006/main" xmlns:r="http://schemas.openxmlformats.org/officeDocument/2006/relationships" xmlns:p="http://schemas.openxmlformats.org/presentationml/2006/main">
+  <p:cSld>
+    <p:spTree>
+      <p:nvGrpSpPr>
+        <p:cNvPr id="1" name="">
+          <a:extLst>
+            <a:ext uri="{FF2B5EF4-FFF2-40B4-BE49-F238E27FC236}">
+              <a16:creationId xmlns:a16="http://schemas.microsoft.com/office/drawing/2014/main" id="{606AEF72-97D0-6DD0-BE88-712B61D7FFE7}"/>
+            </a:ext>
+          </a:extLst>
+        </p:cNvPr>
+        <p:cNvGrpSpPr/>
+        <p:nvPr/>
+      </p:nvGrpSpPr>
+      <p:grpSpPr bwMode="auto">
+        <a:xfrm>
+          <a:off x="0" y="0"/>
+          <a:ext cx="0" cy="0"/>
+          <a:chOff x="0" y="0"/>
+          <a:chExt cx="0" cy="0"/>
+        </a:xfrm>
+      </p:grpSpPr>
+      <p:sp>
+        <p:nvSpPr>
+          <p:cNvPr id="417205216" name="Slide Image Placeholder 1">
+            <a:extLst>
+              <a:ext uri="{FF2B5EF4-FFF2-40B4-BE49-F238E27FC236}">
+                <a16:creationId xmlns:a16="http://schemas.microsoft.com/office/drawing/2014/main" id="{DE318027-2502-6F23-3A3A-AD89B0E39F9A}"/>
+              </a:ext>
+            </a:extLst>
+          </p:cNvPr>
+          <p:cNvSpPr>
+            <a:spLocks noGrp="1" noRot="1" noChangeAspect="1"/>
+          </p:cNvSpPr>
+          <p:nvPr>
+            <p:ph type="sldImg"/>
+          </p:nvPr>
+        </p:nvSpPr>
+        <p:spPr bwMode="auto"/>
+      </p:sp>
+      <p:sp>
+        <p:nvSpPr>
+          <p:cNvPr id="821377058" name="Notes Placeholder 2">
+            <a:extLst>
+              <a:ext uri="{FF2B5EF4-FFF2-40B4-BE49-F238E27FC236}">
+                <a16:creationId xmlns:a16="http://schemas.microsoft.com/office/drawing/2014/main" id="{010507F5-C670-0DE4-5919-0537A36A158E}"/>
+              </a:ext>
+            </a:extLst>
+          </p:cNvPr>
+          <p:cNvSpPr>
+            <a:spLocks noGrp="1"/>
+          </p:cNvSpPr>
+          <p:nvPr>
+            <p:ph type="body" idx="1"/>
+          </p:nvPr>
+        </p:nvSpPr>
+        <p:spPr bwMode="auto"/>
+        <p:txBody>
+          <a:bodyPr/>
+          <a:lstStyle/>
+          <a:p>
+            <a:pPr>
+              <a:defRPr/>
+            </a:pPr>
+            <a:endParaRPr dirty="0"/>
+          </a:p>
+        </p:txBody>
+      </p:sp>
+      <p:sp>
+        <p:nvSpPr>
+          <p:cNvPr id="1612961339" name="Slide Number Placeholder 3">
+            <a:extLst>
+              <a:ext uri="{FF2B5EF4-FFF2-40B4-BE49-F238E27FC236}">
+                <a16:creationId xmlns:a16="http://schemas.microsoft.com/office/drawing/2014/main" id="{A87420B6-E54F-41C9-6CC8-9D7A9584AC58}"/>
+              </a:ext>
+            </a:extLst>
+          </p:cNvPr>
+          <p:cNvSpPr>
+            <a:spLocks noGrp="1"/>
+          </p:cNvSpPr>
+          <p:nvPr>
+            <p:ph type="sldNum" sz="quarter" idx="10"/>
+          </p:nvPr>
+        </p:nvSpPr>
+        <p:spPr bwMode="auto"/>
+        <p:txBody>
+          <a:bodyPr/>
+          <a:lstStyle/>
+          <a:p>
+            <a:pPr>
+              <a:defRPr/>
+            </a:pPr>
+            <a:fld id="{3F373E98-5BAB-8D0B-E7CF-9F30BB0CAFB5}" type="slidenum">
+              <a:rPr/>
+              <a:t>4</a:t>
+            </a:fld>
+            <a:endParaRPr/>
+          </a:p>
+        </p:txBody>
+      </p:sp>
+    </p:spTree>
+    <p:extLst>
+      <p:ext uri="{BB962C8B-B14F-4D97-AF65-F5344CB8AC3E}">
+        <p14:creationId xmlns:p14="http://schemas.microsoft.com/office/powerpoint/2010/main" val="1018565063"/>
+      </p:ext>
+    </p:extLst>
+  </p:cSld>
+  <p:clrMapOvr>
+    <a:masterClrMapping/>
+  </p:clrMapOvr>
+</p:notes>
+</file>
+
+<file path=ppt/notesSlides/notesSlide5.xml><?xml version="1.0" encoding="utf-8"?>
 <p:notes xmlns:a="http://schemas.openxmlformats.org/drawingml/2006/main" xmlns:r="http://schemas.openxmlformats.org/officeDocument/2006/relationships" xmlns:p="http://schemas.openxmlformats.org/presentationml/2006/main">
   <p:cSld>
     <p:spTree>
@@ -4763,7 +5442,7 @@
             </a:pPr>
             <a:fld id="{3F373E98-5BAB-8D0B-E7CF-9F30BB0CAFB5}" type="slidenum">
               <a:rPr/>
-              <a:t>4</a:t>
+              <a:t>5</a:t>
             </a:fld>
             <a:endParaRPr/>
           </a:p>
@@ -4782,7 +5461,7 @@
 </p:notes>
 </file>
 
-<file path=ppt/notesSlides/notesSlide5.xml><?xml version="1.0" encoding="utf-8"?>
+<file path=ppt/notesSlides/notesSlide6.xml><?xml version="1.0" encoding="utf-8"?>
 <p:notes xmlns:a="http://schemas.openxmlformats.org/drawingml/2006/main" xmlns:r="http://schemas.openxmlformats.org/officeDocument/2006/relationships" xmlns:p="http://schemas.openxmlformats.org/presentationml/2006/main">
   <p:cSld>
     <p:spTree>
@@ -4790,7 +5469,7 @@
         <p:cNvPr id="1" name="">
           <a:extLst>
             <a:ext uri="{FF2B5EF4-FFF2-40B4-BE49-F238E27FC236}">
-              <a16:creationId xmlns:a16="http://schemas.microsoft.com/office/drawing/2014/main" id="{58090ADE-1707-1810-3E7D-5914FDCC8213}"/>
+              <a16:creationId xmlns:a16="http://schemas.microsoft.com/office/drawing/2014/main" id="{45210188-0DD7-3592-BD24-2585508474AE}"/>
             </a:ext>
           </a:extLst>
         </p:cNvPr>
@@ -4810,7 +5489,7 @@
           <p:cNvPr id="417205216" name="Slide Image Placeholder 1">
             <a:extLst>
               <a:ext uri="{FF2B5EF4-FFF2-40B4-BE49-F238E27FC236}">
-                <a16:creationId xmlns:a16="http://schemas.microsoft.com/office/drawing/2014/main" id="{75A5A66E-2771-8512-504E-FA936A1BB7BB}"/>
+                <a16:creationId xmlns:a16="http://schemas.microsoft.com/office/drawing/2014/main" id="{E6BE1FC7-435C-C9FE-1298-903393046EE3}"/>
               </a:ext>
             </a:extLst>
           </p:cNvPr>
@@ -4828,7 +5507,7 @@
           <p:cNvPr id="821377058" name="Notes Placeholder 2">
             <a:extLst>
               <a:ext uri="{FF2B5EF4-FFF2-40B4-BE49-F238E27FC236}">
-                <a16:creationId xmlns:a16="http://schemas.microsoft.com/office/drawing/2014/main" id="{4CD76393-0CB1-F6AD-DC8F-7CF6CF9E23AF}"/>
+                <a16:creationId xmlns:a16="http://schemas.microsoft.com/office/drawing/2014/main" id="{2A74058B-F21E-60FF-6B30-36F5624085E1}"/>
               </a:ext>
             </a:extLst>
           </p:cNvPr>
@@ -4856,7 +5535,7 @@
           <p:cNvPr id="1612961339" name="Slide Number Placeholder 3">
             <a:extLst>
               <a:ext uri="{FF2B5EF4-FFF2-40B4-BE49-F238E27FC236}">
-                <a16:creationId xmlns:a16="http://schemas.microsoft.com/office/drawing/2014/main" id="{54881557-38EE-2E57-B286-748141E287F0}"/>
+                <a16:creationId xmlns:a16="http://schemas.microsoft.com/office/drawing/2014/main" id="{B2E16304-25E7-AAC1-1DE1-337FC2EC4E81}"/>
               </a:ext>
             </a:extLst>
           </p:cNvPr>
@@ -4877,7 +5556,7 @@
             </a:pPr>
             <a:fld id="{3F373E98-5BAB-8D0B-E7CF-9F30BB0CAFB5}" type="slidenum">
               <a:rPr/>
-              <a:t>5</a:t>
+              <a:t>6</a:t>
             </a:fld>
             <a:endParaRPr/>
           </a:p>
@@ -4886,7 +5565,7 @@
     </p:spTree>
     <p:extLst>
       <p:ext uri="{BB962C8B-B14F-4D97-AF65-F5344CB8AC3E}">
-        <p14:creationId xmlns:p14="http://schemas.microsoft.com/office/powerpoint/2010/main" val="3995839242"/>
+        <p14:creationId xmlns:p14="http://schemas.microsoft.com/office/powerpoint/2010/main" val="1753450027"/>
       </p:ext>
     </p:extLst>
   </p:cSld>
@@ -4896,7 +5575,7 @@
 </p:notes>
 </file>
 
-<file path=ppt/notesSlides/notesSlide6.xml><?xml version="1.0" encoding="utf-8"?>
+<file path=ppt/notesSlides/notesSlide7.xml><?xml version="1.0" encoding="utf-8"?>
 <p:notes xmlns:a="http://schemas.openxmlformats.org/drawingml/2006/main" xmlns:r="http://schemas.openxmlformats.org/officeDocument/2006/relationships" xmlns:p="http://schemas.openxmlformats.org/presentationml/2006/main">
   <p:cSld>
     <p:spTree>
@@ -4904,7 +5583,7 @@
         <p:cNvPr id="1" name="">
           <a:extLst>
             <a:ext uri="{FF2B5EF4-FFF2-40B4-BE49-F238E27FC236}">
-              <a16:creationId xmlns:a16="http://schemas.microsoft.com/office/drawing/2014/main" id="{CADDCDD1-8381-3CA8-B05F-01AD9F38115E}"/>
+              <a16:creationId xmlns:a16="http://schemas.microsoft.com/office/drawing/2014/main" id="{4B9823C6-350F-24CF-3DC7-C93F05D63B25}"/>
             </a:ext>
           </a:extLst>
         </p:cNvPr>
@@ -4924,7 +5603,7 @@
           <p:cNvPr id="417205216" name="Slide Image Placeholder 1">
             <a:extLst>
               <a:ext uri="{FF2B5EF4-FFF2-40B4-BE49-F238E27FC236}">
-                <a16:creationId xmlns:a16="http://schemas.microsoft.com/office/drawing/2014/main" id="{52142C55-5523-73E6-2554-940A2A6C7F81}"/>
+                <a16:creationId xmlns:a16="http://schemas.microsoft.com/office/drawing/2014/main" id="{6482057F-F63E-E343-128D-2E9BE2D9BA96}"/>
               </a:ext>
             </a:extLst>
           </p:cNvPr>
@@ -4942,7 +5621,7 @@
           <p:cNvPr id="821377058" name="Notes Placeholder 2">
             <a:extLst>
               <a:ext uri="{FF2B5EF4-FFF2-40B4-BE49-F238E27FC236}">
-                <a16:creationId xmlns:a16="http://schemas.microsoft.com/office/drawing/2014/main" id="{2C344998-2FC2-3736-04FB-B115FC3050B9}"/>
+                <a16:creationId xmlns:a16="http://schemas.microsoft.com/office/drawing/2014/main" id="{C1F9A558-CB69-F819-883A-AB46073EE5FB}"/>
               </a:ext>
             </a:extLst>
           </p:cNvPr>
@@ -4970,7 +5649,7 @@
           <p:cNvPr id="1612961339" name="Slide Number Placeholder 3">
             <a:extLst>
               <a:ext uri="{FF2B5EF4-FFF2-40B4-BE49-F238E27FC236}">
-                <a16:creationId xmlns:a16="http://schemas.microsoft.com/office/drawing/2014/main" id="{5789DBFE-1A7A-8B38-5A7E-81126002B8F9}"/>
+                <a16:creationId xmlns:a16="http://schemas.microsoft.com/office/drawing/2014/main" id="{3C3DDC09-47AB-4D1E-3551-849ADE96BFA9}"/>
               </a:ext>
             </a:extLst>
           </p:cNvPr>
@@ -4991,7 +5670,7 @@
             </a:pPr>
             <a:fld id="{3F373E98-5BAB-8D0B-E7CF-9F30BB0CAFB5}" type="slidenum">
               <a:rPr/>
-              <a:t>6</a:t>
+              <a:t>7</a:t>
             </a:fld>
             <a:endParaRPr/>
           </a:p>
@@ -5000,7 +5679,7 @@
     </p:spTree>
     <p:extLst>
       <p:ext uri="{BB962C8B-B14F-4D97-AF65-F5344CB8AC3E}">
-        <p14:creationId xmlns:p14="http://schemas.microsoft.com/office/powerpoint/2010/main" val="1842678486"/>
+        <p14:creationId xmlns:p14="http://schemas.microsoft.com/office/powerpoint/2010/main" val="940302069"/>
       </p:ext>
     </p:extLst>
   </p:cSld>
@@ -5010,7 +5689,7 @@
 </p:notes>
 </file>
 
-<file path=ppt/notesSlides/notesSlide7.xml><?xml version="1.0" encoding="utf-8"?>
+<file path=ppt/notesSlides/notesSlide8.xml><?xml version="1.0" encoding="utf-8"?>
 <p:notes xmlns:a="http://schemas.openxmlformats.org/drawingml/2006/main" xmlns:r="http://schemas.openxmlformats.org/officeDocument/2006/relationships" xmlns:p="http://schemas.openxmlformats.org/presentationml/2006/main">
   <p:cSld>
     <p:spTree>
@@ -5018,7 +5697,7 @@
         <p:cNvPr id="1" name="">
           <a:extLst>
             <a:ext uri="{FF2B5EF4-FFF2-40B4-BE49-F238E27FC236}">
-              <a16:creationId xmlns:a16="http://schemas.microsoft.com/office/drawing/2014/main" id="{DBF0A429-3CBF-C8B8-1AE8-C202A069D0FC}"/>
+              <a16:creationId xmlns:a16="http://schemas.microsoft.com/office/drawing/2014/main" id="{AC013EB3-3A8E-C377-3C1B-4D80D5B884C3}"/>
             </a:ext>
           </a:extLst>
         </p:cNvPr>
@@ -5038,7 +5717,7 @@
           <p:cNvPr id="417205216" name="Slide Image Placeholder 1">
             <a:extLst>
               <a:ext uri="{FF2B5EF4-FFF2-40B4-BE49-F238E27FC236}">
-                <a16:creationId xmlns:a16="http://schemas.microsoft.com/office/drawing/2014/main" id="{8FE7A118-29C1-14C0-7F98-1782D22EC1EC}"/>
+                <a16:creationId xmlns:a16="http://schemas.microsoft.com/office/drawing/2014/main" id="{458D35E7-B8F4-CB33-1DEF-E0CEAEDD26C9}"/>
               </a:ext>
             </a:extLst>
           </p:cNvPr>
@@ -5056,7 +5735,7 @@
           <p:cNvPr id="821377058" name="Notes Placeholder 2">
             <a:extLst>
               <a:ext uri="{FF2B5EF4-FFF2-40B4-BE49-F238E27FC236}">
-                <a16:creationId xmlns:a16="http://schemas.microsoft.com/office/drawing/2014/main" id="{B6A42A4F-D415-838C-6C5C-0C5F40B6F566}"/>
+                <a16:creationId xmlns:a16="http://schemas.microsoft.com/office/drawing/2014/main" id="{98368C92-4BAB-E602-9A84-D2F130843BA3}"/>
               </a:ext>
             </a:extLst>
           </p:cNvPr>
@@ -5075,9 +5754,7 @@
             <a:pPr>
               <a:defRPr/>
             </a:pPr>
-            <a:r>
-              <a:t>First question done, fourth question done, second question -&gt; altered towards sentiment analysis with keywords, third question would be interesting</a:t>
-            </a:r>
+            <a:endParaRPr dirty="0"/>
           </a:p>
         </p:txBody>
       </p:sp>
@@ -5086,7 +5763,7 @@
           <p:cNvPr id="1612961339" name="Slide Number Placeholder 3">
             <a:extLst>
               <a:ext uri="{FF2B5EF4-FFF2-40B4-BE49-F238E27FC236}">
-                <a16:creationId xmlns:a16="http://schemas.microsoft.com/office/drawing/2014/main" id="{46E85D43-A0CF-62FB-263D-CD02048D266B}"/>
+                <a16:creationId xmlns:a16="http://schemas.microsoft.com/office/drawing/2014/main" id="{04C60EBC-3C27-DE57-9DC6-1C42B2569A15}"/>
               </a:ext>
             </a:extLst>
           </p:cNvPr>
@@ -5107,7 +5784,7 @@
             </a:pPr>
             <a:fld id="{3F373E98-5BAB-8D0B-E7CF-9F30BB0CAFB5}" type="slidenum">
               <a:rPr/>
-              <a:t>7</a:t>
+              <a:t>8</a:t>
             </a:fld>
             <a:endParaRPr/>
           </a:p>
@@ -5116,7 +5793,121 @@
     </p:spTree>
     <p:extLst>
       <p:ext uri="{BB962C8B-B14F-4D97-AF65-F5344CB8AC3E}">
-        <p14:creationId xmlns:p14="http://schemas.microsoft.com/office/powerpoint/2010/main" val="1955608956"/>
+        <p14:creationId xmlns:p14="http://schemas.microsoft.com/office/powerpoint/2010/main" val="1249231914"/>
+      </p:ext>
+    </p:extLst>
+  </p:cSld>
+  <p:clrMapOvr>
+    <a:masterClrMapping/>
+  </p:clrMapOvr>
+</p:notes>
+</file>
+
+<file path=ppt/notesSlides/notesSlide9.xml><?xml version="1.0" encoding="utf-8"?>
+<p:notes xmlns:a="http://schemas.openxmlformats.org/drawingml/2006/main" xmlns:r="http://schemas.openxmlformats.org/officeDocument/2006/relationships" xmlns:p="http://schemas.openxmlformats.org/presentationml/2006/main">
+  <p:cSld>
+    <p:spTree>
+      <p:nvGrpSpPr>
+        <p:cNvPr id="1" name="">
+          <a:extLst>
+            <a:ext uri="{FF2B5EF4-FFF2-40B4-BE49-F238E27FC236}">
+              <a16:creationId xmlns:a16="http://schemas.microsoft.com/office/drawing/2014/main" id="{CA216660-5694-6E0C-6E5F-BE5D4171A941}"/>
+            </a:ext>
+          </a:extLst>
+        </p:cNvPr>
+        <p:cNvGrpSpPr/>
+        <p:nvPr/>
+      </p:nvGrpSpPr>
+      <p:grpSpPr bwMode="auto">
+        <a:xfrm>
+          <a:off x="0" y="0"/>
+          <a:ext cx="0" cy="0"/>
+          <a:chOff x="0" y="0"/>
+          <a:chExt cx="0" cy="0"/>
+        </a:xfrm>
+      </p:grpSpPr>
+      <p:sp>
+        <p:nvSpPr>
+          <p:cNvPr id="417205216" name="Slide Image Placeholder 1">
+            <a:extLst>
+              <a:ext uri="{FF2B5EF4-FFF2-40B4-BE49-F238E27FC236}">
+                <a16:creationId xmlns:a16="http://schemas.microsoft.com/office/drawing/2014/main" id="{95554907-0063-A238-AEC3-DC3FE1873A25}"/>
+              </a:ext>
+            </a:extLst>
+          </p:cNvPr>
+          <p:cNvSpPr>
+            <a:spLocks noGrp="1" noRot="1" noChangeAspect="1"/>
+          </p:cNvSpPr>
+          <p:nvPr>
+            <p:ph type="sldImg"/>
+          </p:nvPr>
+        </p:nvSpPr>
+        <p:spPr bwMode="auto"/>
+      </p:sp>
+      <p:sp>
+        <p:nvSpPr>
+          <p:cNvPr id="821377058" name="Notes Placeholder 2">
+            <a:extLst>
+              <a:ext uri="{FF2B5EF4-FFF2-40B4-BE49-F238E27FC236}">
+                <a16:creationId xmlns:a16="http://schemas.microsoft.com/office/drawing/2014/main" id="{D74ED8DA-DCE4-2EDA-7DA8-D4E16EC305E0}"/>
+              </a:ext>
+            </a:extLst>
+          </p:cNvPr>
+          <p:cNvSpPr>
+            <a:spLocks noGrp="1"/>
+          </p:cNvSpPr>
+          <p:nvPr>
+            <p:ph type="body" idx="1"/>
+          </p:nvPr>
+        </p:nvSpPr>
+        <p:spPr bwMode="auto"/>
+        <p:txBody>
+          <a:bodyPr/>
+          <a:lstStyle/>
+          <a:p>
+            <a:pPr>
+              <a:defRPr/>
+            </a:pPr>
+            <a:endParaRPr dirty="0"/>
+          </a:p>
+        </p:txBody>
+      </p:sp>
+      <p:sp>
+        <p:nvSpPr>
+          <p:cNvPr id="1612961339" name="Slide Number Placeholder 3">
+            <a:extLst>
+              <a:ext uri="{FF2B5EF4-FFF2-40B4-BE49-F238E27FC236}">
+                <a16:creationId xmlns:a16="http://schemas.microsoft.com/office/drawing/2014/main" id="{438993C9-A563-0405-9457-6110DE6991B6}"/>
+              </a:ext>
+            </a:extLst>
+          </p:cNvPr>
+          <p:cNvSpPr>
+            <a:spLocks noGrp="1"/>
+          </p:cNvSpPr>
+          <p:nvPr>
+            <p:ph type="sldNum" sz="quarter" idx="10"/>
+          </p:nvPr>
+        </p:nvSpPr>
+        <p:spPr bwMode="auto"/>
+        <p:txBody>
+          <a:bodyPr/>
+          <a:lstStyle/>
+          <a:p>
+            <a:pPr>
+              <a:defRPr/>
+            </a:pPr>
+            <a:fld id="{3F373E98-5BAB-8D0B-E7CF-9F30BB0CAFB5}" type="slidenum">
+              <a:rPr/>
+              <a:t>9</a:t>
+            </a:fld>
+            <a:endParaRPr/>
+          </a:p>
+        </p:txBody>
+      </p:sp>
+    </p:spTree>
+    <p:extLst>
+      <p:ext uri="{BB962C8B-B14F-4D97-AF65-F5344CB8AC3E}">
+        <p14:creationId xmlns:p14="http://schemas.microsoft.com/office/powerpoint/2010/main" val="2894877561"/>
       </p:ext>
     </p:extLst>
   </p:cSld>
@@ -8861,6 +9652,847 @@
 </p:sld>
 </file>
 
+<file path=ppt/slides/slide10.xml><?xml version="1.0" encoding="utf-8"?>
+<p:sld xmlns:a="http://schemas.openxmlformats.org/drawingml/2006/main" xmlns:r="http://schemas.openxmlformats.org/officeDocument/2006/relationships" xmlns:p="http://schemas.openxmlformats.org/presentationml/2006/main" showMasterPhAnim="0">
+  <p:cSld>
+    <p:bg>
+      <p:bgPr>
+        <a:solidFill>
+          <a:schemeClr val="bg1"/>
+        </a:solidFill>
+        <a:effectLst/>
+      </p:bgPr>
+    </p:bg>
+    <p:spTree>
+      <p:nvGrpSpPr>
+        <p:cNvPr id="1" name="">
+          <a:extLst>
+            <a:ext uri="{FF2B5EF4-FFF2-40B4-BE49-F238E27FC236}">
+              <a16:creationId xmlns:a16="http://schemas.microsoft.com/office/drawing/2014/main" id="{BFDC8D26-E7AC-6EB0-EE77-C716BDBF2C7C}"/>
+            </a:ext>
+          </a:extLst>
+        </p:cNvPr>
+        <p:cNvGrpSpPr/>
+        <p:nvPr/>
+      </p:nvGrpSpPr>
+      <p:grpSpPr bwMode="auto">
+        <a:xfrm>
+          <a:off x="0" y="0"/>
+          <a:ext cx="0" cy="0"/>
+          <a:chOff x="0" y="0"/>
+          <a:chExt cx="0" cy="0"/>
+        </a:xfrm>
+      </p:grpSpPr>
+      <p:sp useBgFill="1">
+        <p:nvSpPr>
+          <p:cNvPr id="1224306512" name="Rectangle 1224306511">
+            <a:extLst>
+              <a:ext uri="{FF2B5EF4-FFF2-40B4-BE49-F238E27FC236}">
+                <a16:creationId xmlns:a16="http://schemas.microsoft.com/office/drawing/2014/main" id="{D3968C78-DB61-76EA-BCE1-810E46A36C17}"/>
+              </a:ext>
+              <a:ext uri="{C183D7F6-B498-43B3-948B-1728B52AA6E4}">
+                <adec:decorative xmlns:adec="http://schemas.microsoft.com/office/drawing/2017/decorative" val="1"/>
+              </a:ext>
+            </a:extLst>
+          </p:cNvPr>
+          <p:cNvSpPr>
+            <a:spLocks noGrp="1" noRot="1" noChangeAspect="1" noMove="1" noResize="1" noEditPoints="1" noAdjustHandles="1" noChangeArrowheads="1" noChangeShapeType="1" noTextEdit="1"/>
+          </p:cNvSpPr>
+          <p:nvPr>
+            <p:extLst>
+              <p:ext uri="{386F3935-93C4-4BCD-93E2-E3B085C9AB24}">
+                <p16:designElem xmlns:p16="http://schemas.microsoft.com/office/powerpoint/2015/main" val="1"/>
+              </p:ext>
+            </p:extLst>
+          </p:nvPr>
+        </p:nvSpPr>
+        <p:spPr>
+          <a:xfrm>
+            <a:off x="-1" y="0"/>
+            <a:ext cx="12188952" cy="6858000"/>
+          </a:xfrm>
+          <a:prstGeom prst="rect">
+            <a:avLst/>
+          </a:prstGeom>
+          <a:ln>
+            <a:noFill/>
+          </a:ln>
+        </p:spPr>
+        <p:style>
+          <a:lnRef idx="2">
+            <a:schemeClr val="accent1">
+              <a:shade val="50000"/>
+            </a:schemeClr>
+          </a:lnRef>
+          <a:fillRef idx="1">
+            <a:schemeClr val="accent1"/>
+          </a:fillRef>
+          <a:effectRef idx="0">
+            <a:schemeClr val="accent1"/>
+          </a:effectRef>
+          <a:fontRef idx="minor">
+            <a:schemeClr val="lt1"/>
+          </a:fontRef>
+        </p:style>
+        <p:txBody>
+          <a:bodyPr rtlCol="0" anchor="ctr"/>
+          <a:lstStyle/>
+          <a:p>
+            <a:pPr algn="ctr"/>
+            <a:endParaRPr lang="en-US"/>
+          </a:p>
+        </p:txBody>
+      </p:sp>
+      <p:pic>
+        <p:nvPicPr>
+          <p:cNvPr id="9" name="Grafik 8">
+            <a:extLst>
+              <a:ext uri="{FF2B5EF4-FFF2-40B4-BE49-F238E27FC236}">
+                <a16:creationId xmlns:a16="http://schemas.microsoft.com/office/drawing/2014/main" id="{C3A20CCE-E51D-BBDF-E57E-E68E99E9F2CE}"/>
+              </a:ext>
+            </a:extLst>
+          </p:cNvPr>
+          <p:cNvPicPr>
+            <a:picLocks noChangeAspect="1"/>
+          </p:cNvPicPr>
+          <p:nvPr/>
+        </p:nvPicPr>
+        <p:blipFill>
+          <a:blip r:embed="rId4">
+            <a:extLst>
+              <a:ext uri="{28A0092B-C50C-407E-A947-70E740481C1C}">
+                <a14:useLocalDpi xmlns:a14="http://schemas.microsoft.com/office/drawing/2010/main" val="0"/>
+              </a:ext>
+            </a:extLst>
+          </a:blip>
+          <a:srcRect/>
+          <a:stretch/>
+        </p:blipFill>
+        <p:spPr>
+          <a:xfrm>
+            <a:off x="6388855" y="2323504"/>
+            <a:ext cx="4989696" cy="2826377"/>
+          </a:xfrm>
+          <a:prstGeom prst="rect">
+            <a:avLst/>
+          </a:prstGeom>
+        </p:spPr>
+      </p:pic>
+      <p:sp>
+        <p:nvSpPr>
+          <p:cNvPr id="4" name="Title 1">
+            <a:extLst>
+              <a:ext uri="{FF2B5EF4-FFF2-40B4-BE49-F238E27FC236}">
+                <a16:creationId xmlns:a16="http://schemas.microsoft.com/office/drawing/2014/main" id="{20415882-67CD-FC6A-6A47-4974A629D41E}"/>
+              </a:ext>
+            </a:extLst>
+          </p:cNvPr>
+          <p:cNvSpPr>
+            <a:spLocks noGrp="1"/>
+          </p:cNvSpPr>
+          <p:nvPr>
+            <p:ph type="title"/>
+          </p:nvPr>
+        </p:nvSpPr>
+        <p:spPr bwMode="auto">
+          <a:xfrm>
+            <a:off x="838200" y="365125"/>
+            <a:ext cx="10515600" cy="1325563"/>
+          </a:xfrm>
+        </p:spPr>
+        <p:txBody>
+          <a:bodyPr vertOverflow="overflow" horzOverflow="overflow" vert="horz" wrap="square" lIns="91440" tIns="45720" rIns="91440" bIns="45720" numCol="1" spcCol="0" rtlCol="0" fromWordArt="0" anchor="ctr" anchorCtr="0" forceAA="0" compatLnSpc="0">
+            <a:normAutofit/>
+          </a:bodyPr>
+          <a:lstStyle/>
+          <a:p>
+            <a:pPr marL="0" marR="0" indent="0" algn="l">
+              <a:lnSpc>
+                <a:spcPct val="90000"/>
+              </a:lnSpc>
+              <a:spcBef>
+                <a:spcPts val="0"/>
+              </a:spcBef>
+              <a:spcAft>
+                <a:spcPts val="0"/>
+              </a:spcAft>
+              <a:buNone/>
+              <a:defRPr/>
+            </a:pPr>
+            <a:r>
+              <a:rPr lang="de-DE" sz="2800" b="1" dirty="0" err="1">
+                <a:solidFill>
+                  <a:srgbClr val="EF2B5B"/>
+                </a:solidFill>
+              </a:rPr>
+              <a:t>Calorie</a:t>
+            </a:r>
+            <a:r>
+              <a:rPr lang="de-DE" sz="2800" b="1" dirty="0">
+                <a:solidFill>
+                  <a:srgbClr val="EF2B5B"/>
+                </a:solidFill>
+              </a:rPr>
+              <a:t> </a:t>
+            </a:r>
+            <a:r>
+              <a:rPr lang="de-DE" sz="2800" b="1" dirty="0" err="1">
+                <a:solidFill>
+                  <a:srgbClr val="EF2B5B"/>
+                </a:solidFill>
+              </a:rPr>
+              <a:t>Intake</a:t>
+            </a:r>
+            <a:r>
+              <a:rPr lang="de-DE" sz="2800" b="1" dirty="0">
+                <a:solidFill>
+                  <a:srgbClr val="EF2B5B"/>
+                </a:solidFill>
+              </a:rPr>
+              <a:t> </a:t>
+            </a:r>
+            <a:r>
+              <a:rPr lang="de-DE" sz="2800" b="1" dirty="0" err="1">
+                <a:solidFill>
+                  <a:srgbClr val="EF2B5B"/>
+                </a:solidFill>
+              </a:rPr>
+              <a:t>vs</a:t>
+            </a:r>
+            <a:r>
+              <a:rPr lang="de-DE" sz="2800" b="1" dirty="0">
+                <a:solidFill>
+                  <a:srgbClr val="EF2B5B"/>
+                </a:solidFill>
+              </a:rPr>
+              <a:t> GDP per Capita</a:t>
+            </a:r>
+            <a:endParaRPr b="1" dirty="0"/>
+          </a:p>
+        </p:txBody>
+      </p:sp>
+      <p:pic>
+        <p:nvPicPr>
+          <p:cNvPr id="7" name="Grafik 6">
+            <a:extLst>
+              <a:ext uri="{FF2B5EF4-FFF2-40B4-BE49-F238E27FC236}">
+                <a16:creationId xmlns:a16="http://schemas.microsoft.com/office/drawing/2014/main" id="{3E728118-9118-CADD-57AD-B028C7B485CC}"/>
+              </a:ext>
+            </a:extLst>
+          </p:cNvPr>
+          <p:cNvPicPr>
+            <a:picLocks noChangeAspect="1"/>
+          </p:cNvPicPr>
+          <p:nvPr/>
+        </p:nvPicPr>
+        <p:blipFill>
+          <a:blip r:embed="rId5"/>
+          <a:stretch/>
+        </p:blipFill>
+        <p:spPr bwMode="auto">
+          <a:xfrm>
+            <a:off x="10510332" y="232831"/>
+            <a:ext cx="1501747" cy="750873"/>
+          </a:xfrm>
+          <a:prstGeom prst="rect">
+            <a:avLst/>
+          </a:prstGeom>
+        </p:spPr>
+      </p:pic>
+      <p:sp>
+        <p:nvSpPr>
+          <p:cNvPr id="10" name="Content Placeholder 2">
+            <a:extLst>
+              <a:ext uri="{FF2B5EF4-FFF2-40B4-BE49-F238E27FC236}">
+                <a16:creationId xmlns:a16="http://schemas.microsoft.com/office/drawing/2014/main" id="{A8E30425-C1A7-D89E-9D33-BF76FFBCE403}"/>
+              </a:ext>
+            </a:extLst>
+          </p:cNvPr>
+          <p:cNvSpPr>
+            <a:spLocks noGrp="1"/>
+          </p:cNvSpPr>
+          <p:nvPr>
+            <p:ph idx="1"/>
+          </p:nvPr>
+        </p:nvSpPr>
+        <p:spPr bwMode="auto">
+          <a:xfrm>
+            <a:off x="838200" y="1604907"/>
+            <a:ext cx="5006419" cy="4701625"/>
+          </a:xfrm>
+        </p:spPr>
+        <p:txBody>
+          <a:bodyPr vertOverflow="overflow" horzOverflow="overflow" vert="horz" wrap="square" lIns="91440" tIns="45720" rIns="91440" bIns="45720" numCol="1" spcCol="0" rtlCol="0" fromWordArt="0" anchor="t" anchorCtr="0" forceAA="0" compatLnSpc="0">
+            <a:normAutofit fontScale="87500" lnSpcReduction="20000"/>
+          </a:bodyPr>
+          <a:lstStyle/>
+          <a:p>
+            <a:pPr marL="0" marR="0" lvl="0" indent="0" algn="l" defTabSz="914400" eaLnBrk="1" fontAlgn="auto" latinLnBrk="0" hangingPunct="1">
+              <a:lnSpc>
+                <a:spcPct val="110000"/>
+              </a:lnSpc>
+              <a:spcBef>
+                <a:spcPts val="1000"/>
+              </a:spcBef>
+              <a:spcAft>
+                <a:spcPts val="0"/>
+              </a:spcAft>
+              <a:buClrTx/>
+              <a:buSzTx/>
+              <a:buFont typeface="Arial"/>
+              <a:buNone/>
+              <a:tabLst/>
+              <a:defRPr/>
+            </a:pPr>
+            <a:r>
+              <a:rPr kumimoji="0" lang="en-US" sz="1700" b="1" i="0" u="none" strike="noStrike" kern="0" cap="none" spc="0" normalizeH="0" baseline="0" noProof="0" dirty="0">
+                <a:ln>
+                  <a:noFill/>
+                </a:ln>
+                <a:solidFill>
+                  <a:prstClr val="black"/>
+                </a:solidFill>
+                <a:effectLst/>
+                <a:uLnTx/>
+                <a:uFillTx/>
+                <a:latin typeface="Arial"/>
+                <a:ea typeface="Arial"/>
+                <a:cs typeface="Arial"/>
+              </a:rPr>
+              <a:t>Data</a:t>
+            </a:r>
+            <a:endParaRPr kumimoji="0" lang="en-US" sz="1700" b="0" i="0" u="none" strike="noStrike" kern="0" cap="none" spc="0" normalizeH="0" baseline="0" noProof="0" dirty="0">
+              <a:ln>
+                <a:noFill/>
+              </a:ln>
+              <a:solidFill>
+                <a:prstClr val="black"/>
+              </a:solidFill>
+              <a:effectLst/>
+              <a:uLnTx/>
+              <a:uFillTx/>
+              <a:latin typeface="Times New Roman"/>
+              <a:cs typeface="Times New Roman"/>
+            </a:endParaRPr>
+          </a:p>
+          <a:p>
+            <a:pPr marL="228600" marR="0" lvl="0" indent="-228600" algn="l" defTabSz="914400" eaLnBrk="1" fontAlgn="auto" latinLnBrk="0" hangingPunct="1">
+              <a:lnSpc>
+                <a:spcPct val="110000"/>
+              </a:lnSpc>
+              <a:spcBef>
+                <a:spcPts val="1000"/>
+              </a:spcBef>
+              <a:spcAft>
+                <a:spcPts val="0"/>
+              </a:spcAft>
+              <a:buClrTx/>
+              <a:buSzTx/>
+              <a:buFont typeface="Arial"/>
+              <a:buChar char="•"/>
+              <a:tabLst/>
+              <a:defRPr/>
+            </a:pPr>
+            <a:r>
+              <a:rPr lang="en-US" sz="1200" b="0" i="0" u="none" dirty="0">
+                <a:solidFill>
+                  <a:prstClr val="black"/>
+                </a:solidFill>
+                <a:latin typeface="Arial"/>
+                <a:ea typeface="Times New Roman"/>
+                <a:cs typeface="Arial"/>
+              </a:rPr>
+              <a:t>Daily calorie intake and GDP per capita for 26 countries.</a:t>
+            </a:r>
+          </a:p>
+          <a:p>
+            <a:pPr marL="228600" marR="0" lvl="0" indent="-228600" algn="l" defTabSz="914400" eaLnBrk="1" fontAlgn="auto" latinLnBrk="0" hangingPunct="1">
+              <a:lnSpc>
+                <a:spcPct val="110000"/>
+              </a:lnSpc>
+              <a:spcBef>
+                <a:spcPts val="1000"/>
+              </a:spcBef>
+              <a:spcAft>
+                <a:spcPts val="0"/>
+              </a:spcAft>
+              <a:buClrTx/>
+              <a:buSzTx/>
+              <a:buFont typeface="Arial"/>
+              <a:buChar char="•"/>
+              <a:tabLst/>
+              <a:defRPr/>
+            </a:pPr>
+            <a:endParaRPr lang="en-US" sz="1200" b="0" i="0" u="none" dirty="0">
+              <a:solidFill>
+                <a:prstClr val="black"/>
+              </a:solidFill>
+              <a:latin typeface="Arial"/>
+              <a:ea typeface="Times New Roman"/>
+              <a:cs typeface="Arial"/>
+            </a:endParaRPr>
+          </a:p>
+          <a:p>
+            <a:pPr marL="0" marR="0" lvl="0" indent="0" algn="l" defTabSz="914400" eaLnBrk="1" fontAlgn="auto" latinLnBrk="0" hangingPunct="1">
+              <a:lnSpc>
+                <a:spcPct val="110000"/>
+              </a:lnSpc>
+              <a:spcBef>
+                <a:spcPts val="1000"/>
+              </a:spcBef>
+              <a:spcAft>
+                <a:spcPts val="0"/>
+              </a:spcAft>
+              <a:buClrTx/>
+              <a:buSzTx/>
+              <a:buFont typeface="Arial"/>
+              <a:buNone/>
+              <a:tabLst/>
+              <a:defRPr/>
+            </a:pPr>
+            <a:r>
+              <a:rPr kumimoji="0" lang="en-US" sz="1700" b="1" i="0" u="none" strike="noStrike" kern="0" cap="none" spc="0" normalizeH="0" baseline="0" noProof="0" dirty="0">
+                <a:ln>
+                  <a:noFill/>
+                </a:ln>
+                <a:solidFill>
+                  <a:prstClr val="black"/>
+                </a:solidFill>
+                <a:effectLst/>
+                <a:uLnTx/>
+                <a:uFillTx/>
+                <a:latin typeface="Arial"/>
+                <a:ea typeface="Arial"/>
+                <a:cs typeface="Arial"/>
+              </a:rPr>
+              <a:t>Insights</a:t>
+            </a:r>
+            <a:endParaRPr kumimoji="0" lang="en-US" sz="1700" b="0" i="0" u="none" strike="noStrike" kern="0" cap="none" spc="0" normalizeH="0" baseline="0" noProof="0" dirty="0">
+              <a:ln>
+                <a:noFill/>
+              </a:ln>
+              <a:solidFill>
+                <a:prstClr val="black"/>
+              </a:solidFill>
+              <a:effectLst/>
+              <a:uLnTx/>
+              <a:uFillTx/>
+              <a:latin typeface="Times New Roman"/>
+              <a:cs typeface="Times New Roman"/>
+            </a:endParaRPr>
+          </a:p>
+          <a:p>
+            <a:pPr>
+              <a:lnSpc>
+                <a:spcPct val="110000"/>
+              </a:lnSpc>
+              <a:defRPr/>
+            </a:pPr>
+            <a:r>
+              <a:rPr kumimoji="0" lang="en-US" sz="1200" b="0" i="0" u="none" strike="noStrike" kern="0" cap="none" spc="0" normalizeH="0" baseline="0" noProof="0" dirty="0">
+                <a:ln>
+                  <a:noFill/>
+                </a:ln>
+                <a:solidFill>
+                  <a:prstClr val="black"/>
+                </a:solidFill>
+                <a:effectLst/>
+                <a:uLnTx/>
+                <a:uFillTx/>
+                <a:latin typeface="Arial"/>
+                <a:cs typeface="Arial"/>
+              </a:rPr>
+              <a:t>Strong positive correlation shows that higher GDP per capita often aligns with higher calorie intake, r = .64, p = .002 (for the calculation </a:t>
+            </a:r>
+            <a:r>
+              <a:rPr kumimoji="0" lang="en-US" sz="1200" b="0" i="0" u="none" strike="noStrike" kern="0" cap="none" spc="0" normalizeH="0" baseline="0" noProof="0" dirty="0" err="1">
+                <a:ln>
+                  <a:noFill/>
+                </a:ln>
+                <a:solidFill>
+                  <a:prstClr val="black"/>
+                </a:solidFill>
+                <a:effectLst/>
+                <a:uLnTx/>
+                <a:uFillTx/>
+                <a:latin typeface="Arial"/>
+                <a:cs typeface="Arial"/>
+              </a:rPr>
+              <a:t>pearson</a:t>
+            </a:r>
+            <a:r>
+              <a:rPr kumimoji="0" lang="en-US" sz="1200" b="0" i="0" u="none" strike="noStrike" kern="0" cap="none" spc="0" normalizeH="0" baseline="0" noProof="0" dirty="0">
+                <a:ln>
+                  <a:noFill/>
+                </a:ln>
+                <a:solidFill>
+                  <a:prstClr val="black"/>
+                </a:solidFill>
+                <a:effectLst/>
+                <a:uLnTx/>
+                <a:uFillTx/>
+                <a:latin typeface="Arial"/>
+                <a:cs typeface="Arial"/>
+              </a:rPr>
+              <a:t> correlation was used)</a:t>
+            </a:r>
+          </a:p>
+          <a:p>
+            <a:pPr>
+              <a:lnSpc>
+                <a:spcPct val="110000"/>
+              </a:lnSpc>
+              <a:defRPr/>
+            </a:pPr>
+            <a:r>
+              <a:rPr kumimoji="0" lang="en-US" sz="1200" b="0" i="0" u="none" strike="noStrike" kern="0" cap="none" spc="0" normalizeH="0" baseline="0" noProof="0" dirty="0">
+                <a:ln>
+                  <a:noFill/>
+                </a:ln>
+                <a:solidFill>
+                  <a:prstClr val="black"/>
+                </a:solidFill>
+                <a:effectLst/>
+                <a:uLnTx/>
+                <a:uFillTx/>
+                <a:latin typeface="Arial"/>
+                <a:cs typeface="Arial"/>
+              </a:rPr>
+              <a:t>This means that countries that do better economically tend to consume more calories. </a:t>
+            </a:r>
+          </a:p>
+          <a:p>
+            <a:pPr>
+              <a:lnSpc>
+                <a:spcPct val="110000"/>
+              </a:lnSpc>
+              <a:defRPr/>
+            </a:pPr>
+            <a:r>
+              <a:rPr kumimoji="0" lang="en-US" sz="1200" b="0" i="0" u="none" strike="noStrike" kern="0" cap="none" spc="0" normalizeH="0" baseline="0" noProof="0" dirty="0">
+                <a:ln>
+                  <a:noFill/>
+                </a:ln>
+                <a:solidFill>
+                  <a:prstClr val="black"/>
+                </a:solidFill>
+                <a:effectLst/>
+                <a:uLnTx/>
+                <a:uFillTx/>
+                <a:latin typeface="Arial"/>
+                <a:cs typeface="Arial"/>
+              </a:rPr>
+              <a:t>This could be due to the fact that people in economically worse countries might not be able to afford as much food as people from countries with better economic conditions.</a:t>
+            </a:r>
+          </a:p>
+          <a:p>
+            <a:pPr>
+              <a:lnSpc>
+                <a:spcPct val="110000"/>
+              </a:lnSpc>
+              <a:defRPr/>
+            </a:pPr>
+            <a:r>
+              <a:rPr kumimoji="0" lang="en-US" sz="1200" b="0" i="0" u="none" strike="noStrike" kern="0" cap="none" spc="0" normalizeH="0" baseline="0" noProof="0" dirty="0">
+                <a:ln>
+                  <a:noFill/>
+                </a:ln>
+                <a:solidFill>
+                  <a:prstClr val="black"/>
+                </a:solidFill>
+                <a:effectLst/>
+                <a:uLnTx/>
+                <a:uFillTx/>
+                <a:latin typeface="Arial"/>
+                <a:cs typeface="Arial"/>
+              </a:rPr>
+              <a:t>The relationship appears to be linear. Linear regression could probably be used to model this data and make predictions.</a:t>
+            </a:r>
+          </a:p>
+          <a:p>
+            <a:pPr>
+              <a:lnSpc>
+                <a:spcPct val="110000"/>
+              </a:lnSpc>
+              <a:defRPr/>
+            </a:pPr>
+            <a:r>
+              <a:rPr kumimoji="0" lang="en-US" sz="1200" b="0" i="0" u="none" strike="noStrike" kern="0" cap="none" spc="0" normalizeH="0" baseline="0" noProof="0" dirty="0">
+                <a:ln>
+                  <a:noFill/>
+                </a:ln>
+                <a:solidFill>
+                  <a:prstClr val="black"/>
+                </a:solidFill>
+                <a:effectLst/>
+                <a:uLnTx/>
+                <a:uFillTx/>
+                <a:latin typeface="Arial"/>
+                <a:cs typeface="Arial"/>
+              </a:rPr>
+              <a:t>Outliers, such as Japan, emphasize the influence of cultural and dietary habits</a:t>
+            </a:r>
+          </a:p>
+          <a:p>
+            <a:pPr>
+              <a:lnSpc>
+                <a:spcPct val="110000"/>
+              </a:lnSpc>
+              <a:defRPr/>
+            </a:pPr>
+            <a:endParaRPr lang="en-US" sz="1200" dirty="0">
+              <a:solidFill>
+                <a:prstClr val="black"/>
+              </a:solidFill>
+              <a:latin typeface="Arial"/>
+              <a:cs typeface="Arial"/>
+            </a:endParaRPr>
+          </a:p>
+          <a:p>
+            <a:pPr marL="0" marR="0" lvl="0" indent="0" algn="l" defTabSz="914400" eaLnBrk="1" fontAlgn="auto" latinLnBrk="0" hangingPunct="1">
+              <a:lnSpc>
+                <a:spcPct val="110000"/>
+              </a:lnSpc>
+              <a:spcBef>
+                <a:spcPts val="1000"/>
+              </a:spcBef>
+              <a:spcAft>
+                <a:spcPts val="0"/>
+              </a:spcAft>
+              <a:buClrTx/>
+              <a:buSzTx/>
+              <a:buFont typeface="Arial"/>
+              <a:buNone/>
+              <a:tabLst/>
+              <a:defRPr/>
+            </a:pPr>
+            <a:r>
+              <a:rPr lang="en-US" sz="1700" b="1" dirty="0">
+                <a:solidFill>
+                  <a:prstClr val="black"/>
+                </a:solidFill>
+                <a:latin typeface="Arial"/>
+                <a:cs typeface="Arial"/>
+              </a:rPr>
+              <a:t>Relevance</a:t>
+            </a:r>
+            <a:endParaRPr kumimoji="0" lang="en-US" sz="1700" b="0" i="0" u="none" strike="noStrike" kern="0" cap="none" spc="0" normalizeH="0" baseline="0" noProof="0" dirty="0">
+              <a:ln>
+                <a:noFill/>
+              </a:ln>
+              <a:solidFill>
+                <a:prstClr val="black"/>
+              </a:solidFill>
+              <a:effectLst/>
+              <a:uLnTx/>
+              <a:uFillTx/>
+              <a:latin typeface="Times New Roman"/>
+              <a:cs typeface="Times New Roman"/>
+            </a:endParaRPr>
+          </a:p>
+          <a:p>
+            <a:pPr marL="228600" marR="0" lvl="0" indent="-228600" algn="l" defTabSz="914400" eaLnBrk="1" fontAlgn="auto" latinLnBrk="0" hangingPunct="1">
+              <a:lnSpc>
+                <a:spcPct val="110000"/>
+              </a:lnSpc>
+              <a:spcBef>
+                <a:spcPts val="1000"/>
+              </a:spcBef>
+              <a:spcAft>
+                <a:spcPts val="0"/>
+              </a:spcAft>
+              <a:buClrTx/>
+              <a:buSzTx/>
+              <a:buFont typeface="Arial"/>
+              <a:buChar char="•"/>
+              <a:tabLst/>
+              <a:defRPr/>
+            </a:pPr>
+            <a:r>
+              <a:rPr lang="en-US" sz="1200" dirty="0">
+                <a:solidFill>
+                  <a:prstClr val="black"/>
+                </a:solidFill>
+                <a:latin typeface="Arial"/>
+                <a:cs typeface="Arial"/>
+              </a:rPr>
+              <a:t>This highlights the link between economic prosperity and food availability</a:t>
+            </a:r>
+            <a:br>
+              <a:rPr lang="en-US" sz="1200" b="0" i="0" u="none" dirty="0">
+                <a:solidFill>
+                  <a:srgbClr val="000000"/>
+                </a:solidFill>
+                <a:latin typeface="Times New Roman"/>
+                <a:ea typeface="Times New Roman"/>
+                <a:cs typeface="Times New Roman"/>
+              </a:rPr>
+            </a:br>
+            <a:endParaRPr lang="en-US" sz="1400" dirty="0"/>
+          </a:p>
+        </p:txBody>
+      </p:sp>
+    </p:spTree>
+    <p:extLst>
+      <p:ext uri="{BB962C8B-B14F-4D97-AF65-F5344CB8AC3E}">
+        <p14:creationId xmlns:p14="http://schemas.microsoft.com/office/powerpoint/2010/main" val="3810569807"/>
+      </p:ext>
+    </p:extLst>
+  </p:cSld>
+  <p:clrMapOvr>
+    <a:masterClrMapping/>
+  </p:clrMapOvr>
+</p:sld>
+</file>
+
+<file path=ppt/slides/slide11.xml><?xml version="1.0" encoding="utf-8"?>
+<p:sld xmlns:a="http://schemas.openxmlformats.org/drawingml/2006/main" xmlns:r="http://schemas.openxmlformats.org/officeDocument/2006/relationships" xmlns:p="http://schemas.openxmlformats.org/presentationml/2006/main" showMasterPhAnim="0">
+  <p:cSld>
+    <p:bg>
+      <p:bgRef idx="1001">
+        <a:schemeClr val="bg1"/>
+      </p:bgRef>
+    </p:bg>
+    <p:spTree>
+      <p:nvGrpSpPr>
+        <p:cNvPr id="1" name="">
+          <a:extLst>
+            <a:ext uri="{FF2B5EF4-FFF2-40B4-BE49-F238E27FC236}">
+              <a16:creationId xmlns:a16="http://schemas.microsoft.com/office/drawing/2014/main" id="{25D6459B-0039-54CF-9190-8194091FBD42}"/>
+            </a:ext>
+          </a:extLst>
+        </p:cNvPr>
+        <p:cNvGrpSpPr/>
+        <p:nvPr/>
+      </p:nvGrpSpPr>
+      <p:grpSpPr bwMode="auto">
+        <a:xfrm>
+          <a:off x="0" y="0"/>
+          <a:ext cx="0" cy="0"/>
+          <a:chOff x="0" y="0"/>
+          <a:chExt cx="0" cy="0"/>
+        </a:xfrm>
+      </p:grpSpPr>
+      <p:sp>
+        <p:nvSpPr>
+          <p:cNvPr id="4" name="Title 1">
+            <a:extLst>
+              <a:ext uri="{FF2B5EF4-FFF2-40B4-BE49-F238E27FC236}">
+                <a16:creationId xmlns:a16="http://schemas.microsoft.com/office/drawing/2014/main" id="{44BD0E30-521B-BFA3-234D-6F4C3B2CD9A9}"/>
+              </a:ext>
+            </a:extLst>
+          </p:cNvPr>
+          <p:cNvSpPr>
+            <a:spLocks noGrp="1"/>
+          </p:cNvSpPr>
+          <p:nvPr>
+            <p:ph type="title"/>
+          </p:nvPr>
+        </p:nvSpPr>
+        <p:spPr bwMode="auto"/>
+        <p:txBody>
+          <a:bodyPr vertOverflow="overflow" horzOverflow="overflow" vert="horz" wrap="square" lIns="91440" tIns="45720" rIns="91440" bIns="45720" numCol="1" spcCol="0" rtlCol="0" fromWordArt="0" anchor="ctr" anchorCtr="0" forceAA="0" compatLnSpc="0">
+            <a:normAutofit/>
+          </a:bodyPr>
+          <a:lstStyle/>
+          <a:p>
+            <a:pPr marL="0" marR="0" indent="0" algn="l">
+              <a:lnSpc>
+                <a:spcPct val="90000"/>
+              </a:lnSpc>
+              <a:spcBef>
+                <a:spcPts val="0"/>
+              </a:spcBef>
+              <a:spcAft>
+                <a:spcPts val="0"/>
+              </a:spcAft>
+              <a:buNone/>
+              <a:defRPr/>
+            </a:pPr>
+            <a:r>
+              <a:rPr lang="de-DE" sz="2800" b="1">
+                <a:solidFill>
+                  <a:srgbClr val="EF2B5B"/>
+                </a:solidFill>
+              </a:rPr>
+              <a:t>Conclusion</a:t>
+            </a:r>
+            <a:endParaRPr lang="de-DE" b="1" dirty="0"/>
+          </a:p>
+        </p:txBody>
+      </p:sp>
+      <p:graphicFrame>
+        <p:nvGraphicFramePr>
+          <p:cNvPr id="1224306521" name="Content Placeholder 2">
+            <a:extLst>
+              <a:ext uri="{FF2B5EF4-FFF2-40B4-BE49-F238E27FC236}">
+                <a16:creationId xmlns:a16="http://schemas.microsoft.com/office/drawing/2014/main" id="{43F4B2C2-DBE1-9BC8-BA03-7B38CD778C91}"/>
+              </a:ext>
+            </a:extLst>
+          </p:cNvPr>
+          <p:cNvGraphicFramePr>
+            <a:graphicFrameLocks noGrp="1"/>
+          </p:cNvGraphicFramePr>
+          <p:nvPr>
+            <p:ph idx="1"/>
+            <p:extLst>
+              <p:ext uri="{D42A27DB-BD31-4B8C-83A1-F6EECF244321}">
+                <p14:modId xmlns:p14="http://schemas.microsoft.com/office/powerpoint/2010/main" val="917170279"/>
+              </p:ext>
+            </p:extLst>
+          </p:nvPr>
+        </p:nvGraphicFramePr>
+        <p:xfrm>
+          <a:off x="838199" y="1604908"/>
+          <a:ext cx="10515600" cy="4531941"/>
+        </p:xfrm>
+        <a:graphic>
+          <a:graphicData uri="http://schemas.openxmlformats.org/drawingml/2006/diagram">
+            <dgm:relIds xmlns:dgm="http://schemas.openxmlformats.org/drawingml/2006/diagram" xmlns:r="http://schemas.openxmlformats.org/officeDocument/2006/relationships" r:dm="rId4" r:lo="rId5" r:qs="rId6" r:cs="rId7"/>
+          </a:graphicData>
+        </a:graphic>
+      </p:graphicFrame>
+      <p:pic>
+        <p:nvPicPr>
+          <p:cNvPr id="1224306507" name="Grafik 1224306506" descr="Ein Bild, das Symbol, Grafiken, Pixel, Design enthält.&#10;&#10;Automatisch generierte Beschreibung">
+            <a:extLst>
+              <a:ext uri="{FF2B5EF4-FFF2-40B4-BE49-F238E27FC236}">
+                <a16:creationId xmlns:a16="http://schemas.microsoft.com/office/drawing/2014/main" id="{B1FC2548-C4FE-1353-A05B-1813011BD316}"/>
+              </a:ext>
+            </a:extLst>
+          </p:cNvPr>
+          <p:cNvPicPr>
+            <a:picLocks noChangeAspect="1"/>
+          </p:cNvPicPr>
+          <p:nvPr/>
+        </p:nvPicPr>
+        <p:blipFill>
+          <a:blip r:embed="rId9"/>
+          <a:stretch/>
+        </p:blipFill>
+        <p:spPr bwMode="auto">
+          <a:xfrm>
+            <a:off x="10510332" y="232831"/>
+            <a:ext cx="1501747" cy="750873"/>
+          </a:xfrm>
+          <a:prstGeom prst="rect">
+            <a:avLst/>
+          </a:prstGeom>
+        </p:spPr>
+      </p:pic>
+    </p:spTree>
+    <p:extLst>
+      <p:ext uri="{BB962C8B-B14F-4D97-AF65-F5344CB8AC3E}">
+        <p14:creationId xmlns:p14="http://schemas.microsoft.com/office/powerpoint/2010/main" val="779330942"/>
+      </p:ext>
+    </p:extLst>
+  </p:cSld>
+  <p:clrMapOvr>
+    <a:overrideClrMapping bg1="lt1" tx1="dk1" bg2="lt2" tx2="dk2" accent1="accent1" accent2="accent2" accent3="accent3" accent4="accent4" accent5="accent5" accent6="accent6" hlink="hlink" folHlink="folHlink"/>
+  </p:clrMapOvr>
+</p:sld>
+</file>
+
 <file path=ppt/slides/slide2.xml><?xml version="1.0" encoding="utf-8"?>
 <p:sld xmlns:a="http://schemas.openxmlformats.org/drawingml/2006/main" xmlns:r="http://schemas.openxmlformats.org/officeDocument/2006/relationships" xmlns:p="http://schemas.openxmlformats.org/presentationml/2006/main" showMasterPhAnim="0">
   <p:cSld>
@@ -9648,6 +11280,649 @@
 </file>
 
 <file path=ppt/slides/slide4.xml><?xml version="1.0" encoding="utf-8"?>
+<p:sld xmlns:a="http://schemas.openxmlformats.org/drawingml/2006/main" xmlns:r="http://schemas.openxmlformats.org/officeDocument/2006/relationships" xmlns:p="http://schemas.openxmlformats.org/presentationml/2006/main" showMasterPhAnim="0">
+  <p:cSld>
+    <p:bg>
+      <p:bgRef idx="1001">
+        <a:schemeClr val="bg1"/>
+      </p:bgRef>
+    </p:bg>
+    <p:spTree>
+      <p:nvGrpSpPr>
+        <p:cNvPr id="1" name="">
+          <a:extLst>
+            <a:ext uri="{FF2B5EF4-FFF2-40B4-BE49-F238E27FC236}">
+              <a16:creationId xmlns:a16="http://schemas.microsoft.com/office/drawing/2014/main" id="{51EE6911-10CE-6AA9-6A5A-49EE34C4AA71}"/>
+            </a:ext>
+          </a:extLst>
+        </p:cNvPr>
+        <p:cNvGrpSpPr/>
+        <p:nvPr/>
+      </p:nvGrpSpPr>
+      <p:grpSpPr bwMode="auto">
+        <a:xfrm>
+          <a:off x="0" y="0"/>
+          <a:ext cx="0" cy="0"/>
+          <a:chOff x="0" y="0"/>
+          <a:chExt cx="0" cy="0"/>
+        </a:xfrm>
+      </p:grpSpPr>
+      <p:sp>
+        <p:nvSpPr>
+          <p:cNvPr id="4" name="Title 1">
+            <a:extLst>
+              <a:ext uri="{FF2B5EF4-FFF2-40B4-BE49-F238E27FC236}">
+                <a16:creationId xmlns:a16="http://schemas.microsoft.com/office/drawing/2014/main" id="{D774C4E9-A196-FEEF-BB72-7098671712C7}"/>
+              </a:ext>
+            </a:extLst>
+          </p:cNvPr>
+          <p:cNvSpPr>
+            <a:spLocks noGrp="1"/>
+          </p:cNvSpPr>
+          <p:nvPr>
+            <p:ph type="title"/>
+          </p:nvPr>
+        </p:nvSpPr>
+        <p:spPr bwMode="auto"/>
+        <p:txBody>
+          <a:bodyPr vertOverflow="overflow" horzOverflow="overflow" vert="horz" wrap="square" lIns="91440" tIns="45720" rIns="91440" bIns="45720" numCol="1" spcCol="0" rtlCol="0" fromWordArt="0" anchor="ctr" anchorCtr="0" forceAA="0" compatLnSpc="0">
+            <a:normAutofit/>
+          </a:bodyPr>
+          <a:lstStyle/>
+          <a:p>
+            <a:pPr marL="0" marR="0" indent="0" algn="l">
+              <a:lnSpc>
+                <a:spcPct val="90000"/>
+              </a:lnSpc>
+              <a:spcBef>
+                <a:spcPts val="0"/>
+              </a:spcBef>
+              <a:spcAft>
+                <a:spcPts val="0"/>
+              </a:spcAft>
+              <a:buNone/>
+              <a:defRPr/>
+            </a:pPr>
+            <a:r>
+              <a:rPr lang="de-DE" sz="2800" b="1" dirty="0">
+                <a:solidFill>
+                  <a:srgbClr val="EF2B5B"/>
+                </a:solidFill>
+              </a:rPr>
+              <a:t>Data Analysis &amp; </a:t>
+            </a:r>
+            <a:r>
+              <a:rPr lang="de-DE" sz="2800" b="1" dirty="0" err="1">
+                <a:solidFill>
+                  <a:srgbClr val="EF2B5B"/>
+                </a:solidFill>
+              </a:rPr>
+              <a:t>Visualisation</a:t>
+            </a:r>
+            <a:endParaRPr b="1" dirty="0"/>
+          </a:p>
+        </p:txBody>
+      </p:sp>
+      <p:pic>
+        <p:nvPicPr>
+          <p:cNvPr id="1224306507" name="Grafik 1224306506">
+            <a:extLst>
+              <a:ext uri="{FF2B5EF4-FFF2-40B4-BE49-F238E27FC236}">
+                <a16:creationId xmlns:a16="http://schemas.microsoft.com/office/drawing/2014/main" id="{98551441-5AC1-839D-A6CA-4BE72268EE4C}"/>
+              </a:ext>
+            </a:extLst>
+          </p:cNvPr>
+          <p:cNvPicPr>
+            <a:picLocks noChangeAspect="1"/>
+          </p:cNvPicPr>
+          <p:nvPr/>
+        </p:nvPicPr>
+        <p:blipFill>
+          <a:blip r:embed="rId4"/>
+          <a:stretch/>
+        </p:blipFill>
+        <p:spPr bwMode="auto">
+          <a:xfrm>
+            <a:off x="10510332" y="232831"/>
+            <a:ext cx="1501747" cy="750873"/>
+          </a:xfrm>
+          <a:prstGeom prst="rect">
+            <a:avLst/>
+          </a:prstGeom>
+        </p:spPr>
+      </p:pic>
+      <p:grpSp>
+        <p:nvGrpSpPr>
+          <p:cNvPr id="13" name="Gruppieren 12">
+            <a:extLst>
+              <a:ext uri="{FF2B5EF4-FFF2-40B4-BE49-F238E27FC236}">
+                <a16:creationId xmlns:a16="http://schemas.microsoft.com/office/drawing/2014/main" id="{522CAC4A-A341-DED5-0887-E98D8A26F452}"/>
+              </a:ext>
+            </a:extLst>
+          </p:cNvPr>
+          <p:cNvGrpSpPr/>
+          <p:nvPr/>
+        </p:nvGrpSpPr>
+        <p:grpSpPr>
+          <a:xfrm>
+            <a:off x="713396" y="1951587"/>
+            <a:ext cx="10765207" cy="4541288"/>
+            <a:chOff x="838200" y="1690688"/>
+            <a:chExt cx="10765207" cy="4541288"/>
+          </a:xfrm>
+        </p:grpSpPr>
+        <p:grpSp>
+          <p:nvGrpSpPr>
+            <p:cNvPr id="6" name="Gruppieren 5">
+              <a:extLst>
+                <a:ext uri="{FF2B5EF4-FFF2-40B4-BE49-F238E27FC236}">
+                  <a16:creationId xmlns:a16="http://schemas.microsoft.com/office/drawing/2014/main" id="{9DAAC0D4-7BCE-6D66-2243-680953F2E03D}"/>
+                </a:ext>
+              </a:extLst>
+            </p:cNvPr>
+            <p:cNvGrpSpPr/>
+            <p:nvPr/>
+          </p:nvGrpSpPr>
+          <p:grpSpPr>
+            <a:xfrm>
+              <a:off x="838200" y="1690688"/>
+              <a:ext cx="3366155" cy="4541288"/>
+              <a:chOff x="838200" y="1284477"/>
+              <a:chExt cx="4233042" cy="5350118"/>
+            </a:xfrm>
+          </p:grpSpPr>
+          <p:pic>
+            <p:nvPicPr>
+              <p:cNvPr id="2" name="Grafik 1">
+                <a:extLst>
+                  <a:ext uri="{FF2B5EF4-FFF2-40B4-BE49-F238E27FC236}">
+                    <a16:creationId xmlns:a16="http://schemas.microsoft.com/office/drawing/2014/main" id="{5D65951C-5D01-768D-9C5D-5E8A59A073B6}"/>
+                  </a:ext>
+                </a:extLst>
+              </p:cNvPr>
+              <p:cNvPicPr>
+                <a:picLocks noChangeAspect="1"/>
+              </p:cNvPicPr>
+              <p:nvPr/>
+            </p:nvPicPr>
+            <p:blipFill>
+              <a:blip r:embed="rId5"/>
+              <a:stretch>
+                <a:fillRect/>
+              </a:stretch>
+            </p:blipFill>
+            <p:spPr bwMode="auto">
+              <a:xfrm>
+                <a:off x="838200" y="1284477"/>
+                <a:ext cx="4233042" cy="2015560"/>
+              </a:xfrm>
+              <a:prstGeom prst="rect">
+                <a:avLst/>
+              </a:prstGeom>
+            </p:spPr>
+          </p:pic>
+          <p:pic>
+            <p:nvPicPr>
+              <p:cNvPr id="3" name="Grafik 2">
+                <a:extLst>
+                  <a:ext uri="{FF2B5EF4-FFF2-40B4-BE49-F238E27FC236}">
+                    <a16:creationId xmlns:a16="http://schemas.microsoft.com/office/drawing/2014/main" id="{7B58774E-013B-5C56-A672-10D08730E1E0}"/>
+                  </a:ext>
+                </a:extLst>
+              </p:cNvPr>
+              <p:cNvPicPr>
+                <a:picLocks noChangeAspect="1"/>
+              </p:cNvPicPr>
+              <p:nvPr/>
+            </p:nvPicPr>
+            <p:blipFill>
+              <a:blip r:embed="rId6"/>
+              <a:stretch>
+                <a:fillRect/>
+              </a:stretch>
+            </p:blipFill>
+            <p:spPr bwMode="auto">
+              <a:xfrm>
+                <a:off x="838200" y="3532869"/>
+                <a:ext cx="4233042" cy="3101726"/>
+              </a:xfrm>
+              <a:prstGeom prst="rect">
+                <a:avLst/>
+              </a:prstGeom>
+            </p:spPr>
+          </p:pic>
+        </p:grpSp>
+        <p:grpSp>
+          <p:nvGrpSpPr>
+            <p:cNvPr id="9" name="Gruppieren 8">
+              <a:extLst>
+                <a:ext uri="{FF2B5EF4-FFF2-40B4-BE49-F238E27FC236}">
+                  <a16:creationId xmlns:a16="http://schemas.microsoft.com/office/drawing/2014/main" id="{9A174C44-B791-9A8C-2FF7-0BC504FE72BC}"/>
+                </a:ext>
+              </a:extLst>
+            </p:cNvPr>
+            <p:cNvGrpSpPr/>
+            <p:nvPr/>
+          </p:nvGrpSpPr>
+          <p:grpSpPr>
+            <a:xfrm>
+              <a:off x="4537726" y="1690688"/>
+              <a:ext cx="3366155" cy="4541288"/>
+              <a:chOff x="1294905" y="1280714"/>
+              <a:chExt cx="4233042" cy="5266556"/>
+            </a:xfrm>
+          </p:grpSpPr>
+          <p:pic>
+            <p:nvPicPr>
+              <p:cNvPr id="7" name="Grafik 6">
+                <a:extLst>
+                  <a:ext uri="{FF2B5EF4-FFF2-40B4-BE49-F238E27FC236}">
+                    <a16:creationId xmlns:a16="http://schemas.microsoft.com/office/drawing/2014/main" id="{DB3991E2-AE87-6447-2C43-75A9DE07A050}"/>
+                  </a:ext>
+                </a:extLst>
+              </p:cNvPr>
+              <p:cNvPicPr>
+                <a:picLocks noChangeAspect="1"/>
+              </p:cNvPicPr>
+              <p:nvPr/>
+            </p:nvPicPr>
+            <p:blipFill>
+              <a:blip r:embed="rId7">
+                <a:extLst>
+                  <a:ext uri="{28A0092B-C50C-407E-A947-70E740481C1C}">
+                    <a14:useLocalDpi xmlns:a14="http://schemas.microsoft.com/office/drawing/2010/main" val="0"/>
+                  </a:ext>
+                </a:extLst>
+              </a:blip>
+              <a:srcRect/>
+              <a:stretch/>
+            </p:blipFill>
+            <p:spPr bwMode="auto">
+              <a:xfrm>
+                <a:off x="1294905" y="1280714"/>
+                <a:ext cx="4233042" cy="2004232"/>
+              </a:xfrm>
+              <a:prstGeom prst="rect">
+                <a:avLst/>
+              </a:prstGeom>
+            </p:spPr>
+          </p:pic>
+          <p:pic>
+            <p:nvPicPr>
+              <p:cNvPr id="8" name="Grafik 7">
+                <a:extLst>
+                  <a:ext uri="{FF2B5EF4-FFF2-40B4-BE49-F238E27FC236}">
+                    <a16:creationId xmlns:a16="http://schemas.microsoft.com/office/drawing/2014/main" id="{EF79B5AA-9206-0D3F-6AF1-1FAF00C10F69}"/>
+                  </a:ext>
+                </a:extLst>
+              </p:cNvPr>
+              <p:cNvPicPr>
+                <a:picLocks noChangeAspect="1"/>
+              </p:cNvPicPr>
+              <p:nvPr/>
+            </p:nvPicPr>
+            <p:blipFill>
+              <a:blip r:embed="rId8">
+                <a:extLst>
+                  <a:ext uri="{28A0092B-C50C-407E-A947-70E740481C1C}">
+                    <a14:useLocalDpi xmlns:a14="http://schemas.microsoft.com/office/drawing/2010/main" val="0"/>
+                  </a:ext>
+                </a:extLst>
+              </a:blip>
+              <a:srcRect/>
+              <a:stretch/>
+            </p:blipFill>
+            <p:spPr bwMode="auto">
+              <a:xfrm>
+                <a:off x="1294905" y="3601339"/>
+                <a:ext cx="4233042" cy="2945931"/>
+              </a:xfrm>
+              <a:prstGeom prst="rect">
+                <a:avLst/>
+              </a:prstGeom>
+            </p:spPr>
+          </p:pic>
+        </p:grpSp>
+        <p:grpSp>
+          <p:nvGrpSpPr>
+            <p:cNvPr id="12" name="Gruppieren 11">
+              <a:extLst>
+                <a:ext uri="{FF2B5EF4-FFF2-40B4-BE49-F238E27FC236}">
+                  <a16:creationId xmlns:a16="http://schemas.microsoft.com/office/drawing/2014/main" id="{B2F35B5F-2641-F826-D3DB-245E81F62555}"/>
+                </a:ext>
+              </a:extLst>
+            </p:cNvPr>
+            <p:cNvGrpSpPr/>
+            <p:nvPr/>
+          </p:nvGrpSpPr>
+          <p:grpSpPr>
+            <a:xfrm>
+              <a:off x="8237252" y="1690688"/>
+              <a:ext cx="3366155" cy="4541288"/>
+              <a:chOff x="1294904" y="1245650"/>
+              <a:chExt cx="4233044" cy="5389898"/>
+            </a:xfrm>
+          </p:grpSpPr>
+          <p:pic>
+            <p:nvPicPr>
+              <p:cNvPr id="10" name="Grafik 9">
+                <a:extLst>
+                  <a:ext uri="{FF2B5EF4-FFF2-40B4-BE49-F238E27FC236}">
+                    <a16:creationId xmlns:a16="http://schemas.microsoft.com/office/drawing/2014/main" id="{B787DD12-0D88-69F1-EBD0-6B8BCF41879C}"/>
+                  </a:ext>
+                </a:extLst>
+              </p:cNvPr>
+              <p:cNvPicPr>
+                <a:picLocks noChangeAspect="1"/>
+              </p:cNvPicPr>
+              <p:nvPr/>
+            </p:nvPicPr>
+            <p:blipFill>
+              <a:blip r:embed="rId9">
+                <a:extLst>
+                  <a:ext uri="{28A0092B-C50C-407E-A947-70E740481C1C}">
+                    <a14:useLocalDpi xmlns:a14="http://schemas.microsoft.com/office/drawing/2010/main" val="0"/>
+                  </a:ext>
+                </a:extLst>
+              </a:blip>
+              <a:srcRect/>
+              <a:stretch/>
+            </p:blipFill>
+            <p:spPr bwMode="auto">
+              <a:xfrm>
+                <a:off x="1294904" y="1245650"/>
+                <a:ext cx="4233044" cy="2074360"/>
+              </a:xfrm>
+              <a:prstGeom prst="rect">
+                <a:avLst/>
+              </a:prstGeom>
+            </p:spPr>
+          </p:pic>
+          <p:pic>
+            <p:nvPicPr>
+              <p:cNvPr id="11" name="Grafik 10">
+                <a:extLst>
+                  <a:ext uri="{FF2B5EF4-FFF2-40B4-BE49-F238E27FC236}">
+                    <a16:creationId xmlns:a16="http://schemas.microsoft.com/office/drawing/2014/main" id="{6B06E9DE-BDC2-9F63-A829-F60213EC6155}"/>
+                  </a:ext>
+                </a:extLst>
+              </p:cNvPr>
+              <p:cNvPicPr>
+                <a:picLocks noChangeAspect="1"/>
+              </p:cNvPicPr>
+              <p:nvPr/>
+            </p:nvPicPr>
+            <p:blipFill>
+              <a:blip r:embed="rId10">
+                <a:extLst>
+                  <a:ext uri="{28A0092B-C50C-407E-A947-70E740481C1C}">
+                    <a14:useLocalDpi xmlns:a14="http://schemas.microsoft.com/office/drawing/2010/main" val="0"/>
+                  </a:ext>
+                </a:extLst>
+              </a:blip>
+              <a:srcRect/>
+              <a:stretch/>
+            </p:blipFill>
+            <p:spPr bwMode="auto">
+              <a:xfrm>
+                <a:off x="1294904" y="3513062"/>
+                <a:ext cx="4233044" cy="3122486"/>
+              </a:xfrm>
+              <a:prstGeom prst="rect">
+                <a:avLst/>
+              </a:prstGeom>
+            </p:spPr>
+          </p:pic>
+        </p:grpSp>
+      </p:grpSp>
+      <p:sp>
+        <p:nvSpPr>
+          <p:cNvPr id="15" name="Textfeld 14">
+            <a:extLst>
+              <a:ext uri="{FF2B5EF4-FFF2-40B4-BE49-F238E27FC236}">
+                <a16:creationId xmlns:a16="http://schemas.microsoft.com/office/drawing/2014/main" id="{D25D8D24-3E5B-6914-F3CE-A25B67B2B856}"/>
+              </a:ext>
+            </a:extLst>
+          </p:cNvPr>
+          <p:cNvSpPr txBox="1"/>
+          <p:nvPr/>
+        </p:nvSpPr>
+        <p:spPr>
+          <a:xfrm>
+            <a:off x="713396" y="1519872"/>
+            <a:ext cx="3366155" cy="341632"/>
+          </a:xfrm>
+          <a:prstGeom prst="rect">
+            <a:avLst/>
+          </a:prstGeom>
+          <a:noFill/>
+        </p:spPr>
+        <p:txBody>
+          <a:bodyPr wrap="square">
+            <a:spAutoFit/>
+          </a:bodyPr>
+          <a:lstStyle/>
+          <a:p>
+            <a:pPr marL="0" marR="0" lvl="0" indent="0" algn="ctr" defTabSz="914400" eaLnBrk="1" fontAlgn="auto" latinLnBrk="0" hangingPunct="1">
+              <a:lnSpc>
+                <a:spcPct val="90000"/>
+              </a:lnSpc>
+              <a:spcBef>
+                <a:spcPts val="1000"/>
+              </a:spcBef>
+              <a:spcAft>
+                <a:spcPts val="0"/>
+              </a:spcAft>
+              <a:buClrTx/>
+              <a:buSzTx/>
+              <a:buFont typeface="Arial"/>
+              <a:buNone/>
+              <a:tabLst/>
+              <a:defRPr/>
+            </a:pPr>
+            <a:r>
+              <a:rPr kumimoji="0" lang="en-US" sz="1800" b="1" i="0" u="none" strike="noStrike" kern="0" cap="none" spc="0" normalizeH="0" baseline="0" noProof="0" dirty="0">
+                <a:ln>
+                  <a:noFill/>
+                </a:ln>
+                <a:solidFill>
+                  <a:prstClr val="black"/>
+                </a:solidFill>
+                <a:effectLst/>
+                <a:uLnTx/>
+                <a:uFillTx/>
+                <a:latin typeface="Arial"/>
+                <a:ea typeface="Arial"/>
+                <a:cs typeface="Arial"/>
+              </a:rPr>
+              <a:t>Line Plot</a:t>
+            </a:r>
+            <a:endParaRPr kumimoji="0" lang="en-US" sz="1800" b="0" i="0" u="none" strike="noStrike" kern="0" cap="none" spc="0" normalizeH="0" baseline="0" noProof="0" dirty="0">
+              <a:ln>
+                <a:noFill/>
+              </a:ln>
+              <a:solidFill>
+                <a:prstClr val="black"/>
+              </a:solidFill>
+              <a:effectLst/>
+              <a:uLnTx/>
+              <a:uFillTx/>
+              <a:latin typeface="Times New Roman"/>
+              <a:cs typeface="Times New Roman"/>
+            </a:endParaRPr>
+          </a:p>
+        </p:txBody>
+      </p:sp>
+      <p:sp>
+        <p:nvSpPr>
+          <p:cNvPr id="16" name="Textfeld 15">
+            <a:extLst>
+              <a:ext uri="{FF2B5EF4-FFF2-40B4-BE49-F238E27FC236}">
+                <a16:creationId xmlns:a16="http://schemas.microsoft.com/office/drawing/2014/main" id="{489318C4-D496-0907-6542-C3A28B5F1C17}"/>
+              </a:ext>
+            </a:extLst>
+          </p:cNvPr>
+          <p:cNvSpPr txBox="1"/>
+          <p:nvPr/>
+        </p:nvSpPr>
+        <p:spPr bwMode="auto">
+          <a:xfrm>
+            <a:off x="4412922" y="1519872"/>
+            <a:ext cx="3366155" cy="341632"/>
+          </a:xfrm>
+          <a:prstGeom prst="rect">
+            <a:avLst/>
+          </a:prstGeom>
+          <a:noFill/>
+        </p:spPr>
+        <p:txBody>
+          <a:bodyPr wrap="square">
+            <a:spAutoFit/>
+          </a:bodyPr>
+          <a:lstStyle/>
+          <a:p>
+            <a:pPr marL="0" marR="0" lvl="0" indent="0" algn="ctr" defTabSz="914400" eaLnBrk="1" fontAlgn="auto" latinLnBrk="0" hangingPunct="1">
+              <a:lnSpc>
+                <a:spcPct val="90000"/>
+              </a:lnSpc>
+              <a:spcBef>
+                <a:spcPts val="1000"/>
+              </a:spcBef>
+              <a:spcAft>
+                <a:spcPts val="0"/>
+              </a:spcAft>
+              <a:buClrTx/>
+              <a:buSzTx/>
+              <a:buFont typeface="Arial"/>
+              <a:buNone/>
+              <a:tabLst/>
+              <a:defRPr/>
+            </a:pPr>
+            <a:r>
+              <a:rPr kumimoji="0" lang="en-US" sz="1800" b="1" i="0" u="none" strike="noStrike" kern="0" cap="none" spc="0" normalizeH="0" baseline="0" noProof="0" dirty="0">
+                <a:ln>
+                  <a:noFill/>
+                </a:ln>
+                <a:solidFill>
+                  <a:prstClr val="black"/>
+                </a:solidFill>
+                <a:effectLst/>
+                <a:uLnTx/>
+                <a:uFillTx/>
+                <a:latin typeface="Arial"/>
+                <a:ea typeface="Arial"/>
+                <a:cs typeface="Arial"/>
+              </a:rPr>
+              <a:t>Bar Chart</a:t>
+            </a:r>
+            <a:endParaRPr kumimoji="0" lang="en-US" sz="1800" b="0" i="0" u="none" strike="noStrike" kern="0" cap="none" spc="0" normalizeH="0" baseline="0" noProof="0" dirty="0">
+              <a:ln>
+                <a:noFill/>
+              </a:ln>
+              <a:solidFill>
+                <a:prstClr val="black"/>
+              </a:solidFill>
+              <a:effectLst/>
+              <a:uLnTx/>
+              <a:uFillTx/>
+              <a:latin typeface="Times New Roman"/>
+              <a:cs typeface="Times New Roman"/>
+            </a:endParaRPr>
+          </a:p>
+        </p:txBody>
+      </p:sp>
+      <p:sp>
+        <p:nvSpPr>
+          <p:cNvPr id="17" name="Textfeld 16">
+            <a:extLst>
+              <a:ext uri="{FF2B5EF4-FFF2-40B4-BE49-F238E27FC236}">
+                <a16:creationId xmlns:a16="http://schemas.microsoft.com/office/drawing/2014/main" id="{0F9AB097-5DFA-748C-79E6-0941E0ABA333}"/>
+              </a:ext>
+            </a:extLst>
+          </p:cNvPr>
+          <p:cNvSpPr txBox="1"/>
+          <p:nvPr/>
+        </p:nvSpPr>
+        <p:spPr bwMode="auto">
+          <a:xfrm>
+            <a:off x="8112448" y="1519872"/>
+            <a:ext cx="3366155" cy="341632"/>
+          </a:xfrm>
+          <a:prstGeom prst="rect">
+            <a:avLst/>
+          </a:prstGeom>
+          <a:noFill/>
+        </p:spPr>
+        <p:txBody>
+          <a:bodyPr wrap="square">
+            <a:spAutoFit/>
+          </a:bodyPr>
+          <a:lstStyle/>
+          <a:p>
+            <a:pPr marL="0" marR="0" lvl="0" indent="0" algn="ctr" defTabSz="914400" eaLnBrk="1" fontAlgn="auto" latinLnBrk="0" hangingPunct="1">
+              <a:lnSpc>
+                <a:spcPct val="90000"/>
+              </a:lnSpc>
+              <a:spcBef>
+                <a:spcPts val="1000"/>
+              </a:spcBef>
+              <a:spcAft>
+                <a:spcPts val="0"/>
+              </a:spcAft>
+              <a:buClrTx/>
+              <a:buSzTx/>
+              <a:buFont typeface="Arial"/>
+              <a:buNone/>
+              <a:tabLst/>
+              <a:defRPr/>
+            </a:pPr>
+            <a:r>
+              <a:rPr kumimoji="0" lang="en-US" sz="1800" b="1" i="0" u="none" strike="noStrike" kern="0" cap="none" spc="0" normalizeH="0" baseline="0" noProof="0" dirty="0">
+                <a:ln>
+                  <a:noFill/>
+                </a:ln>
+                <a:solidFill>
+                  <a:prstClr val="black"/>
+                </a:solidFill>
+                <a:effectLst/>
+                <a:uLnTx/>
+                <a:uFillTx/>
+                <a:latin typeface="Arial"/>
+                <a:ea typeface="Arial"/>
+                <a:cs typeface="Arial"/>
+              </a:rPr>
+              <a:t>Scatter Plot</a:t>
+            </a:r>
+            <a:endParaRPr kumimoji="0" lang="en-US" sz="1800" b="0" i="0" u="none" strike="noStrike" kern="0" cap="none" spc="0" normalizeH="0" baseline="0" noProof="0" dirty="0">
+              <a:ln>
+                <a:noFill/>
+              </a:ln>
+              <a:solidFill>
+                <a:prstClr val="black"/>
+              </a:solidFill>
+              <a:effectLst/>
+              <a:uLnTx/>
+              <a:uFillTx/>
+              <a:latin typeface="Times New Roman"/>
+              <a:cs typeface="Times New Roman"/>
+            </a:endParaRPr>
+          </a:p>
+        </p:txBody>
+      </p:sp>
+    </p:spTree>
+    <p:extLst>
+      <p:ext uri="{BB962C8B-B14F-4D97-AF65-F5344CB8AC3E}">
+        <p14:creationId xmlns:p14="http://schemas.microsoft.com/office/powerpoint/2010/main" val="4006199125"/>
+      </p:ext>
+    </p:extLst>
+  </p:cSld>
+  <p:clrMapOvr>
+    <a:overrideClrMapping bg1="lt1" tx1="dk1" bg2="lt2" tx2="dk2" accent1="accent1" accent2="accent2" accent3="accent3" accent4="accent4" accent5="accent5" accent6="accent6" hlink="hlink" folHlink="folHlink"/>
+  </p:clrMapOvr>
+</p:sld>
+</file>
+
+<file path=ppt/slides/slide5.xml><?xml version="1.0" encoding="utf-8"?>
 <p:sld xmlns:a="http://schemas.openxmlformats.org/drawingml/2006/main" xmlns:r="http://schemas.openxmlformats.org/officeDocument/2006/relationships" xmlns:p="http://schemas.openxmlformats.org/presentationml/2006/main" showMasterPhAnim="0">
   <p:cSld>
     <p:bg>
@@ -9738,96 +12013,12 @@
           </a:p>
         </p:txBody>
       </p:sp>
-      <p:sp>
-        <p:nvSpPr>
-          <p:cNvPr id="11" name="Title 1">
+      <p:pic>
+        <p:nvPicPr>
+          <p:cNvPr id="9" name="Grafik 8">
             <a:extLst>
               <a:ext uri="{FF2B5EF4-FFF2-40B4-BE49-F238E27FC236}">
-                <a16:creationId xmlns:a16="http://schemas.microsoft.com/office/drawing/2014/main" id="{E8EA7E0D-C8AB-23CE-6C8B-B200A471F126}"/>
-              </a:ext>
-            </a:extLst>
-          </p:cNvPr>
-          <p:cNvSpPr>
-            <a:spLocks noGrp="1"/>
-          </p:cNvSpPr>
-          <p:nvPr>
-            <p:ph type="title"/>
-          </p:nvPr>
-        </p:nvSpPr>
-        <p:spPr bwMode="auto">
-          <a:xfrm>
-            <a:off x="341671" y="0"/>
-            <a:ext cx="10515600" cy="1325563"/>
-          </a:xfrm>
-        </p:spPr>
-        <p:txBody>
-          <a:bodyPr vertOverflow="overflow" horzOverflow="overflow" vert="horz" wrap="square" lIns="91440" tIns="45720" rIns="91440" bIns="45720" numCol="1" spcCol="0" rtlCol="0" fromWordArt="0" anchor="ctr" anchorCtr="0" forceAA="0" compatLnSpc="0">
-            <a:normAutofit/>
-          </a:bodyPr>
-          <a:lstStyle/>
-          <a:p>
-            <a:pPr marL="0" marR="0" indent="0" algn="l">
-              <a:lnSpc>
-                <a:spcPct val="90000"/>
-              </a:lnSpc>
-              <a:spcBef>
-                <a:spcPts val="0"/>
-              </a:spcBef>
-              <a:spcAft>
-                <a:spcPts val="0"/>
-              </a:spcAft>
-              <a:buNone/>
-              <a:defRPr/>
-            </a:pPr>
-            <a:r>
-              <a:rPr lang="de-DE" sz="2800" b="1" dirty="0">
-                <a:solidFill>
-                  <a:srgbClr val="EF2B5B"/>
-                </a:solidFill>
-              </a:rPr>
-              <a:t>Data </a:t>
-            </a:r>
-            <a:r>
-              <a:rPr lang="de-DE" sz="2800" b="1" dirty="0" err="1">
-                <a:solidFill>
-                  <a:srgbClr val="EF2B5B"/>
-                </a:solidFill>
-              </a:rPr>
-              <a:t>Visualisation</a:t>
-            </a:r>
-            <a:r>
-              <a:rPr lang="de-DE" sz="2800" b="1" dirty="0">
-                <a:solidFill>
-                  <a:srgbClr val="EF2B5B"/>
-                </a:solidFill>
-              </a:rPr>
-              <a:t> &amp; Analysis </a:t>
-            </a:r>
-            <a:br>
-              <a:rPr lang="de-DE" sz="2800" b="1" dirty="0">
-                <a:solidFill>
-                  <a:srgbClr val="EF2B5B"/>
-                </a:solidFill>
-              </a:rPr>
-            </a:br>
-            <a:r>
-              <a:rPr lang="de-DE" sz="2800" b="1" dirty="0">
-                <a:solidFill>
-                  <a:srgbClr val="EF2B5B"/>
-                </a:solidFill>
-              </a:rPr>
-              <a:t>Line Plots</a:t>
-            </a:r>
-            <a:endParaRPr b="1" dirty="0"/>
-          </a:p>
-        </p:txBody>
-      </p:sp>
-      <p:pic>
-        <p:nvPicPr>
-          <p:cNvPr id="5" name="Grafik 4">
-            <a:extLst>
-              <a:ext uri="{FF2B5EF4-FFF2-40B4-BE49-F238E27FC236}">
-                <a16:creationId xmlns:a16="http://schemas.microsoft.com/office/drawing/2014/main" id="{8698791A-2ABA-4513-274F-62F700AA19D5}"/>
+                <a16:creationId xmlns:a16="http://schemas.microsoft.com/office/drawing/2014/main" id="{0FFD01A9-FE52-29D6-5A1D-F4226144313A}"/>
               </a:ext>
             </a:extLst>
           </p:cNvPr>
@@ -9844,20 +12035,113 @@
         </p:blipFill>
         <p:spPr>
           <a:xfrm>
-            <a:off x="6646056" y="3606242"/>
-            <a:ext cx="5366023" cy="3018926"/>
+            <a:off x="5936769" y="2055813"/>
+            <a:ext cx="5893870" cy="3361760"/>
           </a:xfrm>
           <a:prstGeom prst="rect">
             <a:avLst/>
           </a:prstGeom>
         </p:spPr>
       </p:pic>
+      <p:sp>
+        <p:nvSpPr>
+          <p:cNvPr id="4" name="Title 1">
+            <a:extLst>
+              <a:ext uri="{FF2B5EF4-FFF2-40B4-BE49-F238E27FC236}">
+                <a16:creationId xmlns:a16="http://schemas.microsoft.com/office/drawing/2014/main" id="{5F385CBE-4A0A-7FE0-0198-2506B6042425}"/>
+              </a:ext>
+            </a:extLst>
+          </p:cNvPr>
+          <p:cNvSpPr>
+            <a:spLocks noGrp="1"/>
+          </p:cNvSpPr>
+          <p:nvPr>
+            <p:ph type="title"/>
+          </p:nvPr>
+        </p:nvSpPr>
+        <p:spPr bwMode="auto">
+          <a:xfrm>
+            <a:off x="838200" y="365125"/>
+            <a:ext cx="10515600" cy="1325563"/>
+          </a:xfrm>
+        </p:spPr>
+        <p:txBody>
+          <a:bodyPr vertOverflow="overflow" horzOverflow="overflow" vert="horz" wrap="square" lIns="91440" tIns="45720" rIns="91440" bIns="45720" numCol="1" spcCol="0" rtlCol="0" fromWordArt="0" anchor="ctr" anchorCtr="0" forceAA="0" compatLnSpc="0">
+            <a:normAutofit/>
+          </a:bodyPr>
+          <a:lstStyle/>
+          <a:p>
+            <a:pPr marL="0" marR="0" indent="0" algn="l">
+              <a:lnSpc>
+                <a:spcPct val="90000"/>
+              </a:lnSpc>
+              <a:spcBef>
+                <a:spcPts val="0"/>
+              </a:spcBef>
+              <a:spcAft>
+                <a:spcPts val="0"/>
+              </a:spcAft>
+              <a:buNone/>
+              <a:defRPr/>
+            </a:pPr>
+            <a:r>
+              <a:rPr lang="de-DE" sz="2800" b="1" dirty="0" err="1">
+                <a:solidFill>
+                  <a:srgbClr val="EF2B5B"/>
+                </a:solidFill>
+              </a:rPr>
+              <a:t>Alcohol</a:t>
+            </a:r>
+            <a:r>
+              <a:rPr lang="de-DE" sz="2800" b="1" dirty="0">
+                <a:solidFill>
+                  <a:srgbClr val="EF2B5B"/>
+                </a:solidFill>
+              </a:rPr>
+              <a:t> </a:t>
+            </a:r>
+            <a:r>
+              <a:rPr lang="de-DE" sz="2800" b="1" dirty="0" err="1">
+                <a:solidFill>
+                  <a:srgbClr val="EF2B5B"/>
+                </a:solidFill>
+              </a:rPr>
+              <a:t>Consumption</a:t>
+            </a:r>
+            <a:r>
+              <a:rPr lang="de-DE" sz="2800" b="1" dirty="0">
+                <a:solidFill>
+                  <a:srgbClr val="EF2B5B"/>
+                </a:solidFill>
+              </a:rPr>
+              <a:t> </a:t>
+            </a:r>
+            <a:r>
+              <a:rPr lang="de-DE" sz="2800" b="1" dirty="0" err="1">
+                <a:solidFill>
+                  <a:srgbClr val="EF2B5B"/>
+                </a:solidFill>
+              </a:rPr>
+              <a:t>over</a:t>
+            </a:r>
+            <a:r>
+              <a:rPr lang="de-DE" sz="2800" b="1" dirty="0">
+                <a:solidFill>
+                  <a:srgbClr val="EF2B5B"/>
+                </a:solidFill>
+              </a:rPr>
+              <a:t> Time</a:t>
+            </a:r>
+            <a:endParaRPr b="1" dirty="0"/>
+          </a:p>
+        </p:txBody>
+      </p:sp>
       <p:pic>
         <p:nvPicPr>
-          <p:cNvPr id="9" name="Grafik 8">
+          <p:cNvPr id="7" name="Grafik 6">
             <a:extLst>
               <a:ext uri="{FF2B5EF4-FFF2-40B4-BE49-F238E27FC236}">
-                <a16:creationId xmlns:a16="http://schemas.microsoft.com/office/drawing/2014/main" id="{0FFD01A9-FE52-29D6-5A1D-F4226144313A}"/>
+                <a16:creationId xmlns:a16="http://schemas.microsoft.com/office/drawing/2014/main" id="{2AF2F5F4-5254-D73E-2C5A-7DE6E64F4A53}"/>
               </a:ext>
             </a:extLst>
           </p:cNvPr>
@@ -9868,108 +12152,484 @@
         </p:nvPicPr>
         <p:blipFill>
           <a:blip r:embed="rId5"/>
-          <a:stretch>
-            <a:fillRect/>
-          </a:stretch>
+          <a:stretch/>
         </p:blipFill>
-        <p:spPr>
+        <p:spPr bwMode="auto">
           <a:xfrm>
-            <a:off x="6664054" y="525972"/>
-            <a:ext cx="5366022" cy="3060685"/>
+            <a:off x="10510332" y="232831"/>
+            <a:ext cx="1501747" cy="750873"/>
           </a:xfrm>
           <a:prstGeom prst="rect">
             <a:avLst/>
           </a:prstGeom>
         </p:spPr>
       </p:pic>
-      <p:pic>
-        <p:nvPicPr>
-          <p:cNvPr id="1224306507" name="Grafik 1224306506">
+      <p:sp>
+        <p:nvSpPr>
+          <p:cNvPr id="10" name="Content Placeholder 2">
             <a:extLst>
               <a:ext uri="{FF2B5EF4-FFF2-40B4-BE49-F238E27FC236}">
-                <a16:creationId xmlns:a16="http://schemas.microsoft.com/office/drawing/2014/main" id="{2E002E12-0F09-B289-34BA-6EC4058338FA}"/>
+                <a16:creationId xmlns:a16="http://schemas.microsoft.com/office/drawing/2014/main" id="{DE61C0AC-0849-08C4-E1F5-06CD4FF1FE49}"/>
               </a:ext>
             </a:extLst>
           </p:cNvPr>
-          <p:cNvPicPr>
-            <a:picLocks noChangeAspect="1"/>
-          </p:cNvPicPr>
-          <p:nvPr/>
-        </p:nvPicPr>
-        <p:blipFill>
-          <a:blip r:embed="rId6"/>
-          <a:stretch/>
-        </p:blipFill>
+          <p:cNvSpPr>
+            <a:spLocks noGrp="1"/>
+          </p:cNvSpPr>
+          <p:nvPr>
+            <p:ph idx="1"/>
+          </p:nvPr>
+        </p:nvSpPr>
         <p:spPr bwMode="auto">
           <a:xfrm>
-            <a:off x="11198942" y="232832"/>
-            <a:ext cx="813137" cy="406568"/>
+            <a:off x="838200" y="1604907"/>
+            <a:ext cx="5006419" cy="4701625"/>
           </a:xfrm>
-          <a:prstGeom prst="rect">
-            <a:avLst/>
-          </a:prstGeom>
         </p:spPr>
-      </p:pic>
-      <p:pic>
-        <p:nvPicPr>
-          <p:cNvPr id="6" name="Grafik 5">
-            <a:extLst>
-              <a:ext uri="{FF2B5EF4-FFF2-40B4-BE49-F238E27FC236}">
-                <a16:creationId xmlns:a16="http://schemas.microsoft.com/office/drawing/2014/main" id="{6AA7ABC4-F640-1162-B23C-9FFBC175C70F}"/>
-              </a:ext>
-            </a:extLst>
-          </p:cNvPr>
-          <p:cNvPicPr>
-            <a:picLocks noChangeAspect="1"/>
-          </p:cNvPicPr>
-          <p:nvPr/>
-        </p:nvPicPr>
-        <p:blipFill>
-          <a:blip r:embed="rId7"/>
-          <a:stretch>
-            <a:fillRect/>
-          </a:stretch>
-        </p:blipFill>
-        <p:spPr>
-          <a:xfrm>
-            <a:off x="1294905" y="1275050"/>
-            <a:ext cx="4233042" cy="2015560"/>
-          </a:xfrm>
-          <a:prstGeom prst="rect">
-            <a:avLst/>
-          </a:prstGeom>
-        </p:spPr>
-      </p:pic>
-      <p:pic>
-        <p:nvPicPr>
-          <p:cNvPr id="8" name="Grafik 7">
-            <a:extLst>
-              <a:ext uri="{FF2B5EF4-FFF2-40B4-BE49-F238E27FC236}">
-                <a16:creationId xmlns:a16="http://schemas.microsoft.com/office/drawing/2014/main" id="{8B8DB9CA-A020-3947-AF20-C22878545771}"/>
-              </a:ext>
-            </a:extLst>
-          </p:cNvPr>
-          <p:cNvPicPr>
-            <a:picLocks noChangeAspect="1"/>
-          </p:cNvPicPr>
-          <p:nvPr/>
-        </p:nvPicPr>
-        <p:blipFill>
-          <a:blip r:embed="rId8"/>
-          <a:stretch>
-            <a:fillRect/>
-          </a:stretch>
-        </p:blipFill>
-        <p:spPr>
-          <a:xfrm>
-            <a:off x="1294905" y="3523442"/>
-            <a:ext cx="4233042" cy="3101726"/>
-          </a:xfrm>
-          <a:prstGeom prst="rect">
-            <a:avLst/>
-          </a:prstGeom>
-        </p:spPr>
-      </p:pic>
+        <p:txBody>
+          <a:bodyPr vertOverflow="overflow" horzOverflow="overflow" vert="horz" wrap="square" lIns="91440" tIns="45720" rIns="91440" bIns="45720" numCol="1" spcCol="0" rtlCol="0" fromWordArt="0" anchor="t" anchorCtr="0" forceAA="0" compatLnSpc="0">
+            <a:normAutofit fontScale="95000"/>
+          </a:bodyPr>
+          <a:lstStyle/>
+          <a:p>
+            <a:pPr marL="0" marR="0" lvl="0" indent="0" algn="l" defTabSz="914400" eaLnBrk="1" fontAlgn="auto" latinLnBrk="0" hangingPunct="1">
+              <a:lnSpc>
+                <a:spcPct val="110000"/>
+              </a:lnSpc>
+              <a:spcBef>
+                <a:spcPts val="1000"/>
+              </a:spcBef>
+              <a:spcAft>
+                <a:spcPts val="0"/>
+              </a:spcAft>
+              <a:buClrTx/>
+              <a:buSzTx/>
+              <a:buFont typeface="Arial"/>
+              <a:buNone/>
+              <a:tabLst/>
+              <a:defRPr/>
+            </a:pPr>
+            <a:r>
+              <a:rPr kumimoji="0" lang="en-US" sz="1700" b="1" i="0" u="none" strike="noStrike" kern="0" cap="none" spc="0" normalizeH="0" baseline="0" noProof="0" dirty="0">
+                <a:ln>
+                  <a:noFill/>
+                </a:ln>
+                <a:solidFill>
+                  <a:prstClr val="black"/>
+                </a:solidFill>
+                <a:effectLst/>
+                <a:uLnTx/>
+                <a:uFillTx/>
+                <a:latin typeface="Arial"/>
+                <a:ea typeface="Arial"/>
+                <a:cs typeface="Arial"/>
+              </a:rPr>
+              <a:t>Data</a:t>
+            </a:r>
+            <a:endParaRPr kumimoji="0" lang="en-US" sz="1700" b="0" i="0" u="none" strike="noStrike" kern="0" cap="none" spc="0" normalizeH="0" baseline="0" noProof="0" dirty="0">
+              <a:ln>
+                <a:noFill/>
+              </a:ln>
+              <a:solidFill>
+                <a:prstClr val="black"/>
+              </a:solidFill>
+              <a:effectLst/>
+              <a:uLnTx/>
+              <a:uFillTx/>
+              <a:latin typeface="Times New Roman"/>
+              <a:cs typeface="Times New Roman"/>
+            </a:endParaRPr>
+          </a:p>
+          <a:p>
+            <a:pPr marL="228600" marR="0" lvl="0" indent="-228600" algn="l" defTabSz="914400" eaLnBrk="1" fontAlgn="auto" latinLnBrk="0" hangingPunct="1">
+              <a:lnSpc>
+                <a:spcPct val="110000"/>
+              </a:lnSpc>
+              <a:spcBef>
+                <a:spcPts val="1000"/>
+              </a:spcBef>
+              <a:spcAft>
+                <a:spcPts val="0"/>
+              </a:spcAft>
+              <a:buClrTx/>
+              <a:buSzTx/>
+              <a:buFont typeface="Arial"/>
+              <a:buChar char="•"/>
+              <a:tabLst/>
+              <a:defRPr/>
+            </a:pPr>
+            <a:r>
+              <a:rPr lang="en-US" sz="1200" b="0" i="0" u="none" dirty="0">
+                <a:solidFill>
+                  <a:prstClr val="black"/>
+                </a:solidFill>
+                <a:latin typeface="Arial"/>
+                <a:ea typeface="Times New Roman"/>
+                <a:cs typeface="Arial"/>
+              </a:rPr>
+              <a:t>Alcohol consumption (liters per person) across Austria, United States, Japan, South Africa and India from 1960 to 2024.</a:t>
+            </a:r>
+          </a:p>
+          <a:p>
+            <a:pPr marL="228600" marR="0" lvl="0" indent="-228600" algn="l" defTabSz="914400" eaLnBrk="1" fontAlgn="auto" latinLnBrk="0" hangingPunct="1">
+              <a:lnSpc>
+                <a:spcPct val="110000"/>
+              </a:lnSpc>
+              <a:spcBef>
+                <a:spcPts val="1000"/>
+              </a:spcBef>
+              <a:spcAft>
+                <a:spcPts val="0"/>
+              </a:spcAft>
+              <a:buClrTx/>
+              <a:buSzTx/>
+              <a:buFont typeface="Arial"/>
+              <a:buChar char="•"/>
+              <a:tabLst/>
+              <a:defRPr/>
+            </a:pPr>
+            <a:endParaRPr lang="en-US" sz="1200" b="0" i="0" u="none" dirty="0">
+              <a:solidFill>
+                <a:prstClr val="black"/>
+              </a:solidFill>
+              <a:latin typeface="Arial"/>
+              <a:ea typeface="Times New Roman"/>
+              <a:cs typeface="Arial"/>
+            </a:endParaRPr>
+          </a:p>
+          <a:p>
+            <a:pPr marL="0" marR="0" lvl="0" indent="0" algn="l" defTabSz="914400" eaLnBrk="1" fontAlgn="auto" latinLnBrk="0" hangingPunct="1">
+              <a:lnSpc>
+                <a:spcPct val="110000"/>
+              </a:lnSpc>
+              <a:spcBef>
+                <a:spcPts val="1000"/>
+              </a:spcBef>
+              <a:spcAft>
+                <a:spcPts val="0"/>
+              </a:spcAft>
+              <a:buClrTx/>
+              <a:buSzTx/>
+              <a:buFont typeface="Arial"/>
+              <a:buNone/>
+              <a:tabLst/>
+              <a:defRPr/>
+            </a:pPr>
+            <a:r>
+              <a:rPr kumimoji="0" lang="en-US" sz="1700" b="1" i="0" u="none" strike="noStrike" kern="0" cap="none" spc="0" normalizeH="0" baseline="0" noProof="0" dirty="0">
+                <a:ln>
+                  <a:noFill/>
+                </a:ln>
+                <a:solidFill>
+                  <a:prstClr val="black"/>
+                </a:solidFill>
+                <a:effectLst/>
+                <a:uLnTx/>
+                <a:uFillTx/>
+                <a:latin typeface="Arial"/>
+                <a:ea typeface="Arial"/>
+                <a:cs typeface="Arial"/>
+              </a:rPr>
+              <a:t>Insights</a:t>
+            </a:r>
+            <a:endParaRPr kumimoji="0" lang="en-US" sz="1700" b="0" i="0" u="none" strike="noStrike" kern="0" cap="none" spc="0" normalizeH="0" baseline="0" noProof="0" dirty="0">
+              <a:ln>
+                <a:noFill/>
+              </a:ln>
+              <a:solidFill>
+                <a:prstClr val="black"/>
+              </a:solidFill>
+              <a:effectLst/>
+              <a:uLnTx/>
+              <a:uFillTx/>
+              <a:latin typeface="Times New Roman"/>
+              <a:cs typeface="Times New Roman"/>
+            </a:endParaRPr>
+          </a:p>
+          <a:p>
+            <a:pPr marL="0" marR="0" lvl="0" indent="0" algn="l" defTabSz="914400" eaLnBrk="1" fontAlgn="auto" latinLnBrk="0" hangingPunct="1">
+              <a:lnSpc>
+                <a:spcPct val="110000"/>
+              </a:lnSpc>
+              <a:spcBef>
+                <a:spcPts val="1000"/>
+              </a:spcBef>
+              <a:spcAft>
+                <a:spcPts val="0"/>
+              </a:spcAft>
+              <a:buClrTx/>
+              <a:buSzTx/>
+              <a:buNone/>
+              <a:tabLst/>
+              <a:defRPr/>
+            </a:pPr>
+            <a:r>
+              <a:rPr kumimoji="0" lang="en-US" sz="1200" b="0" i="0" u="none" strike="noStrike" kern="0" cap="none" spc="0" normalizeH="0" baseline="0" noProof="0" dirty="0">
+                <a:ln>
+                  <a:noFill/>
+                </a:ln>
+                <a:solidFill>
+                  <a:prstClr val="black"/>
+                </a:solidFill>
+                <a:effectLst/>
+                <a:uLnTx/>
+                <a:uFillTx/>
+                <a:latin typeface="Arial"/>
+                <a:cs typeface="Arial"/>
+              </a:rPr>
+              <a:t>Significant differences in alcohol consumption trends are visible:</a:t>
+            </a:r>
+          </a:p>
+          <a:p>
+            <a:pPr marL="228600" marR="0" lvl="0" indent="-228600" algn="l" defTabSz="914400" eaLnBrk="1" fontAlgn="auto" latinLnBrk="0" hangingPunct="1">
+              <a:lnSpc>
+                <a:spcPct val="110000"/>
+              </a:lnSpc>
+              <a:spcBef>
+                <a:spcPts val="1000"/>
+              </a:spcBef>
+              <a:spcAft>
+                <a:spcPts val="0"/>
+              </a:spcAft>
+              <a:buClrTx/>
+              <a:buSzTx/>
+              <a:buFont typeface="Arial"/>
+              <a:buChar char="•"/>
+              <a:tabLst/>
+              <a:defRPr/>
+            </a:pPr>
+            <a:r>
+              <a:rPr kumimoji="0" lang="en-US" sz="1200" b="0" i="0" u="none" strike="noStrike" kern="0" cap="none" spc="0" normalizeH="0" baseline="0" noProof="0" dirty="0">
+                <a:ln>
+                  <a:noFill/>
+                </a:ln>
+                <a:solidFill>
+                  <a:prstClr val="black"/>
+                </a:solidFill>
+                <a:effectLst/>
+                <a:uLnTx/>
+                <a:uFillTx/>
+                <a:latin typeface="Arial"/>
+                <a:cs typeface="Arial"/>
+              </a:rPr>
+              <a:t>Austria shows a consistently higher level of consumption than the other countries</a:t>
+            </a:r>
+          </a:p>
+          <a:p>
+            <a:pPr marL="228600" marR="0" lvl="0" indent="-228600" algn="l" defTabSz="914400" eaLnBrk="1" fontAlgn="auto" latinLnBrk="0" hangingPunct="1">
+              <a:lnSpc>
+                <a:spcPct val="110000"/>
+              </a:lnSpc>
+              <a:spcBef>
+                <a:spcPts val="1000"/>
+              </a:spcBef>
+              <a:spcAft>
+                <a:spcPts val="0"/>
+              </a:spcAft>
+              <a:buClrTx/>
+              <a:buSzTx/>
+              <a:buFont typeface="Arial"/>
+              <a:buChar char="•"/>
+              <a:tabLst/>
+              <a:defRPr/>
+            </a:pPr>
+            <a:r>
+              <a:rPr kumimoji="0" lang="en-US" sz="1200" b="0" i="0" u="none" strike="noStrike" kern="0" cap="none" spc="0" normalizeH="0" baseline="0" noProof="0" dirty="0">
+                <a:ln>
+                  <a:noFill/>
+                </a:ln>
+                <a:solidFill>
+                  <a:prstClr val="black"/>
+                </a:solidFill>
+                <a:effectLst/>
+                <a:uLnTx/>
+                <a:uFillTx/>
+                <a:latin typeface="Arial"/>
+                <a:cs typeface="Arial"/>
+              </a:rPr>
+              <a:t>India exhibits the lowest consumption. However, it has been increasing since the year 2000</a:t>
+            </a:r>
+          </a:p>
+          <a:p>
+            <a:pPr marL="228600" marR="0" lvl="0" indent="-228600" algn="l" defTabSz="914400" eaLnBrk="1" fontAlgn="auto" latinLnBrk="0" hangingPunct="1">
+              <a:lnSpc>
+                <a:spcPct val="110000"/>
+              </a:lnSpc>
+              <a:spcBef>
+                <a:spcPts val="1000"/>
+              </a:spcBef>
+              <a:spcAft>
+                <a:spcPts val="0"/>
+              </a:spcAft>
+              <a:buClrTx/>
+              <a:buSzTx/>
+              <a:buFont typeface="Arial"/>
+              <a:buChar char="•"/>
+              <a:tabLst/>
+              <a:defRPr/>
+            </a:pPr>
+            <a:r>
+              <a:rPr kumimoji="0" lang="en-US" sz="1200" b="0" i="0" u="none" strike="noStrike" kern="0" cap="none" spc="0" normalizeH="0" baseline="0" noProof="0" dirty="0">
+                <a:ln>
+                  <a:noFill/>
+                </a:ln>
+                <a:solidFill>
+                  <a:prstClr val="black"/>
+                </a:solidFill>
+                <a:effectLst/>
+                <a:uLnTx/>
+                <a:uFillTx/>
+                <a:latin typeface="Arial"/>
+                <a:cs typeface="Arial"/>
+              </a:rPr>
+              <a:t>The United States and Japan show fluctuating consumption patterns</a:t>
+            </a:r>
+          </a:p>
+          <a:p>
+            <a:pPr marL="228600" marR="0" lvl="0" indent="-228600" algn="l" defTabSz="914400" eaLnBrk="1" fontAlgn="auto" latinLnBrk="0" hangingPunct="1">
+              <a:lnSpc>
+                <a:spcPct val="110000"/>
+              </a:lnSpc>
+              <a:spcBef>
+                <a:spcPts val="1000"/>
+              </a:spcBef>
+              <a:spcAft>
+                <a:spcPts val="0"/>
+              </a:spcAft>
+              <a:buClrTx/>
+              <a:buSzTx/>
+              <a:buFont typeface="Arial"/>
+              <a:buChar char="•"/>
+              <a:tabLst/>
+              <a:defRPr/>
+            </a:pPr>
+            <a:r>
+              <a:rPr kumimoji="0" lang="en-US" sz="1200" b="0" i="0" u="none" strike="noStrike" kern="0" cap="none" spc="0" normalizeH="0" baseline="0" noProof="0" dirty="0">
+                <a:ln>
+                  <a:noFill/>
+                </a:ln>
+                <a:solidFill>
+                  <a:prstClr val="black"/>
+                </a:solidFill>
+                <a:effectLst/>
+                <a:uLnTx/>
+                <a:uFillTx/>
+                <a:latin typeface="Arial"/>
+                <a:cs typeface="Arial"/>
+              </a:rPr>
+              <a:t>Africa experienced a sharp decline in consumption between 1999-2000</a:t>
+            </a:r>
+          </a:p>
+          <a:p>
+            <a:pPr marL="228600" marR="0" lvl="0" indent="-228600" algn="l" defTabSz="914400" eaLnBrk="1" fontAlgn="auto" latinLnBrk="0" hangingPunct="1">
+              <a:lnSpc>
+                <a:spcPct val="110000"/>
+              </a:lnSpc>
+              <a:spcBef>
+                <a:spcPts val="1000"/>
+              </a:spcBef>
+              <a:spcAft>
+                <a:spcPts val="0"/>
+              </a:spcAft>
+              <a:buClrTx/>
+              <a:buSzTx/>
+              <a:buFont typeface="Arial"/>
+              <a:buChar char="•"/>
+              <a:tabLst/>
+              <a:defRPr/>
+            </a:pPr>
+            <a:endParaRPr lang="en-US" sz="1200" dirty="0">
+              <a:solidFill>
+                <a:prstClr val="black"/>
+              </a:solidFill>
+              <a:latin typeface="Arial"/>
+              <a:cs typeface="Arial"/>
+            </a:endParaRPr>
+          </a:p>
+          <a:p>
+            <a:pPr marL="0" marR="0" lvl="0" indent="0" algn="l" defTabSz="914400" eaLnBrk="1" fontAlgn="auto" latinLnBrk="0" hangingPunct="1">
+              <a:lnSpc>
+                <a:spcPct val="110000"/>
+              </a:lnSpc>
+              <a:spcBef>
+                <a:spcPts val="1000"/>
+              </a:spcBef>
+              <a:spcAft>
+                <a:spcPts val="0"/>
+              </a:spcAft>
+              <a:buClrTx/>
+              <a:buSzTx/>
+              <a:buFont typeface="Arial"/>
+              <a:buNone/>
+              <a:tabLst/>
+              <a:defRPr/>
+            </a:pPr>
+            <a:r>
+              <a:rPr lang="en-US" sz="1700" b="1" dirty="0">
+                <a:solidFill>
+                  <a:prstClr val="black"/>
+                </a:solidFill>
+                <a:latin typeface="Arial"/>
+                <a:cs typeface="Arial"/>
+              </a:rPr>
+              <a:t>Relevance</a:t>
+            </a:r>
+            <a:endParaRPr kumimoji="0" lang="en-US" sz="1700" b="0" i="0" u="none" strike="noStrike" kern="0" cap="none" spc="0" normalizeH="0" baseline="0" noProof="0" dirty="0">
+              <a:ln>
+                <a:noFill/>
+              </a:ln>
+              <a:solidFill>
+                <a:prstClr val="black"/>
+              </a:solidFill>
+              <a:effectLst/>
+              <a:uLnTx/>
+              <a:uFillTx/>
+              <a:latin typeface="Times New Roman"/>
+              <a:cs typeface="Times New Roman"/>
+            </a:endParaRPr>
+          </a:p>
+          <a:p>
+            <a:pPr marL="228600" marR="0" lvl="0" indent="-228600" algn="l" defTabSz="914400" eaLnBrk="1" fontAlgn="auto" latinLnBrk="0" hangingPunct="1">
+              <a:lnSpc>
+                <a:spcPct val="110000"/>
+              </a:lnSpc>
+              <a:spcBef>
+                <a:spcPts val="1000"/>
+              </a:spcBef>
+              <a:spcAft>
+                <a:spcPts val="0"/>
+              </a:spcAft>
+              <a:buClrTx/>
+              <a:buSzTx/>
+              <a:buFont typeface="Arial"/>
+              <a:buChar char="•"/>
+              <a:tabLst/>
+              <a:defRPr/>
+            </a:pPr>
+            <a:r>
+              <a:rPr lang="en-US" sz="1200" dirty="0">
+                <a:solidFill>
+                  <a:prstClr val="black"/>
+                </a:solidFill>
+                <a:latin typeface="Arial"/>
+                <a:cs typeface="Arial"/>
+              </a:rPr>
+              <a:t>Highlights cultural and policy differences affecting alcohol consumption</a:t>
+            </a:r>
+            <a:br>
+              <a:rPr lang="en-US" sz="1200" b="0" i="0" u="none" dirty="0">
+                <a:solidFill>
+                  <a:srgbClr val="000000"/>
+                </a:solidFill>
+                <a:latin typeface="Times New Roman"/>
+                <a:ea typeface="Times New Roman"/>
+                <a:cs typeface="Times New Roman"/>
+              </a:rPr>
+            </a:br>
+            <a:endParaRPr lang="en-US" sz="1400" dirty="0"/>
+          </a:p>
+        </p:txBody>
+      </p:sp>
     </p:spTree>
     <p:extLst>
       <p:ext uri="{BB962C8B-B14F-4D97-AF65-F5344CB8AC3E}">
@@ -9983,7 +12643,7 @@
 </p:sld>
 </file>
 
-<file path=ppt/slides/slide5.xml><?xml version="1.0" encoding="utf-8"?>
+<file path=ppt/slides/slide6.xml><?xml version="1.0" encoding="utf-8"?>
 <p:sld xmlns:a="http://schemas.openxmlformats.org/drawingml/2006/main" xmlns:r="http://schemas.openxmlformats.org/officeDocument/2006/relationships" xmlns:p="http://schemas.openxmlformats.org/presentationml/2006/main" showMasterPhAnim="0">
   <p:cSld>
     <p:bg>
@@ -9999,7 +12659,7 @@
         <p:cNvPr id="1" name="">
           <a:extLst>
             <a:ext uri="{FF2B5EF4-FFF2-40B4-BE49-F238E27FC236}">
-              <a16:creationId xmlns:a16="http://schemas.microsoft.com/office/drawing/2014/main" id="{CEDAF5A1-1CDA-2771-55F9-C1E5C5BC1CD8}"/>
+              <a16:creationId xmlns:a16="http://schemas.microsoft.com/office/drawing/2014/main" id="{506C05B9-E73D-0A7F-7708-FBF802ADF383}"/>
             </a:ext>
           </a:extLst>
         </p:cNvPr>
@@ -10019,7 +12679,7 @@
           <p:cNvPr id="1224306512" name="Rectangle 1224306511">
             <a:extLst>
               <a:ext uri="{FF2B5EF4-FFF2-40B4-BE49-F238E27FC236}">
-                <a16:creationId xmlns:a16="http://schemas.microsoft.com/office/drawing/2014/main" id="{7785E759-F779-5F49-3209-E7EAF8E406DA}"/>
+                <a16:creationId xmlns:a16="http://schemas.microsoft.com/office/drawing/2014/main" id="{FD8AB76F-38E1-789D-9084-445D379D0270}"/>
               </a:ext>
               <a:ext uri="{C183D7F6-B498-43B3-948B-1728B52AA6E4}">
                 <adec:decorative xmlns:adec="http://schemas.microsoft.com/office/drawing/2017/decorative" val="1"/>
@@ -10074,96 +12734,12 @@
           </a:p>
         </p:txBody>
       </p:sp>
-      <p:sp>
-        <p:nvSpPr>
-          <p:cNvPr id="11" name="Title 1">
+      <p:pic>
+        <p:nvPicPr>
+          <p:cNvPr id="9" name="Grafik 8">
             <a:extLst>
               <a:ext uri="{FF2B5EF4-FFF2-40B4-BE49-F238E27FC236}">
-                <a16:creationId xmlns:a16="http://schemas.microsoft.com/office/drawing/2014/main" id="{0B60C46F-A9F7-57A2-4703-1DE0F16A38A4}"/>
-              </a:ext>
-            </a:extLst>
-          </p:cNvPr>
-          <p:cNvSpPr>
-            <a:spLocks noGrp="1"/>
-          </p:cNvSpPr>
-          <p:nvPr>
-            <p:ph type="title"/>
-          </p:nvPr>
-        </p:nvSpPr>
-        <p:spPr bwMode="auto">
-          <a:xfrm>
-            <a:off x="341671" y="0"/>
-            <a:ext cx="10515600" cy="1325563"/>
-          </a:xfrm>
-        </p:spPr>
-        <p:txBody>
-          <a:bodyPr vertOverflow="overflow" horzOverflow="overflow" vert="horz" wrap="square" lIns="91440" tIns="45720" rIns="91440" bIns="45720" numCol="1" spcCol="0" rtlCol="0" fromWordArt="0" anchor="ctr" anchorCtr="0" forceAA="0" compatLnSpc="0">
-            <a:normAutofit/>
-          </a:bodyPr>
-          <a:lstStyle/>
-          <a:p>
-            <a:pPr marL="0" marR="0" indent="0" algn="l">
-              <a:lnSpc>
-                <a:spcPct val="90000"/>
-              </a:lnSpc>
-              <a:spcBef>
-                <a:spcPts val="0"/>
-              </a:spcBef>
-              <a:spcAft>
-                <a:spcPts val="0"/>
-              </a:spcAft>
-              <a:buNone/>
-              <a:defRPr/>
-            </a:pPr>
-            <a:r>
-              <a:rPr lang="de-DE" sz="2800" b="1" dirty="0">
-                <a:solidFill>
-                  <a:srgbClr val="EF2B5B"/>
-                </a:solidFill>
-              </a:rPr>
-              <a:t>Data </a:t>
-            </a:r>
-            <a:r>
-              <a:rPr lang="de-DE" sz="2800" b="1" dirty="0" err="1">
-                <a:solidFill>
-                  <a:srgbClr val="EF2B5B"/>
-                </a:solidFill>
-              </a:rPr>
-              <a:t>Visualisation</a:t>
-            </a:r>
-            <a:r>
-              <a:rPr lang="de-DE" sz="2800" b="1" dirty="0">
-                <a:solidFill>
-                  <a:srgbClr val="EF2B5B"/>
-                </a:solidFill>
-              </a:rPr>
-              <a:t> &amp; Analysis </a:t>
-            </a:r>
-            <a:br>
-              <a:rPr lang="de-DE" sz="2800" b="1" dirty="0">
-                <a:solidFill>
-                  <a:srgbClr val="EF2B5B"/>
-                </a:solidFill>
-              </a:rPr>
-            </a:br>
-            <a:r>
-              <a:rPr lang="de-DE" sz="2800" b="1" dirty="0">
-                <a:solidFill>
-                  <a:srgbClr val="EF2B5B"/>
-                </a:solidFill>
-              </a:rPr>
-              <a:t>Bar Charts</a:t>
-            </a:r>
-            <a:endParaRPr b="1" dirty="0"/>
-          </a:p>
-        </p:txBody>
-      </p:sp>
-      <p:pic>
-        <p:nvPicPr>
-          <p:cNvPr id="5" name="Grafik 4">
-            <a:extLst>
-              <a:ext uri="{FF2B5EF4-FFF2-40B4-BE49-F238E27FC236}">
-                <a16:creationId xmlns:a16="http://schemas.microsoft.com/office/drawing/2014/main" id="{E68921D4-E56F-30F3-48D6-6A2C5FC54C2E}"/>
+                <a16:creationId xmlns:a16="http://schemas.microsoft.com/office/drawing/2014/main" id="{FA6B1E27-B853-C101-45FC-D84F85D34E80}"/>
               </a:ext>
             </a:extLst>
           </p:cNvPr>
@@ -10185,20 +12761,121 @@
         </p:blipFill>
         <p:spPr>
           <a:xfrm>
-            <a:off x="7057230" y="3606242"/>
-            <a:ext cx="4543674" cy="3018926"/>
+            <a:off x="5936769" y="2079042"/>
+            <a:ext cx="5893870" cy="3315302"/>
           </a:xfrm>
           <a:prstGeom prst="rect">
             <a:avLst/>
           </a:prstGeom>
         </p:spPr>
       </p:pic>
+      <p:sp>
+        <p:nvSpPr>
+          <p:cNvPr id="4" name="Title 1">
+            <a:extLst>
+              <a:ext uri="{FF2B5EF4-FFF2-40B4-BE49-F238E27FC236}">
+                <a16:creationId xmlns:a16="http://schemas.microsoft.com/office/drawing/2014/main" id="{0B264E6D-5A7B-ACFA-9905-4F2A91F0435C}"/>
+              </a:ext>
+            </a:extLst>
+          </p:cNvPr>
+          <p:cNvSpPr>
+            <a:spLocks noGrp="1"/>
+          </p:cNvSpPr>
+          <p:nvPr>
+            <p:ph type="title"/>
+          </p:nvPr>
+        </p:nvSpPr>
+        <p:spPr bwMode="auto">
+          <a:xfrm>
+            <a:off x="838200" y="365125"/>
+            <a:ext cx="10515600" cy="1325563"/>
+          </a:xfrm>
+        </p:spPr>
+        <p:txBody>
+          <a:bodyPr vertOverflow="overflow" horzOverflow="overflow" vert="horz" wrap="square" lIns="91440" tIns="45720" rIns="91440" bIns="45720" numCol="1" spcCol="0" rtlCol="0" fromWordArt="0" anchor="ctr" anchorCtr="0" forceAA="0" compatLnSpc="0">
+            <a:normAutofit/>
+          </a:bodyPr>
+          <a:lstStyle/>
+          <a:p>
+            <a:pPr marL="0" marR="0" indent="0" algn="l">
+              <a:lnSpc>
+                <a:spcPct val="90000"/>
+              </a:lnSpc>
+              <a:spcBef>
+                <a:spcPts val="0"/>
+              </a:spcBef>
+              <a:spcAft>
+                <a:spcPts val="0"/>
+              </a:spcAft>
+              <a:buNone/>
+              <a:defRPr/>
+            </a:pPr>
+            <a:r>
+              <a:rPr lang="de-DE" sz="2800" b="1" dirty="0">
+                <a:solidFill>
+                  <a:srgbClr val="EF2B5B"/>
+                </a:solidFill>
+              </a:rPr>
+              <a:t>Daily </a:t>
+            </a:r>
+            <a:r>
+              <a:rPr lang="de-DE" sz="2800" b="1" dirty="0" err="1">
+                <a:solidFill>
+                  <a:srgbClr val="EF2B5B"/>
+                </a:solidFill>
+              </a:rPr>
+              <a:t>Calorie</a:t>
+            </a:r>
+            <a:r>
+              <a:rPr lang="de-DE" sz="2800" b="1" dirty="0">
+                <a:solidFill>
+                  <a:srgbClr val="EF2B5B"/>
+                </a:solidFill>
+              </a:rPr>
+              <a:t> </a:t>
+            </a:r>
+            <a:r>
+              <a:rPr lang="de-DE" sz="2800" b="1" dirty="0" err="1">
+                <a:solidFill>
+                  <a:srgbClr val="EF2B5B"/>
+                </a:solidFill>
+              </a:rPr>
+              <a:t>Intake</a:t>
+            </a:r>
+            <a:r>
+              <a:rPr lang="de-DE" sz="2800" b="1" dirty="0">
+                <a:solidFill>
+                  <a:srgbClr val="EF2B5B"/>
+                </a:solidFill>
+              </a:rPr>
+              <a:t> </a:t>
+            </a:r>
+            <a:r>
+              <a:rPr lang="de-DE" sz="2800" b="1" dirty="0" err="1">
+                <a:solidFill>
+                  <a:srgbClr val="EF2B5B"/>
+                </a:solidFill>
+              </a:rPr>
+              <a:t>over</a:t>
+            </a:r>
+            <a:r>
+              <a:rPr lang="de-DE" sz="2800" b="1" dirty="0">
+                <a:solidFill>
+                  <a:srgbClr val="EF2B5B"/>
+                </a:solidFill>
+              </a:rPr>
+              <a:t> Time</a:t>
+            </a:r>
+            <a:endParaRPr b="1" dirty="0"/>
+          </a:p>
+        </p:txBody>
+      </p:sp>
       <p:pic>
         <p:nvPicPr>
-          <p:cNvPr id="9" name="Grafik 8">
+          <p:cNvPr id="7" name="Grafik 6">
             <a:extLst>
               <a:ext uri="{FF2B5EF4-FFF2-40B4-BE49-F238E27FC236}">
-                <a16:creationId xmlns:a16="http://schemas.microsoft.com/office/drawing/2014/main" id="{F87C2932-A143-00D7-C4D6-F827A427718E}"/>
+                <a16:creationId xmlns:a16="http://schemas.microsoft.com/office/drawing/2014/main" id="{0891BBBA-B045-0E42-82CD-72DDFF35504C}"/>
               </a:ext>
             </a:extLst>
           </p:cNvPr>
@@ -10208,128 +12885,328 @@
           <p:nvPr/>
         </p:nvPicPr>
         <p:blipFill>
-          <a:blip r:embed="rId5">
-            <a:extLst>
-              <a:ext uri="{28A0092B-C50C-407E-A947-70E740481C1C}">
-                <a14:useLocalDpi xmlns:a14="http://schemas.microsoft.com/office/drawing/2010/main" val="0"/>
-              </a:ext>
-            </a:extLst>
-          </a:blip>
-          <a:srcRect/>
+          <a:blip r:embed="rId5"/>
           <a:stretch/>
         </p:blipFill>
-        <p:spPr>
+        <p:spPr bwMode="auto">
           <a:xfrm>
-            <a:off x="7043803" y="525972"/>
-            <a:ext cx="4606524" cy="3060685"/>
+            <a:off x="10510332" y="232831"/>
+            <a:ext cx="1501747" cy="750873"/>
           </a:xfrm>
           <a:prstGeom prst="rect">
             <a:avLst/>
           </a:prstGeom>
         </p:spPr>
       </p:pic>
-      <p:pic>
-        <p:nvPicPr>
-          <p:cNvPr id="1224306507" name="Grafik 1224306506">
+      <p:sp>
+        <p:nvSpPr>
+          <p:cNvPr id="10" name="Content Placeholder 2">
             <a:extLst>
               <a:ext uri="{FF2B5EF4-FFF2-40B4-BE49-F238E27FC236}">
-                <a16:creationId xmlns:a16="http://schemas.microsoft.com/office/drawing/2014/main" id="{515D0908-979C-60AF-B6D7-377610885C70}"/>
+                <a16:creationId xmlns:a16="http://schemas.microsoft.com/office/drawing/2014/main" id="{2983A847-E6B3-0C17-2B5F-41FE2EE024CA}"/>
               </a:ext>
             </a:extLst>
           </p:cNvPr>
-          <p:cNvPicPr>
-            <a:picLocks noChangeAspect="1"/>
-          </p:cNvPicPr>
-          <p:nvPr/>
-        </p:nvPicPr>
-        <p:blipFill>
-          <a:blip r:embed="rId6"/>
-          <a:stretch/>
-        </p:blipFill>
+          <p:cNvSpPr>
+            <a:spLocks noGrp="1"/>
+          </p:cNvSpPr>
+          <p:nvPr>
+            <p:ph idx="1"/>
+          </p:nvPr>
+        </p:nvSpPr>
         <p:spPr bwMode="auto">
           <a:xfrm>
-            <a:off x="11198942" y="232832"/>
-            <a:ext cx="813137" cy="406568"/>
+            <a:off x="838200" y="1604907"/>
+            <a:ext cx="5006419" cy="4701625"/>
           </a:xfrm>
-          <a:prstGeom prst="rect">
-            <a:avLst/>
-          </a:prstGeom>
         </p:spPr>
-      </p:pic>
-      <p:pic>
-        <p:nvPicPr>
-          <p:cNvPr id="6" name="Grafik 5">
-            <a:extLst>
-              <a:ext uri="{FF2B5EF4-FFF2-40B4-BE49-F238E27FC236}">
-                <a16:creationId xmlns:a16="http://schemas.microsoft.com/office/drawing/2014/main" id="{8E68A319-2444-BEFF-3448-C674ACB78324}"/>
-              </a:ext>
-            </a:extLst>
-          </p:cNvPr>
-          <p:cNvPicPr>
-            <a:picLocks noChangeAspect="1"/>
-          </p:cNvPicPr>
-          <p:nvPr/>
-        </p:nvPicPr>
-        <p:blipFill>
-          <a:blip r:embed="rId7">
-            <a:extLst>
-              <a:ext uri="{28A0092B-C50C-407E-A947-70E740481C1C}">
-                <a14:useLocalDpi xmlns:a14="http://schemas.microsoft.com/office/drawing/2010/main" val="0"/>
-              </a:ext>
-            </a:extLst>
-          </a:blip>
-          <a:srcRect/>
-          <a:stretch/>
-        </p:blipFill>
-        <p:spPr>
-          <a:xfrm>
-            <a:off x="1294905" y="1280714"/>
-            <a:ext cx="4233042" cy="2004232"/>
-          </a:xfrm>
-          <a:prstGeom prst="rect">
-            <a:avLst/>
-          </a:prstGeom>
-        </p:spPr>
-      </p:pic>
-      <p:pic>
-        <p:nvPicPr>
-          <p:cNvPr id="8" name="Grafik 7">
-            <a:extLst>
-              <a:ext uri="{FF2B5EF4-FFF2-40B4-BE49-F238E27FC236}">
-                <a16:creationId xmlns:a16="http://schemas.microsoft.com/office/drawing/2014/main" id="{4BAEBDFC-CF9B-FC3E-92E3-40F779CF8A21}"/>
-              </a:ext>
-            </a:extLst>
-          </p:cNvPr>
-          <p:cNvPicPr>
-            <a:picLocks noChangeAspect="1"/>
-          </p:cNvPicPr>
-          <p:nvPr/>
-        </p:nvPicPr>
-        <p:blipFill>
-          <a:blip r:embed="rId8">
-            <a:extLst>
-              <a:ext uri="{28A0092B-C50C-407E-A947-70E740481C1C}">
-                <a14:useLocalDpi xmlns:a14="http://schemas.microsoft.com/office/drawing/2010/main" val="0"/>
-              </a:ext>
-            </a:extLst>
-          </a:blip>
-          <a:srcRect/>
-          <a:stretch/>
-        </p:blipFill>
-        <p:spPr>
-          <a:xfrm>
-            <a:off x="1294905" y="3601339"/>
-            <a:ext cx="4233042" cy="2945931"/>
-          </a:xfrm>
-          <a:prstGeom prst="rect">
-            <a:avLst/>
-          </a:prstGeom>
-        </p:spPr>
-      </p:pic>
+        <p:txBody>
+          <a:bodyPr vertOverflow="overflow" horzOverflow="overflow" vert="horz" wrap="square" lIns="91440" tIns="45720" rIns="91440" bIns="45720" numCol="1" spcCol="0" rtlCol="0" fromWordArt="0" anchor="t" anchorCtr="0" forceAA="0" compatLnSpc="0">
+            <a:normAutofit fontScale="95000"/>
+          </a:bodyPr>
+          <a:lstStyle/>
+          <a:p>
+            <a:pPr marL="0" marR="0" lvl="0" indent="0" algn="l" defTabSz="914400" eaLnBrk="1" fontAlgn="auto" latinLnBrk="0" hangingPunct="1">
+              <a:lnSpc>
+                <a:spcPct val="110000"/>
+              </a:lnSpc>
+              <a:spcBef>
+                <a:spcPts val="1000"/>
+              </a:spcBef>
+              <a:spcAft>
+                <a:spcPts val="0"/>
+              </a:spcAft>
+              <a:buClrTx/>
+              <a:buSzTx/>
+              <a:buFont typeface="Arial"/>
+              <a:buNone/>
+              <a:tabLst/>
+              <a:defRPr/>
+            </a:pPr>
+            <a:r>
+              <a:rPr kumimoji="0" lang="en-US" sz="1700" b="1" i="0" u="none" strike="noStrike" kern="0" cap="none" spc="0" normalizeH="0" baseline="0" noProof="0" dirty="0">
+                <a:ln>
+                  <a:noFill/>
+                </a:ln>
+                <a:solidFill>
+                  <a:prstClr val="black"/>
+                </a:solidFill>
+                <a:effectLst/>
+                <a:uLnTx/>
+                <a:uFillTx/>
+                <a:latin typeface="Arial"/>
+                <a:ea typeface="Arial"/>
+                <a:cs typeface="Arial"/>
+              </a:rPr>
+              <a:t>Data</a:t>
+            </a:r>
+            <a:endParaRPr kumimoji="0" lang="en-US" sz="1700" b="0" i="0" u="none" strike="noStrike" kern="0" cap="none" spc="0" normalizeH="0" baseline="0" noProof="0" dirty="0">
+              <a:ln>
+                <a:noFill/>
+              </a:ln>
+              <a:solidFill>
+                <a:prstClr val="black"/>
+              </a:solidFill>
+              <a:effectLst/>
+              <a:uLnTx/>
+              <a:uFillTx/>
+              <a:latin typeface="Times New Roman"/>
+              <a:cs typeface="Times New Roman"/>
+            </a:endParaRPr>
+          </a:p>
+          <a:p>
+            <a:pPr marL="228600" marR="0" lvl="0" indent="-228600" algn="l" defTabSz="914400" eaLnBrk="1" fontAlgn="auto" latinLnBrk="0" hangingPunct="1">
+              <a:lnSpc>
+                <a:spcPct val="110000"/>
+              </a:lnSpc>
+              <a:spcBef>
+                <a:spcPts val="1000"/>
+              </a:spcBef>
+              <a:spcAft>
+                <a:spcPts val="0"/>
+              </a:spcAft>
+              <a:buClrTx/>
+              <a:buSzTx/>
+              <a:buFont typeface="Arial"/>
+              <a:buChar char="•"/>
+              <a:tabLst/>
+              <a:defRPr/>
+            </a:pPr>
+            <a:r>
+              <a:rPr lang="en-US" sz="1200" b="0" i="0" u="none" dirty="0">
+                <a:solidFill>
+                  <a:prstClr val="black"/>
+                </a:solidFill>
+                <a:latin typeface="Arial"/>
+                <a:ea typeface="Times New Roman"/>
+                <a:cs typeface="Arial"/>
+              </a:rPr>
+              <a:t>Average daily calorie intake across Austria, Iceland, Finland, United States, and Japan.</a:t>
+            </a:r>
+          </a:p>
+          <a:p>
+            <a:pPr marL="228600" marR="0" lvl="0" indent="-228600" algn="l" defTabSz="914400" eaLnBrk="1" fontAlgn="auto" latinLnBrk="0" hangingPunct="1">
+              <a:lnSpc>
+                <a:spcPct val="110000"/>
+              </a:lnSpc>
+              <a:spcBef>
+                <a:spcPts val="1000"/>
+              </a:spcBef>
+              <a:spcAft>
+                <a:spcPts val="0"/>
+              </a:spcAft>
+              <a:buClrTx/>
+              <a:buSzTx/>
+              <a:buFont typeface="Arial"/>
+              <a:buChar char="•"/>
+              <a:tabLst/>
+              <a:defRPr/>
+            </a:pPr>
+            <a:endParaRPr lang="en-US" sz="1200" b="0" i="0" u="none" dirty="0">
+              <a:solidFill>
+                <a:prstClr val="black"/>
+              </a:solidFill>
+              <a:latin typeface="Arial"/>
+              <a:ea typeface="Times New Roman"/>
+              <a:cs typeface="Arial"/>
+            </a:endParaRPr>
+          </a:p>
+          <a:p>
+            <a:pPr marL="0" marR="0" lvl="0" indent="0" algn="l" defTabSz="914400" eaLnBrk="1" fontAlgn="auto" latinLnBrk="0" hangingPunct="1">
+              <a:lnSpc>
+                <a:spcPct val="110000"/>
+              </a:lnSpc>
+              <a:spcBef>
+                <a:spcPts val="1000"/>
+              </a:spcBef>
+              <a:spcAft>
+                <a:spcPts val="0"/>
+              </a:spcAft>
+              <a:buClrTx/>
+              <a:buSzTx/>
+              <a:buFont typeface="Arial"/>
+              <a:buNone/>
+              <a:tabLst/>
+              <a:defRPr/>
+            </a:pPr>
+            <a:r>
+              <a:rPr kumimoji="0" lang="en-US" sz="1700" b="1" i="0" u="none" strike="noStrike" kern="0" cap="none" spc="0" normalizeH="0" baseline="0" noProof="0" dirty="0">
+                <a:ln>
+                  <a:noFill/>
+                </a:ln>
+                <a:solidFill>
+                  <a:prstClr val="black"/>
+                </a:solidFill>
+                <a:effectLst/>
+                <a:uLnTx/>
+                <a:uFillTx/>
+                <a:latin typeface="Arial"/>
+                <a:ea typeface="Arial"/>
+                <a:cs typeface="Arial"/>
+              </a:rPr>
+              <a:t>Insights</a:t>
+            </a:r>
+            <a:endParaRPr kumimoji="0" lang="en-US" sz="1700" b="0" i="0" u="none" strike="noStrike" kern="0" cap="none" spc="0" normalizeH="0" baseline="0" noProof="0" dirty="0">
+              <a:ln>
+                <a:noFill/>
+              </a:ln>
+              <a:solidFill>
+                <a:prstClr val="black"/>
+              </a:solidFill>
+              <a:effectLst/>
+              <a:uLnTx/>
+              <a:uFillTx/>
+              <a:latin typeface="Times New Roman"/>
+              <a:cs typeface="Times New Roman"/>
+            </a:endParaRPr>
+          </a:p>
+          <a:p>
+            <a:pPr>
+              <a:lnSpc>
+                <a:spcPct val="110000"/>
+              </a:lnSpc>
+              <a:defRPr/>
+            </a:pPr>
+            <a:r>
+              <a:rPr kumimoji="0" lang="en-US" sz="1200" b="0" i="0" u="none" strike="noStrike" kern="0" cap="none" spc="0" normalizeH="0" baseline="0" noProof="0" dirty="0">
+                <a:ln>
+                  <a:noFill/>
+                </a:ln>
+                <a:solidFill>
+                  <a:prstClr val="black"/>
+                </a:solidFill>
+                <a:effectLst/>
+                <a:uLnTx/>
+                <a:uFillTx/>
+                <a:latin typeface="Arial"/>
+                <a:cs typeface="Arial"/>
+              </a:rPr>
+              <a:t>While most countries exhibit a gradual increase in calorie intake over time, Japan maintains a relatively stable trend.</a:t>
+            </a:r>
+          </a:p>
+          <a:p>
+            <a:pPr>
+              <a:lnSpc>
+                <a:spcPct val="110000"/>
+              </a:lnSpc>
+              <a:defRPr/>
+            </a:pPr>
+            <a:endParaRPr lang="en-US" sz="1200" dirty="0">
+              <a:solidFill>
+                <a:prstClr val="black"/>
+              </a:solidFill>
+              <a:latin typeface="Arial"/>
+              <a:cs typeface="Arial"/>
+            </a:endParaRPr>
+          </a:p>
+          <a:p>
+            <a:pPr marL="0" marR="0" lvl="0" indent="0" algn="l" defTabSz="914400" eaLnBrk="1" fontAlgn="auto" latinLnBrk="0" hangingPunct="1">
+              <a:lnSpc>
+                <a:spcPct val="110000"/>
+              </a:lnSpc>
+              <a:spcBef>
+                <a:spcPts val="1000"/>
+              </a:spcBef>
+              <a:spcAft>
+                <a:spcPts val="0"/>
+              </a:spcAft>
+              <a:buClrTx/>
+              <a:buSzTx/>
+              <a:buFont typeface="Arial"/>
+              <a:buNone/>
+              <a:tabLst/>
+              <a:defRPr/>
+            </a:pPr>
+            <a:r>
+              <a:rPr lang="en-US" sz="1700" b="1" dirty="0">
+                <a:solidFill>
+                  <a:prstClr val="black"/>
+                </a:solidFill>
+                <a:latin typeface="Arial"/>
+                <a:cs typeface="Arial"/>
+              </a:rPr>
+              <a:t>Relevance</a:t>
+            </a:r>
+            <a:endParaRPr kumimoji="0" lang="en-US" sz="1700" b="0" i="0" u="none" strike="noStrike" kern="0" cap="none" spc="0" normalizeH="0" baseline="0" noProof="0" dirty="0">
+              <a:ln>
+                <a:noFill/>
+              </a:ln>
+              <a:solidFill>
+                <a:prstClr val="black"/>
+              </a:solidFill>
+              <a:effectLst/>
+              <a:uLnTx/>
+              <a:uFillTx/>
+              <a:latin typeface="Times New Roman"/>
+              <a:cs typeface="Times New Roman"/>
+            </a:endParaRPr>
+          </a:p>
+          <a:p>
+            <a:pPr marL="228600" marR="0" lvl="0" indent="-228600" algn="l" defTabSz="914400" eaLnBrk="1" fontAlgn="auto" latinLnBrk="0" hangingPunct="1">
+              <a:lnSpc>
+                <a:spcPct val="110000"/>
+              </a:lnSpc>
+              <a:spcBef>
+                <a:spcPts val="1000"/>
+              </a:spcBef>
+              <a:spcAft>
+                <a:spcPts val="0"/>
+              </a:spcAft>
+              <a:buClrTx/>
+              <a:buSzTx/>
+              <a:buFont typeface="Arial"/>
+              <a:buChar char="•"/>
+              <a:tabLst/>
+              <a:defRPr/>
+            </a:pPr>
+            <a:r>
+              <a:rPr lang="en-US" sz="1200" dirty="0">
+                <a:solidFill>
+                  <a:prstClr val="black"/>
+                </a:solidFill>
+                <a:latin typeface="Arial"/>
+                <a:cs typeface="Arial"/>
+              </a:rPr>
+              <a:t>Highlights the trend in daily calorie consumption across countries.</a:t>
+            </a:r>
+            <a:br>
+              <a:rPr lang="en-US" sz="1200" b="0" i="0" u="none" dirty="0">
+                <a:solidFill>
+                  <a:srgbClr val="000000"/>
+                </a:solidFill>
+                <a:latin typeface="Times New Roman"/>
+                <a:ea typeface="Times New Roman"/>
+                <a:cs typeface="Times New Roman"/>
+              </a:rPr>
+            </a:br>
+            <a:endParaRPr lang="en-US" sz="1400" dirty="0"/>
+          </a:p>
+        </p:txBody>
+      </p:sp>
     </p:spTree>
     <p:extLst>
       <p:ext uri="{BB962C8B-B14F-4D97-AF65-F5344CB8AC3E}">
-        <p14:creationId xmlns:p14="http://schemas.microsoft.com/office/powerpoint/2010/main" val="1418109239"/>
+        <p14:creationId xmlns:p14="http://schemas.microsoft.com/office/powerpoint/2010/main" val="3821838507"/>
       </p:ext>
     </p:extLst>
   </p:cSld>
@@ -10339,7 +13216,7 @@
 </p:sld>
 </file>
 
-<file path=ppt/slides/slide6.xml><?xml version="1.0" encoding="utf-8"?>
+<file path=ppt/slides/slide7.xml><?xml version="1.0" encoding="utf-8"?>
 <p:sld xmlns:a="http://schemas.openxmlformats.org/drawingml/2006/main" xmlns:r="http://schemas.openxmlformats.org/officeDocument/2006/relationships" xmlns:p="http://schemas.openxmlformats.org/presentationml/2006/main" showMasterPhAnim="0">
   <p:cSld>
     <p:bg>
@@ -10355,7 +13232,7 @@
         <p:cNvPr id="1" name="">
           <a:extLst>
             <a:ext uri="{FF2B5EF4-FFF2-40B4-BE49-F238E27FC236}">
-              <a16:creationId xmlns:a16="http://schemas.microsoft.com/office/drawing/2014/main" id="{48D41717-C69B-57C9-5C26-DC5BD61E458B}"/>
+              <a16:creationId xmlns:a16="http://schemas.microsoft.com/office/drawing/2014/main" id="{163FB01D-4622-42E0-6E0B-EC0EE42C0E68}"/>
             </a:ext>
           </a:extLst>
         </p:cNvPr>
@@ -10375,7 +13252,7 @@
           <p:cNvPr id="1224306512" name="Rectangle 1224306511">
             <a:extLst>
               <a:ext uri="{FF2B5EF4-FFF2-40B4-BE49-F238E27FC236}">
-                <a16:creationId xmlns:a16="http://schemas.microsoft.com/office/drawing/2014/main" id="{950D5F5F-D4E6-9C6F-0115-8FA09B519CAC}"/>
+                <a16:creationId xmlns:a16="http://schemas.microsoft.com/office/drawing/2014/main" id="{7C5DB880-955F-4E20-B0E9-76865EE5A156}"/>
               </a:ext>
               <a:ext uri="{C183D7F6-B498-43B3-948B-1728B52AA6E4}">
                 <adec:decorative xmlns:adec="http://schemas.microsoft.com/office/drawing/2017/decorative" val="1"/>
@@ -10430,104 +13307,12 @@
           </a:p>
         </p:txBody>
       </p:sp>
-      <p:sp>
-        <p:nvSpPr>
-          <p:cNvPr id="11" name="Title 1">
+      <p:pic>
+        <p:nvPicPr>
+          <p:cNvPr id="9" name="Grafik 8">
             <a:extLst>
               <a:ext uri="{FF2B5EF4-FFF2-40B4-BE49-F238E27FC236}">
-                <a16:creationId xmlns:a16="http://schemas.microsoft.com/office/drawing/2014/main" id="{A01380E7-DC59-3165-9A8D-83A87D52D6A3}"/>
-              </a:ext>
-            </a:extLst>
-          </p:cNvPr>
-          <p:cNvSpPr>
-            <a:spLocks noGrp="1"/>
-          </p:cNvSpPr>
-          <p:nvPr>
-            <p:ph type="title"/>
-          </p:nvPr>
-        </p:nvSpPr>
-        <p:spPr bwMode="auto">
-          <a:xfrm>
-            <a:off x="341671" y="0"/>
-            <a:ext cx="10515600" cy="1325563"/>
-          </a:xfrm>
-        </p:spPr>
-        <p:txBody>
-          <a:bodyPr vertOverflow="overflow" horzOverflow="overflow" vert="horz" wrap="square" lIns="91440" tIns="45720" rIns="91440" bIns="45720" numCol="1" spcCol="0" rtlCol="0" fromWordArt="0" anchor="ctr" anchorCtr="0" forceAA="0" compatLnSpc="0">
-            <a:normAutofit/>
-          </a:bodyPr>
-          <a:lstStyle/>
-          <a:p>
-            <a:pPr marL="0" marR="0" indent="0" algn="l">
-              <a:lnSpc>
-                <a:spcPct val="90000"/>
-              </a:lnSpc>
-              <a:spcBef>
-                <a:spcPts val="0"/>
-              </a:spcBef>
-              <a:spcAft>
-                <a:spcPts val="0"/>
-              </a:spcAft>
-              <a:buNone/>
-              <a:defRPr/>
-            </a:pPr>
-            <a:r>
-              <a:rPr lang="de-DE" sz="2800" b="1" dirty="0">
-                <a:solidFill>
-                  <a:srgbClr val="EF2B5B"/>
-                </a:solidFill>
-              </a:rPr>
-              <a:t>Data </a:t>
-            </a:r>
-            <a:r>
-              <a:rPr lang="de-DE" sz="2800" b="1" dirty="0" err="1">
-                <a:solidFill>
-                  <a:srgbClr val="EF2B5B"/>
-                </a:solidFill>
-              </a:rPr>
-              <a:t>Visualisation</a:t>
-            </a:r>
-            <a:r>
-              <a:rPr lang="de-DE" sz="2800" b="1" dirty="0">
-                <a:solidFill>
-                  <a:srgbClr val="EF2B5B"/>
-                </a:solidFill>
-              </a:rPr>
-              <a:t> &amp; Analysis </a:t>
-            </a:r>
-            <a:br>
-              <a:rPr lang="de-DE" sz="2800" b="1" dirty="0">
-                <a:solidFill>
-                  <a:srgbClr val="EF2B5B"/>
-                </a:solidFill>
-              </a:rPr>
-            </a:br>
-            <a:r>
-              <a:rPr lang="de-DE" sz="2800" b="1" dirty="0" err="1">
-                <a:solidFill>
-                  <a:srgbClr val="EF2B5B"/>
-                </a:solidFill>
-              </a:rPr>
-              <a:t>Scatter</a:t>
-            </a:r>
-            <a:r>
-              <a:rPr lang="de-DE" sz="2800" b="1" dirty="0">
-                <a:solidFill>
-                  <a:srgbClr val="EF2B5B"/>
-                </a:solidFill>
-              </a:rPr>
-              <a:t> Plots</a:t>
-            </a:r>
-            <a:endParaRPr b="1" dirty="0"/>
-          </a:p>
-        </p:txBody>
-      </p:sp>
-      <p:pic>
-        <p:nvPicPr>
-          <p:cNvPr id="5" name="Grafik 4">
-            <a:extLst>
-              <a:ext uri="{FF2B5EF4-FFF2-40B4-BE49-F238E27FC236}">
-                <a16:creationId xmlns:a16="http://schemas.microsoft.com/office/drawing/2014/main" id="{C661794F-374C-5401-15E0-59DED5EF6080}"/>
+                <a16:creationId xmlns:a16="http://schemas.microsoft.com/office/drawing/2014/main" id="{56A7B67A-93CF-7FDA-0C7A-8CCE2D424C1D}"/>
               </a:ext>
             </a:extLst>
           </p:cNvPr>
@@ -10549,20 +13334,89 @@
         </p:blipFill>
         <p:spPr>
           <a:xfrm>
-            <a:off x="7057230" y="3828269"/>
-            <a:ext cx="4543674" cy="2574871"/>
+            <a:off x="6387321" y="2079042"/>
+            <a:ext cx="4992765" cy="3315302"/>
           </a:xfrm>
           <a:prstGeom prst="rect">
             <a:avLst/>
           </a:prstGeom>
         </p:spPr>
       </p:pic>
+      <p:sp>
+        <p:nvSpPr>
+          <p:cNvPr id="4" name="Title 1">
+            <a:extLst>
+              <a:ext uri="{FF2B5EF4-FFF2-40B4-BE49-F238E27FC236}">
+                <a16:creationId xmlns:a16="http://schemas.microsoft.com/office/drawing/2014/main" id="{D76D366B-51F2-8BC0-84E3-2196EFF672E1}"/>
+              </a:ext>
+            </a:extLst>
+          </p:cNvPr>
+          <p:cNvSpPr>
+            <a:spLocks noGrp="1"/>
+          </p:cNvSpPr>
+          <p:nvPr>
+            <p:ph type="title"/>
+          </p:nvPr>
+        </p:nvSpPr>
+        <p:spPr bwMode="auto">
+          <a:xfrm>
+            <a:off x="838200" y="365125"/>
+            <a:ext cx="10515600" cy="1325563"/>
+          </a:xfrm>
+        </p:spPr>
+        <p:txBody>
+          <a:bodyPr vertOverflow="overflow" horzOverflow="overflow" vert="horz" wrap="square" lIns="91440" tIns="45720" rIns="91440" bIns="45720" numCol="1" spcCol="0" rtlCol="0" fromWordArt="0" anchor="ctr" anchorCtr="0" forceAA="0" compatLnSpc="0">
+            <a:normAutofit/>
+          </a:bodyPr>
+          <a:lstStyle/>
+          <a:p>
+            <a:pPr marL="0" marR="0" indent="0" algn="l">
+              <a:lnSpc>
+                <a:spcPct val="90000"/>
+              </a:lnSpc>
+              <a:spcBef>
+                <a:spcPts val="0"/>
+              </a:spcBef>
+              <a:spcAft>
+                <a:spcPts val="0"/>
+              </a:spcAft>
+              <a:buNone/>
+              <a:defRPr/>
+            </a:pPr>
+            <a:r>
+              <a:rPr lang="de-DE" sz="2800" b="1" dirty="0">
+                <a:solidFill>
+                  <a:srgbClr val="EF2B5B"/>
+                </a:solidFill>
+              </a:rPr>
+              <a:t>Gini </a:t>
+            </a:r>
+            <a:r>
+              <a:rPr lang="de-DE" sz="2800" b="1" dirty="0" err="1">
+                <a:solidFill>
+                  <a:srgbClr val="EF2B5B"/>
+                </a:solidFill>
+              </a:rPr>
+              <a:t>Coefficient</a:t>
+            </a:r>
+            <a:r>
+              <a:rPr lang="de-DE" sz="2800" b="1" dirty="0">
+                <a:solidFill>
+                  <a:srgbClr val="EF2B5B"/>
+                </a:solidFill>
+              </a:rPr>
+              <a:t> per Country</a:t>
+            </a:r>
+            <a:endParaRPr b="1" dirty="0"/>
+          </a:p>
+        </p:txBody>
+      </p:sp>
       <p:pic>
         <p:nvPicPr>
-          <p:cNvPr id="9" name="Grafik 8">
+          <p:cNvPr id="7" name="Grafik 6">
             <a:extLst>
               <a:ext uri="{FF2B5EF4-FFF2-40B4-BE49-F238E27FC236}">
-                <a16:creationId xmlns:a16="http://schemas.microsoft.com/office/drawing/2014/main" id="{3801CC81-3D29-3A2E-BAA7-875BC96347E5}"/>
+                <a16:creationId xmlns:a16="http://schemas.microsoft.com/office/drawing/2014/main" id="{2F73A882-C5F3-2B5B-9E8F-075E50A478E7}"/>
               </a:ext>
             </a:extLst>
           </p:cNvPr>
@@ -10572,128 +13426,352 @@
           <p:nvPr/>
         </p:nvPicPr>
         <p:blipFill>
-          <a:blip r:embed="rId5">
-            <a:extLst>
-              <a:ext uri="{28A0092B-C50C-407E-A947-70E740481C1C}">
-                <a14:useLocalDpi xmlns:a14="http://schemas.microsoft.com/office/drawing/2010/main" val="0"/>
-              </a:ext>
-            </a:extLst>
-          </a:blip>
-          <a:srcRect/>
+          <a:blip r:embed="rId5"/>
           <a:stretch/>
         </p:blipFill>
-        <p:spPr>
+        <p:spPr bwMode="auto">
           <a:xfrm>
-            <a:off x="7043803" y="737208"/>
-            <a:ext cx="4606524" cy="2638213"/>
+            <a:off x="10510332" y="232831"/>
+            <a:ext cx="1501747" cy="750873"/>
           </a:xfrm>
           <a:prstGeom prst="rect">
             <a:avLst/>
           </a:prstGeom>
         </p:spPr>
       </p:pic>
-      <p:pic>
-        <p:nvPicPr>
-          <p:cNvPr id="1224306507" name="Grafik 1224306506">
+      <p:sp>
+        <p:nvSpPr>
+          <p:cNvPr id="10" name="Content Placeholder 2">
             <a:extLst>
               <a:ext uri="{FF2B5EF4-FFF2-40B4-BE49-F238E27FC236}">
-                <a16:creationId xmlns:a16="http://schemas.microsoft.com/office/drawing/2014/main" id="{D83FC899-54A1-2322-42D0-AAD095B14711}"/>
+                <a16:creationId xmlns:a16="http://schemas.microsoft.com/office/drawing/2014/main" id="{9536753E-E4BF-9CF8-DE9B-0B3CC79DC6AA}"/>
               </a:ext>
             </a:extLst>
           </p:cNvPr>
-          <p:cNvPicPr>
-            <a:picLocks noChangeAspect="1"/>
-          </p:cNvPicPr>
-          <p:nvPr/>
-        </p:nvPicPr>
-        <p:blipFill>
-          <a:blip r:embed="rId6"/>
-          <a:stretch/>
-        </p:blipFill>
+          <p:cNvSpPr>
+            <a:spLocks noGrp="1"/>
+          </p:cNvSpPr>
+          <p:nvPr>
+            <p:ph idx="1"/>
+          </p:nvPr>
+        </p:nvSpPr>
         <p:spPr bwMode="auto">
           <a:xfrm>
-            <a:off x="11198942" y="232832"/>
-            <a:ext cx="813137" cy="406568"/>
+            <a:off x="838200" y="1604907"/>
+            <a:ext cx="5006419" cy="4701625"/>
           </a:xfrm>
-          <a:prstGeom prst="rect">
-            <a:avLst/>
-          </a:prstGeom>
         </p:spPr>
-      </p:pic>
-      <p:pic>
-        <p:nvPicPr>
-          <p:cNvPr id="6" name="Grafik 5">
-            <a:extLst>
-              <a:ext uri="{FF2B5EF4-FFF2-40B4-BE49-F238E27FC236}">
-                <a16:creationId xmlns:a16="http://schemas.microsoft.com/office/drawing/2014/main" id="{1AB0A48E-7D3C-9846-B6BA-B3350F859F13}"/>
-              </a:ext>
-            </a:extLst>
-          </p:cNvPr>
-          <p:cNvPicPr>
-            <a:picLocks noChangeAspect="1"/>
-          </p:cNvPicPr>
-          <p:nvPr/>
-        </p:nvPicPr>
-        <p:blipFill>
-          <a:blip r:embed="rId7">
-            <a:extLst>
-              <a:ext uri="{28A0092B-C50C-407E-A947-70E740481C1C}">
-                <a14:useLocalDpi xmlns:a14="http://schemas.microsoft.com/office/drawing/2010/main" val="0"/>
-              </a:ext>
-            </a:extLst>
-          </a:blip>
-          <a:srcRect/>
-          <a:stretch/>
-        </p:blipFill>
-        <p:spPr>
-          <a:xfrm>
-            <a:off x="1294904" y="1245650"/>
-            <a:ext cx="4233044" cy="2074360"/>
-          </a:xfrm>
-          <a:prstGeom prst="rect">
-            <a:avLst/>
-          </a:prstGeom>
-        </p:spPr>
-      </p:pic>
-      <p:pic>
-        <p:nvPicPr>
-          <p:cNvPr id="8" name="Grafik 7">
-            <a:extLst>
-              <a:ext uri="{FF2B5EF4-FFF2-40B4-BE49-F238E27FC236}">
-                <a16:creationId xmlns:a16="http://schemas.microsoft.com/office/drawing/2014/main" id="{79DC449B-9F8F-4EEC-0B75-3451130F1320}"/>
-              </a:ext>
-            </a:extLst>
-          </p:cNvPr>
-          <p:cNvPicPr>
-            <a:picLocks noChangeAspect="1"/>
-          </p:cNvPicPr>
-          <p:nvPr/>
-        </p:nvPicPr>
-        <p:blipFill>
-          <a:blip r:embed="rId8">
-            <a:extLst>
-              <a:ext uri="{28A0092B-C50C-407E-A947-70E740481C1C}">
-                <a14:useLocalDpi xmlns:a14="http://schemas.microsoft.com/office/drawing/2010/main" val="0"/>
-              </a:ext>
-            </a:extLst>
-          </a:blip>
-          <a:srcRect/>
-          <a:stretch/>
-        </p:blipFill>
-        <p:spPr>
-          <a:xfrm>
-            <a:off x="1294904" y="3513062"/>
-            <a:ext cx="4233044" cy="3122486"/>
-          </a:xfrm>
-          <a:prstGeom prst="rect">
-            <a:avLst/>
-          </a:prstGeom>
-        </p:spPr>
-      </p:pic>
+        <p:txBody>
+          <a:bodyPr vertOverflow="overflow" horzOverflow="overflow" vert="horz" wrap="square" lIns="91440" tIns="45720" rIns="91440" bIns="45720" numCol="1" spcCol="0" rtlCol="0" fromWordArt="0" anchor="t" anchorCtr="0" forceAA="0" compatLnSpc="0">
+            <a:normAutofit fontScale="95000"/>
+          </a:bodyPr>
+          <a:lstStyle/>
+          <a:p>
+            <a:pPr marL="0" marR="0" lvl="0" indent="0" algn="l" defTabSz="914400" eaLnBrk="1" fontAlgn="auto" latinLnBrk="0" hangingPunct="1">
+              <a:lnSpc>
+                <a:spcPct val="110000"/>
+              </a:lnSpc>
+              <a:spcBef>
+                <a:spcPts val="1000"/>
+              </a:spcBef>
+              <a:spcAft>
+                <a:spcPts val="0"/>
+              </a:spcAft>
+              <a:buClrTx/>
+              <a:buSzTx/>
+              <a:buFont typeface="Arial"/>
+              <a:buNone/>
+              <a:tabLst/>
+              <a:defRPr/>
+            </a:pPr>
+            <a:r>
+              <a:rPr kumimoji="0" lang="en-US" sz="1700" b="1" i="0" u="none" strike="noStrike" kern="0" cap="none" spc="0" normalizeH="0" baseline="0" noProof="0" dirty="0">
+                <a:ln>
+                  <a:noFill/>
+                </a:ln>
+                <a:solidFill>
+                  <a:prstClr val="black"/>
+                </a:solidFill>
+                <a:effectLst/>
+                <a:uLnTx/>
+                <a:uFillTx/>
+                <a:latin typeface="Arial"/>
+                <a:ea typeface="Arial"/>
+                <a:cs typeface="Arial"/>
+              </a:rPr>
+              <a:t>Data</a:t>
+            </a:r>
+            <a:endParaRPr kumimoji="0" lang="en-US" sz="1700" b="0" i="0" u="none" strike="noStrike" kern="0" cap="none" spc="0" normalizeH="0" baseline="0" noProof="0" dirty="0">
+              <a:ln>
+                <a:noFill/>
+              </a:ln>
+              <a:solidFill>
+                <a:prstClr val="black"/>
+              </a:solidFill>
+              <a:effectLst/>
+              <a:uLnTx/>
+              <a:uFillTx/>
+              <a:latin typeface="Times New Roman"/>
+              <a:cs typeface="Times New Roman"/>
+            </a:endParaRPr>
+          </a:p>
+          <a:p>
+            <a:pPr marL="228600" marR="0" lvl="0" indent="-228600" algn="l" defTabSz="914400" eaLnBrk="1" fontAlgn="auto" latinLnBrk="0" hangingPunct="1">
+              <a:lnSpc>
+                <a:spcPct val="110000"/>
+              </a:lnSpc>
+              <a:spcBef>
+                <a:spcPts val="1000"/>
+              </a:spcBef>
+              <a:spcAft>
+                <a:spcPts val="0"/>
+              </a:spcAft>
+              <a:buClrTx/>
+              <a:buSzTx/>
+              <a:buFont typeface="Arial"/>
+              <a:buChar char="•"/>
+              <a:tabLst/>
+              <a:defRPr/>
+            </a:pPr>
+            <a:r>
+              <a:rPr lang="en-US" sz="1200" b="0" i="0" u="none" dirty="0">
+                <a:solidFill>
+                  <a:prstClr val="black"/>
+                </a:solidFill>
+                <a:latin typeface="Arial"/>
+                <a:ea typeface="Times New Roman"/>
+                <a:cs typeface="Arial"/>
+              </a:rPr>
+              <a:t>Gini coefficients for income inequality across 11 countries.</a:t>
+            </a:r>
+          </a:p>
+          <a:p>
+            <a:pPr marL="228600" marR="0" lvl="0" indent="-228600" algn="l" defTabSz="914400" eaLnBrk="1" fontAlgn="auto" latinLnBrk="0" hangingPunct="1">
+              <a:lnSpc>
+                <a:spcPct val="110000"/>
+              </a:lnSpc>
+              <a:spcBef>
+                <a:spcPts val="1000"/>
+              </a:spcBef>
+              <a:spcAft>
+                <a:spcPts val="0"/>
+              </a:spcAft>
+              <a:buClrTx/>
+              <a:buSzTx/>
+              <a:buFont typeface="Arial"/>
+              <a:buChar char="•"/>
+              <a:tabLst/>
+              <a:defRPr/>
+            </a:pPr>
+            <a:endParaRPr lang="en-US" sz="1200" b="0" i="0" u="none" dirty="0">
+              <a:solidFill>
+                <a:prstClr val="black"/>
+              </a:solidFill>
+              <a:latin typeface="Arial"/>
+              <a:ea typeface="Times New Roman"/>
+              <a:cs typeface="Arial"/>
+            </a:endParaRPr>
+          </a:p>
+          <a:p>
+            <a:pPr marL="0" marR="0" lvl="0" indent="0" algn="l" defTabSz="914400" eaLnBrk="1" fontAlgn="auto" latinLnBrk="0" hangingPunct="1">
+              <a:lnSpc>
+                <a:spcPct val="110000"/>
+              </a:lnSpc>
+              <a:spcBef>
+                <a:spcPts val="1000"/>
+              </a:spcBef>
+              <a:spcAft>
+                <a:spcPts val="0"/>
+              </a:spcAft>
+              <a:buClrTx/>
+              <a:buSzTx/>
+              <a:buFont typeface="Arial"/>
+              <a:buNone/>
+              <a:tabLst/>
+              <a:defRPr/>
+            </a:pPr>
+            <a:r>
+              <a:rPr kumimoji="0" lang="en-US" sz="1700" b="1" i="0" u="none" strike="noStrike" kern="0" cap="none" spc="0" normalizeH="0" baseline="0" noProof="0" dirty="0">
+                <a:ln>
+                  <a:noFill/>
+                </a:ln>
+                <a:solidFill>
+                  <a:prstClr val="black"/>
+                </a:solidFill>
+                <a:effectLst/>
+                <a:uLnTx/>
+                <a:uFillTx/>
+                <a:latin typeface="Arial"/>
+                <a:ea typeface="Arial"/>
+                <a:cs typeface="Arial"/>
+              </a:rPr>
+              <a:t>Insights</a:t>
+            </a:r>
+            <a:endParaRPr kumimoji="0" lang="en-US" sz="1700" b="0" i="0" u="none" strike="noStrike" kern="0" cap="none" spc="0" normalizeH="0" baseline="0" noProof="0" dirty="0">
+              <a:ln>
+                <a:noFill/>
+              </a:ln>
+              <a:solidFill>
+                <a:prstClr val="black"/>
+              </a:solidFill>
+              <a:effectLst/>
+              <a:uLnTx/>
+              <a:uFillTx/>
+              <a:latin typeface="Times New Roman"/>
+              <a:cs typeface="Times New Roman"/>
+            </a:endParaRPr>
+          </a:p>
+          <a:p>
+            <a:pPr>
+              <a:lnSpc>
+                <a:spcPct val="110000"/>
+              </a:lnSpc>
+              <a:defRPr/>
+            </a:pPr>
+            <a:r>
+              <a:rPr kumimoji="0" lang="en-US" sz="1200" b="0" i="0" u="none" strike="noStrike" kern="0" cap="none" spc="0" normalizeH="0" baseline="0" noProof="0" dirty="0">
+                <a:ln>
+                  <a:noFill/>
+                </a:ln>
+                <a:solidFill>
+                  <a:prstClr val="black"/>
+                </a:solidFill>
+                <a:effectLst/>
+                <a:uLnTx/>
+                <a:uFillTx/>
+                <a:latin typeface="Arial"/>
+                <a:cs typeface="Arial"/>
+              </a:rPr>
+              <a:t>Switzerland, Korea, Norway and Sweden exhibit lower Gini coefficients, indicating better income equality.</a:t>
+            </a:r>
+          </a:p>
+          <a:p>
+            <a:pPr>
+              <a:lnSpc>
+                <a:spcPct val="110000"/>
+              </a:lnSpc>
+              <a:defRPr/>
+            </a:pPr>
+            <a:r>
+              <a:rPr kumimoji="0" lang="en-US" sz="1200" b="0" i="0" u="none" strike="noStrike" kern="0" cap="none" spc="0" normalizeH="0" baseline="0" noProof="0" dirty="0">
+                <a:ln>
+                  <a:noFill/>
+                </a:ln>
+                <a:solidFill>
+                  <a:prstClr val="black"/>
+                </a:solidFill>
+                <a:effectLst/>
+                <a:uLnTx/>
+                <a:uFillTx/>
+                <a:latin typeface="Arial"/>
+                <a:cs typeface="Arial"/>
+              </a:rPr>
+              <a:t>Conversely, countries like the United States and Germany have higher values indicating a higher income inequality.</a:t>
+            </a:r>
+          </a:p>
+          <a:p>
+            <a:pPr>
+              <a:lnSpc>
+                <a:spcPct val="110000"/>
+              </a:lnSpc>
+              <a:defRPr/>
+            </a:pPr>
+            <a:endParaRPr lang="en-US" sz="1200" dirty="0">
+              <a:solidFill>
+                <a:prstClr val="black"/>
+              </a:solidFill>
+              <a:latin typeface="Arial"/>
+              <a:cs typeface="Arial"/>
+            </a:endParaRPr>
+          </a:p>
+          <a:p>
+            <a:pPr marL="0" marR="0" lvl="0" indent="0" algn="l" defTabSz="914400" eaLnBrk="1" fontAlgn="auto" latinLnBrk="0" hangingPunct="1">
+              <a:lnSpc>
+                <a:spcPct val="110000"/>
+              </a:lnSpc>
+              <a:spcBef>
+                <a:spcPts val="1000"/>
+              </a:spcBef>
+              <a:spcAft>
+                <a:spcPts val="0"/>
+              </a:spcAft>
+              <a:buClrTx/>
+              <a:buSzTx/>
+              <a:buFont typeface="Arial"/>
+              <a:buNone/>
+              <a:tabLst/>
+              <a:defRPr/>
+            </a:pPr>
+            <a:r>
+              <a:rPr lang="en-US" sz="1700" b="1" dirty="0">
+                <a:solidFill>
+                  <a:prstClr val="black"/>
+                </a:solidFill>
+                <a:latin typeface="Arial"/>
+                <a:cs typeface="Arial"/>
+              </a:rPr>
+              <a:t>Relevance</a:t>
+            </a:r>
+            <a:endParaRPr kumimoji="0" lang="en-US" sz="1700" b="0" i="0" u="none" strike="noStrike" kern="0" cap="none" spc="0" normalizeH="0" baseline="0" noProof="0" dirty="0">
+              <a:ln>
+                <a:noFill/>
+              </a:ln>
+              <a:solidFill>
+                <a:prstClr val="black"/>
+              </a:solidFill>
+              <a:effectLst/>
+              <a:uLnTx/>
+              <a:uFillTx/>
+              <a:latin typeface="Times New Roman"/>
+              <a:cs typeface="Times New Roman"/>
+            </a:endParaRPr>
+          </a:p>
+          <a:p>
+            <a:pPr marL="228600" marR="0" lvl="0" indent="-228600" algn="l" defTabSz="914400" eaLnBrk="1" fontAlgn="auto" latinLnBrk="0" hangingPunct="1">
+              <a:lnSpc>
+                <a:spcPct val="110000"/>
+              </a:lnSpc>
+              <a:spcBef>
+                <a:spcPts val="1000"/>
+              </a:spcBef>
+              <a:spcAft>
+                <a:spcPts val="0"/>
+              </a:spcAft>
+              <a:buClrTx/>
+              <a:buSzTx/>
+              <a:buFont typeface="Arial"/>
+              <a:buChar char="•"/>
+              <a:tabLst/>
+              <a:defRPr/>
+            </a:pPr>
+            <a:r>
+              <a:rPr lang="en-US" sz="1200" dirty="0">
+                <a:solidFill>
+                  <a:prstClr val="black"/>
+                </a:solidFill>
+                <a:latin typeface="Arial"/>
+                <a:cs typeface="Arial"/>
+              </a:rPr>
+              <a:t>Demonstrates disparities in income distribution and potentially economic policy effectiveness.</a:t>
+            </a:r>
+            <a:br>
+              <a:rPr lang="en-US" sz="1200" b="0" i="0" u="none" dirty="0">
+                <a:solidFill>
+                  <a:srgbClr val="000000"/>
+                </a:solidFill>
+                <a:latin typeface="Times New Roman"/>
+                <a:ea typeface="Times New Roman"/>
+                <a:cs typeface="Times New Roman"/>
+              </a:rPr>
+            </a:br>
+            <a:endParaRPr lang="en-US" sz="1400" dirty="0"/>
+          </a:p>
+        </p:txBody>
+      </p:sp>
     </p:spTree>
     <p:extLst>
       <p:ext uri="{BB962C8B-B14F-4D97-AF65-F5344CB8AC3E}">
-        <p14:creationId xmlns:p14="http://schemas.microsoft.com/office/powerpoint/2010/main" val="3244722592"/>
+        <p14:creationId xmlns:p14="http://schemas.microsoft.com/office/powerpoint/2010/main" val="3614296369"/>
       </p:ext>
     </p:extLst>
   </p:cSld>
@@ -10703,20 +13781,23 @@
 </p:sld>
 </file>
 
-<file path=ppt/slides/slide7.xml><?xml version="1.0" encoding="utf-8"?>
+<file path=ppt/slides/slide8.xml><?xml version="1.0" encoding="utf-8"?>
 <p:sld xmlns:a="http://schemas.openxmlformats.org/drawingml/2006/main" xmlns:r="http://schemas.openxmlformats.org/officeDocument/2006/relationships" xmlns:p="http://schemas.openxmlformats.org/presentationml/2006/main" showMasterPhAnim="0">
   <p:cSld>
     <p:bg>
-      <p:bgRef idx="1001">
-        <a:schemeClr val="bg1"/>
-      </p:bgRef>
+      <p:bgPr>
+        <a:solidFill>
+          <a:schemeClr val="bg1"/>
+        </a:solidFill>
+        <a:effectLst/>
+      </p:bgPr>
     </p:bg>
     <p:spTree>
       <p:nvGrpSpPr>
         <p:cNvPr id="1" name="">
           <a:extLst>
             <a:ext uri="{FF2B5EF4-FFF2-40B4-BE49-F238E27FC236}">
-              <a16:creationId xmlns:a16="http://schemas.microsoft.com/office/drawing/2014/main" id="{25D6459B-0039-54CF-9190-8194091FBD42}"/>
+              <a16:creationId xmlns:a16="http://schemas.microsoft.com/office/drawing/2014/main" id="{59A7BF18-C7B0-9FCC-C0F4-AA32BE1D0A7B}"/>
             </a:ext>
           </a:extLst>
         </p:cNvPr>
@@ -10731,12 +13812,107 @@
           <a:chExt cx="0" cy="0"/>
         </a:xfrm>
       </p:grpSpPr>
+      <p:sp useBgFill="1">
+        <p:nvSpPr>
+          <p:cNvPr id="1224306512" name="Rectangle 1224306511">
+            <a:extLst>
+              <a:ext uri="{FF2B5EF4-FFF2-40B4-BE49-F238E27FC236}">
+                <a16:creationId xmlns:a16="http://schemas.microsoft.com/office/drawing/2014/main" id="{D9CB9DB1-C9F6-CD01-E879-996630314498}"/>
+              </a:ext>
+              <a:ext uri="{C183D7F6-B498-43B3-948B-1728B52AA6E4}">
+                <adec:decorative xmlns:adec="http://schemas.microsoft.com/office/drawing/2017/decorative" val="1"/>
+              </a:ext>
+            </a:extLst>
+          </p:cNvPr>
+          <p:cNvSpPr>
+            <a:spLocks noGrp="1" noRot="1" noChangeAspect="1" noMove="1" noResize="1" noEditPoints="1" noAdjustHandles="1" noChangeArrowheads="1" noChangeShapeType="1" noTextEdit="1"/>
+          </p:cNvSpPr>
+          <p:nvPr>
+            <p:extLst>
+              <p:ext uri="{386F3935-93C4-4BCD-93E2-E3B085C9AB24}">
+                <p16:designElem xmlns:p16="http://schemas.microsoft.com/office/powerpoint/2015/main" val="1"/>
+              </p:ext>
+            </p:extLst>
+          </p:nvPr>
+        </p:nvSpPr>
+        <p:spPr>
+          <a:xfrm>
+            <a:off x="-1" y="0"/>
+            <a:ext cx="12188952" cy="6858000"/>
+          </a:xfrm>
+          <a:prstGeom prst="rect">
+            <a:avLst/>
+          </a:prstGeom>
+          <a:ln>
+            <a:noFill/>
+          </a:ln>
+        </p:spPr>
+        <p:style>
+          <a:lnRef idx="2">
+            <a:schemeClr val="accent1">
+              <a:shade val="50000"/>
+            </a:schemeClr>
+          </a:lnRef>
+          <a:fillRef idx="1">
+            <a:schemeClr val="accent1"/>
+          </a:fillRef>
+          <a:effectRef idx="0">
+            <a:schemeClr val="accent1"/>
+          </a:effectRef>
+          <a:fontRef idx="minor">
+            <a:schemeClr val="lt1"/>
+          </a:fontRef>
+        </p:style>
+        <p:txBody>
+          <a:bodyPr rtlCol="0" anchor="ctr"/>
+          <a:lstStyle/>
+          <a:p>
+            <a:pPr algn="ctr"/>
+            <a:endParaRPr lang="en-US"/>
+          </a:p>
+        </p:txBody>
+      </p:sp>
+      <p:pic>
+        <p:nvPicPr>
+          <p:cNvPr id="9" name="Grafik 8">
+            <a:extLst>
+              <a:ext uri="{FF2B5EF4-FFF2-40B4-BE49-F238E27FC236}">
+                <a16:creationId xmlns:a16="http://schemas.microsoft.com/office/drawing/2014/main" id="{1E0456C3-FA0E-33C0-339E-D55049C5774C}"/>
+              </a:ext>
+            </a:extLst>
+          </p:cNvPr>
+          <p:cNvPicPr>
+            <a:picLocks noChangeAspect="1"/>
+          </p:cNvPicPr>
+          <p:nvPr/>
+        </p:nvPicPr>
+        <p:blipFill>
+          <a:blip r:embed="rId4">
+            <a:extLst>
+              <a:ext uri="{28A0092B-C50C-407E-A947-70E740481C1C}">
+                <a14:useLocalDpi xmlns:a14="http://schemas.microsoft.com/office/drawing/2010/main" val="0"/>
+              </a:ext>
+            </a:extLst>
+          </a:blip>
+          <a:srcRect/>
+          <a:stretch/>
+        </p:blipFill>
+        <p:spPr>
+          <a:xfrm>
+            <a:off x="6388855" y="2079042"/>
+            <a:ext cx="4989696" cy="3315302"/>
+          </a:xfrm>
+          <a:prstGeom prst="rect">
+            <a:avLst/>
+          </a:prstGeom>
+        </p:spPr>
+      </p:pic>
       <p:sp>
         <p:nvSpPr>
           <p:cNvPr id="4" name="Title 1">
             <a:extLst>
               <a:ext uri="{FF2B5EF4-FFF2-40B4-BE49-F238E27FC236}">
-                <a16:creationId xmlns:a16="http://schemas.microsoft.com/office/drawing/2014/main" id="{44BD0E30-521B-BFA3-234D-6F4C3B2CD9A9}"/>
+                <a16:creationId xmlns:a16="http://schemas.microsoft.com/office/drawing/2014/main" id="{87C3B0AB-EE46-7A6C-A589-E50E6E1DF4D2}"/>
               </a:ext>
             </a:extLst>
           </p:cNvPr>
@@ -10747,7 +13923,12 @@
             <p:ph type="title"/>
           </p:nvPr>
         </p:nvSpPr>
-        <p:spPr bwMode="auto"/>
+        <p:spPr bwMode="auto">
+          <a:xfrm>
+            <a:off x="838200" y="365125"/>
+            <a:ext cx="10515600" cy="1325563"/>
+          </a:xfrm>
+        </p:spPr>
         <p:txBody>
           <a:bodyPr vertOverflow="overflow" horzOverflow="overflow" vert="horz" wrap="square" lIns="91440" tIns="45720" rIns="91440" bIns="45720" numCol="1" spcCol="0" rtlCol="0" fromWordArt="0" anchor="ctr" anchorCtr="0" forceAA="0" compatLnSpc="0">
             <a:normAutofit/>
@@ -10768,54 +13949,23 @@
               <a:defRPr/>
             </a:pPr>
             <a:r>
-              <a:rPr lang="de-DE" sz="2800" b="1">
+              <a:rPr lang="de-DE" sz="2800" b="1" dirty="0">
                 <a:solidFill>
                   <a:srgbClr val="EF2B5B"/>
                 </a:solidFill>
               </a:rPr>
-              <a:t>Conclusion</a:t>
-            </a:r>
-            <a:endParaRPr lang="de-DE" b="1" dirty="0"/>
+              <a:t>GDP per Capita</a:t>
+            </a:r>
+            <a:endParaRPr b="1" dirty="0"/>
           </a:p>
         </p:txBody>
       </p:sp>
-      <p:graphicFrame>
-        <p:nvGraphicFramePr>
-          <p:cNvPr id="1224306521" name="Content Placeholder 2">
+      <p:pic>
+        <p:nvPicPr>
+          <p:cNvPr id="7" name="Grafik 6">
             <a:extLst>
               <a:ext uri="{FF2B5EF4-FFF2-40B4-BE49-F238E27FC236}">
-                <a16:creationId xmlns:a16="http://schemas.microsoft.com/office/drawing/2014/main" id="{43F4B2C2-DBE1-9BC8-BA03-7B38CD778C91}"/>
-              </a:ext>
-            </a:extLst>
-          </p:cNvPr>
-          <p:cNvGraphicFramePr>
-            <a:graphicFrameLocks noGrp="1"/>
-          </p:cNvGraphicFramePr>
-          <p:nvPr>
-            <p:ph idx="1"/>
-            <p:extLst>
-              <p:ext uri="{D42A27DB-BD31-4B8C-83A1-F6EECF244321}">
-                <p14:modId xmlns:p14="http://schemas.microsoft.com/office/powerpoint/2010/main" val="917170279"/>
-              </p:ext>
-            </p:extLst>
-          </p:nvPr>
-        </p:nvGraphicFramePr>
-        <p:xfrm>
-          <a:off x="838199" y="1604908"/>
-          <a:ext cx="10515600" cy="4531941"/>
-        </p:xfrm>
-        <a:graphic>
-          <a:graphicData uri="http://schemas.openxmlformats.org/drawingml/2006/diagram">
-            <dgm:relIds xmlns:dgm="http://schemas.openxmlformats.org/drawingml/2006/diagram" xmlns:r="http://schemas.openxmlformats.org/officeDocument/2006/relationships" r:dm="rId4" r:lo="rId5" r:qs="rId6" r:cs="rId7"/>
-          </a:graphicData>
-        </a:graphic>
-      </p:graphicFrame>
-      <p:pic>
-        <p:nvPicPr>
-          <p:cNvPr id="1224306507" name="Grafik 1224306506" descr="Ein Bild, das Symbol, Grafiken, Pixel, Design enthält.&#10;&#10;Automatisch generierte Beschreibung">
-            <a:extLst>
-              <a:ext uri="{FF2B5EF4-FFF2-40B4-BE49-F238E27FC236}">
-                <a16:creationId xmlns:a16="http://schemas.microsoft.com/office/drawing/2014/main" id="{B1FC2548-C4FE-1353-A05B-1813011BD316}"/>
+                <a16:creationId xmlns:a16="http://schemas.microsoft.com/office/drawing/2014/main" id="{FF500A3D-B777-49D2-FC15-A3BAD1178708}"/>
               </a:ext>
             </a:extLst>
           </p:cNvPr>
@@ -10825,7 +13975,7 @@
           <p:nvPr/>
         </p:nvPicPr>
         <p:blipFill>
-          <a:blip r:embed="rId9"/>
+          <a:blip r:embed="rId5"/>
           <a:stretch/>
         </p:blipFill>
         <p:spPr bwMode="auto">
@@ -10838,15 +13988,1013 @@
           </a:prstGeom>
         </p:spPr>
       </p:pic>
+      <p:sp>
+        <p:nvSpPr>
+          <p:cNvPr id="10" name="Content Placeholder 2">
+            <a:extLst>
+              <a:ext uri="{FF2B5EF4-FFF2-40B4-BE49-F238E27FC236}">
+                <a16:creationId xmlns:a16="http://schemas.microsoft.com/office/drawing/2014/main" id="{69D6EA3A-1A46-A81F-E7D4-FEC671D280D7}"/>
+              </a:ext>
+            </a:extLst>
+          </p:cNvPr>
+          <p:cNvSpPr>
+            <a:spLocks noGrp="1"/>
+          </p:cNvSpPr>
+          <p:nvPr>
+            <p:ph idx="1"/>
+          </p:nvPr>
+        </p:nvSpPr>
+        <p:spPr bwMode="auto">
+          <a:xfrm>
+            <a:off x="838200" y="1604907"/>
+            <a:ext cx="5006419" cy="4701625"/>
+          </a:xfrm>
+        </p:spPr>
+        <p:txBody>
+          <a:bodyPr vertOverflow="overflow" horzOverflow="overflow" vert="horz" wrap="square" lIns="91440" tIns="45720" rIns="91440" bIns="45720" numCol="1" spcCol="0" rtlCol="0" fromWordArt="0" anchor="t" anchorCtr="0" forceAA="0" compatLnSpc="0">
+            <a:normAutofit fontScale="95000"/>
+          </a:bodyPr>
+          <a:lstStyle/>
+          <a:p>
+            <a:pPr marL="0" marR="0" lvl="0" indent="0" algn="l" defTabSz="914400" eaLnBrk="1" fontAlgn="auto" latinLnBrk="0" hangingPunct="1">
+              <a:lnSpc>
+                <a:spcPct val="110000"/>
+              </a:lnSpc>
+              <a:spcBef>
+                <a:spcPts val="1000"/>
+              </a:spcBef>
+              <a:spcAft>
+                <a:spcPts val="0"/>
+              </a:spcAft>
+              <a:buClrTx/>
+              <a:buSzTx/>
+              <a:buFont typeface="Arial"/>
+              <a:buNone/>
+              <a:tabLst/>
+              <a:defRPr/>
+            </a:pPr>
+            <a:r>
+              <a:rPr kumimoji="0" lang="en-US" sz="1700" b="1" i="0" u="none" strike="noStrike" kern="0" cap="none" spc="0" normalizeH="0" baseline="0" noProof="0" dirty="0">
+                <a:ln>
+                  <a:noFill/>
+                </a:ln>
+                <a:solidFill>
+                  <a:prstClr val="black"/>
+                </a:solidFill>
+                <a:effectLst/>
+                <a:uLnTx/>
+                <a:uFillTx/>
+                <a:latin typeface="Arial"/>
+                <a:ea typeface="Arial"/>
+                <a:cs typeface="Arial"/>
+              </a:rPr>
+              <a:t>Data</a:t>
+            </a:r>
+            <a:endParaRPr kumimoji="0" lang="en-US" sz="1700" b="0" i="0" u="none" strike="noStrike" kern="0" cap="none" spc="0" normalizeH="0" baseline="0" noProof="0" dirty="0">
+              <a:ln>
+                <a:noFill/>
+              </a:ln>
+              <a:solidFill>
+                <a:prstClr val="black"/>
+              </a:solidFill>
+              <a:effectLst/>
+              <a:uLnTx/>
+              <a:uFillTx/>
+              <a:latin typeface="Times New Roman"/>
+              <a:cs typeface="Times New Roman"/>
+            </a:endParaRPr>
+          </a:p>
+          <a:p>
+            <a:pPr marL="228600" marR="0" lvl="0" indent="-228600" algn="l" defTabSz="914400" eaLnBrk="1" fontAlgn="auto" latinLnBrk="0" hangingPunct="1">
+              <a:lnSpc>
+                <a:spcPct val="110000"/>
+              </a:lnSpc>
+              <a:spcBef>
+                <a:spcPts val="1000"/>
+              </a:spcBef>
+              <a:spcAft>
+                <a:spcPts val="0"/>
+              </a:spcAft>
+              <a:buClrTx/>
+              <a:buSzTx/>
+              <a:buFont typeface="Arial"/>
+              <a:buChar char="•"/>
+              <a:tabLst/>
+              <a:defRPr/>
+            </a:pPr>
+            <a:r>
+              <a:rPr lang="en-US" sz="1200" b="0" i="0" u="none" dirty="0">
+                <a:solidFill>
+                  <a:prstClr val="black"/>
+                </a:solidFill>
+                <a:latin typeface="Arial"/>
+                <a:ea typeface="Times New Roman"/>
+                <a:cs typeface="Arial"/>
+              </a:rPr>
+              <a:t>Annual GDP per capita across a wide range of countries.</a:t>
+            </a:r>
+          </a:p>
+          <a:p>
+            <a:pPr marL="228600" marR="0" lvl="0" indent="-228600" algn="l" defTabSz="914400" eaLnBrk="1" fontAlgn="auto" latinLnBrk="0" hangingPunct="1">
+              <a:lnSpc>
+                <a:spcPct val="110000"/>
+              </a:lnSpc>
+              <a:spcBef>
+                <a:spcPts val="1000"/>
+              </a:spcBef>
+              <a:spcAft>
+                <a:spcPts val="0"/>
+              </a:spcAft>
+              <a:buClrTx/>
+              <a:buSzTx/>
+              <a:buFont typeface="Arial"/>
+              <a:buChar char="•"/>
+              <a:tabLst/>
+              <a:defRPr/>
+            </a:pPr>
+            <a:endParaRPr lang="en-US" sz="1200" b="0" i="0" u="none" dirty="0">
+              <a:solidFill>
+                <a:prstClr val="black"/>
+              </a:solidFill>
+              <a:latin typeface="Arial"/>
+              <a:ea typeface="Times New Roman"/>
+              <a:cs typeface="Arial"/>
+            </a:endParaRPr>
+          </a:p>
+          <a:p>
+            <a:pPr marL="0" marR="0" lvl="0" indent="0" algn="l" defTabSz="914400" eaLnBrk="1" fontAlgn="auto" latinLnBrk="0" hangingPunct="1">
+              <a:lnSpc>
+                <a:spcPct val="110000"/>
+              </a:lnSpc>
+              <a:spcBef>
+                <a:spcPts val="1000"/>
+              </a:spcBef>
+              <a:spcAft>
+                <a:spcPts val="0"/>
+              </a:spcAft>
+              <a:buClrTx/>
+              <a:buSzTx/>
+              <a:buFont typeface="Arial"/>
+              <a:buNone/>
+              <a:tabLst/>
+              <a:defRPr/>
+            </a:pPr>
+            <a:r>
+              <a:rPr kumimoji="0" lang="en-US" sz="1700" b="1" i="0" u="none" strike="noStrike" kern="0" cap="none" spc="0" normalizeH="0" baseline="0" noProof="0" dirty="0">
+                <a:ln>
+                  <a:noFill/>
+                </a:ln>
+                <a:solidFill>
+                  <a:prstClr val="black"/>
+                </a:solidFill>
+                <a:effectLst/>
+                <a:uLnTx/>
+                <a:uFillTx/>
+                <a:latin typeface="Arial"/>
+                <a:ea typeface="Arial"/>
+                <a:cs typeface="Arial"/>
+              </a:rPr>
+              <a:t>Insights</a:t>
+            </a:r>
+            <a:endParaRPr kumimoji="0" lang="en-US" sz="1700" b="0" i="0" u="none" strike="noStrike" kern="0" cap="none" spc="0" normalizeH="0" baseline="0" noProof="0" dirty="0">
+              <a:ln>
+                <a:noFill/>
+              </a:ln>
+              <a:solidFill>
+                <a:prstClr val="black"/>
+              </a:solidFill>
+              <a:effectLst/>
+              <a:uLnTx/>
+              <a:uFillTx/>
+              <a:latin typeface="Times New Roman"/>
+              <a:cs typeface="Times New Roman"/>
+            </a:endParaRPr>
+          </a:p>
+          <a:p>
+            <a:pPr>
+              <a:lnSpc>
+                <a:spcPct val="110000"/>
+              </a:lnSpc>
+              <a:defRPr/>
+            </a:pPr>
+            <a:r>
+              <a:rPr kumimoji="0" lang="en-US" sz="1200" b="0" i="0" u="none" strike="noStrike" kern="0" cap="none" spc="0" normalizeH="0" baseline="0" noProof="0" dirty="0">
+                <a:ln>
+                  <a:noFill/>
+                </a:ln>
+                <a:solidFill>
+                  <a:prstClr val="black"/>
+                </a:solidFill>
+                <a:effectLst/>
+                <a:uLnTx/>
+                <a:uFillTx/>
+                <a:latin typeface="Arial"/>
+                <a:cs typeface="Arial"/>
+              </a:rPr>
+              <a:t>Countries such as Luxembourg and Switzerland stand out with the highest GDP per capita, reflecting strong economies.</a:t>
+            </a:r>
+          </a:p>
+          <a:p>
+            <a:pPr>
+              <a:lnSpc>
+                <a:spcPct val="110000"/>
+              </a:lnSpc>
+              <a:defRPr/>
+            </a:pPr>
+            <a:r>
+              <a:rPr kumimoji="0" lang="en-US" sz="1200" b="0" i="0" u="none" strike="noStrike" kern="0" cap="none" spc="0" normalizeH="0" baseline="0" noProof="0" dirty="0">
+                <a:ln>
+                  <a:noFill/>
+                </a:ln>
+                <a:solidFill>
+                  <a:prstClr val="black"/>
+                </a:solidFill>
+                <a:effectLst/>
+                <a:uLnTx/>
+                <a:uFillTx/>
+                <a:latin typeface="Arial"/>
+                <a:cs typeface="Arial"/>
+              </a:rPr>
+              <a:t>Developing countries like Colombia and China show significantly lower values.</a:t>
+            </a:r>
+          </a:p>
+          <a:p>
+            <a:pPr>
+              <a:lnSpc>
+                <a:spcPct val="110000"/>
+              </a:lnSpc>
+              <a:defRPr/>
+            </a:pPr>
+            <a:endParaRPr lang="en-US" sz="1200" dirty="0">
+              <a:solidFill>
+                <a:prstClr val="black"/>
+              </a:solidFill>
+              <a:latin typeface="Arial"/>
+              <a:cs typeface="Arial"/>
+            </a:endParaRPr>
+          </a:p>
+          <a:p>
+            <a:pPr marL="0" marR="0" lvl="0" indent="0" algn="l" defTabSz="914400" eaLnBrk="1" fontAlgn="auto" latinLnBrk="0" hangingPunct="1">
+              <a:lnSpc>
+                <a:spcPct val="110000"/>
+              </a:lnSpc>
+              <a:spcBef>
+                <a:spcPts val="1000"/>
+              </a:spcBef>
+              <a:spcAft>
+                <a:spcPts val="0"/>
+              </a:spcAft>
+              <a:buClrTx/>
+              <a:buSzTx/>
+              <a:buFont typeface="Arial"/>
+              <a:buNone/>
+              <a:tabLst/>
+              <a:defRPr/>
+            </a:pPr>
+            <a:r>
+              <a:rPr lang="en-US" sz="1700" b="1" dirty="0">
+                <a:solidFill>
+                  <a:prstClr val="black"/>
+                </a:solidFill>
+                <a:latin typeface="Arial"/>
+                <a:cs typeface="Arial"/>
+              </a:rPr>
+              <a:t>Relevance</a:t>
+            </a:r>
+            <a:endParaRPr kumimoji="0" lang="en-US" sz="1700" b="0" i="0" u="none" strike="noStrike" kern="0" cap="none" spc="0" normalizeH="0" baseline="0" noProof="0" dirty="0">
+              <a:ln>
+                <a:noFill/>
+              </a:ln>
+              <a:solidFill>
+                <a:prstClr val="black"/>
+              </a:solidFill>
+              <a:effectLst/>
+              <a:uLnTx/>
+              <a:uFillTx/>
+              <a:latin typeface="Times New Roman"/>
+              <a:cs typeface="Times New Roman"/>
+            </a:endParaRPr>
+          </a:p>
+          <a:p>
+            <a:pPr marL="228600" marR="0" lvl="0" indent="-228600" algn="l" defTabSz="914400" eaLnBrk="1" fontAlgn="auto" latinLnBrk="0" hangingPunct="1">
+              <a:lnSpc>
+                <a:spcPct val="110000"/>
+              </a:lnSpc>
+              <a:spcBef>
+                <a:spcPts val="1000"/>
+              </a:spcBef>
+              <a:spcAft>
+                <a:spcPts val="0"/>
+              </a:spcAft>
+              <a:buClrTx/>
+              <a:buSzTx/>
+              <a:buFont typeface="Arial"/>
+              <a:buChar char="•"/>
+              <a:tabLst/>
+              <a:defRPr/>
+            </a:pPr>
+            <a:r>
+              <a:rPr lang="en-US" sz="1200" dirty="0">
+                <a:solidFill>
+                  <a:prstClr val="black"/>
+                </a:solidFill>
+                <a:latin typeface="Arial"/>
+                <a:cs typeface="Arial"/>
+              </a:rPr>
+              <a:t>Highlights the economic divide and varying levels of development.</a:t>
+            </a:r>
+            <a:br>
+              <a:rPr lang="en-US" sz="1200" b="0" i="0" u="none" dirty="0">
+                <a:solidFill>
+                  <a:srgbClr val="000000"/>
+                </a:solidFill>
+                <a:latin typeface="Times New Roman"/>
+                <a:ea typeface="Times New Roman"/>
+                <a:cs typeface="Times New Roman"/>
+              </a:rPr>
+            </a:br>
+            <a:endParaRPr lang="en-US" sz="1400" dirty="0"/>
+          </a:p>
+        </p:txBody>
+      </p:sp>
     </p:spTree>
     <p:extLst>
       <p:ext uri="{BB962C8B-B14F-4D97-AF65-F5344CB8AC3E}">
-        <p14:creationId xmlns:p14="http://schemas.microsoft.com/office/powerpoint/2010/main" val="779330942"/>
+        <p14:creationId xmlns:p14="http://schemas.microsoft.com/office/powerpoint/2010/main" val="2349546168"/>
       </p:ext>
     </p:extLst>
   </p:cSld>
   <p:clrMapOvr>
-    <a:overrideClrMapping bg1="lt1" tx1="dk1" bg2="lt2" tx2="dk2" accent1="accent1" accent2="accent2" accent3="accent3" accent4="accent4" accent5="accent5" accent6="accent6" hlink="hlink" folHlink="folHlink"/>
+    <a:masterClrMapping/>
+  </p:clrMapOvr>
+</p:sld>
+</file>
+
+<file path=ppt/slides/slide9.xml><?xml version="1.0" encoding="utf-8"?>
+<p:sld xmlns:a="http://schemas.openxmlformats.org/drawingml/2006/main" xmlns:r="http://schemas.openxmlformats.org/officeDocument/2006/relationships" xmlns:p="http://schemas.openxmlformats.org/presentationml/2006/main" showMasterPhAnim="0">
+  <p:cSld>
+    <p:bg>
+      <p:bgPr>
+        <a:solidFill>
+          <a:schemeClr val="bg1"/>
+        </a:solidFill>
+        <a:effectLst/>
+      </p:bgPr>
+    </p:bg>
+    <p:spTree>
+      <p:nvGrpSpPr>
+        <p:cNvPr id="1" name="">
+          <a:extLst>
+            <a:ext uri="{FF2B5EF4-FFF2-40B4-BE49-F238E27FC236}">
+              <a16:creationId xmlns:a16="http://schemas.microsoft.com/office/drawing/2014/main" id="{C88F5F65-BFB9-35FF-C8A3-4F399D529B5C}"/>
+            </a:ext>
+          </a:extLst>
+        </p:cNvPr>
+        <p:cNvGrpSpPr/>
+        <p:nvPr/>
+      </p:nvGrpSpPr>
+      <p:grpSpPr bwMode="auto">
+        <a:xfrm>
+          <a:off x="0" y="0"/>
+          <a:ext cx="0" cy="0"/>
+          <a:chOff x="0" y="0"/>
+          <a:chExt cx="0" cy="0"/>
+        </a:xfrm>
+      </p:grpSpPr>
+      <p:sp useBgFill="1">
+        <p:nvSpPr>
+          <p:cNvPr id="1224306512" name="Rectangle 1224306511">
+            <a:extLst>
+              <a:ext uri="{FF2B5EF4-FFF2-40B4-BE49-F238E27FC236}">
+                <a16:creationId xmlns:a16="http://schemas.microsoft.com/office/drawing/2014/main" id="{6398C098-AFA2-496D-0658-3517A5CBF9B6}"/>
+              </a:ext>
+              <a:ext uri="{C183D7F6-B498-43B3-948B-1728B52AA6E4}">
+                <adec:decorative xmlns:adec="http://schemas.microsoft.com/office/drawing/2017/decorative" val="1"/>
+              </a:ext>
+            </a:extLst>
+          </p:cNvPr>
+          <p:cNvSpPr>
+            <a:spLocks noGrp="1" noRot="1" noChangeAspect="1" noMove="1" noResize="1" noEditPoints="1" noAdjustHandles="1" noChangeArrowheads="1" noChangeShapeType="1" noTextEdit="1"/>
+          </p:cNvSpPr>
+          <p:nvPr>
+            <p:extLst>
+              <p:ext uri="{386F3935-93C4-4BCD-93E2-E3B085C9AB24}">
+                <p16:designElem xmlns:p16="http://schemas.microsoft.com/office/powerpoint/2015/main" val="1"/>
+              </p:ext>
+            </p:extLst>
+          </p:nvPr>
+        </p:nvSpPr>
+        <p:spPr>
+          <a:xfrm>
+            <a:off x="-1" y="0"/>
+            <a:ext cx="12188952" cy="6858000"/>
+          </a:xfrm>
+          <a:prstGeom prst="rect">
+            <a:avLst/>
+          </a:prstGeom>
+          <a:ln>
+            <a:noFill/>
+          </a:ln>
+        </p:spPr>
+        <p:style>
+          <a:lnRef idx="2">
+            <a:schemeClr val="accent1">
+              <a:shade val="50000"/>
+            </a:schemeClr>
+          </a:lnRef>
+          <a:fillRef idx="1">
+            <a:schemeClr val="accent1"/>
+          </a:fillRef>
+          <a:effectRef idx="0">
+            <a:schemeClr val="accent1"/>
+          </a:effectRef>
+          <a:fontRef idx="minor">
+            <a:schemeClr val="lt1"/>
+          </a:fontRef>
+        </p:style>
+        <p:txBody>
+          <a:bodyPr rtlCol="0" anchor="ctr"/>
+          <a:lstStyle/>
+          <a:p>
+            <a:pPr algn="ctr"/>
+            <a:endParaRPr lang="en-US"/>
+          </a:p>
+        </p:txBody>
+      </p:sp>
+      <p:pic>
+        <p:nvPicPr>
+          <p:cNvPr id="9" name="Grafik 8">
+            <a:extLst>
+              <a:ext uri="{FF2B5EF4-FFF2-40B4-BE49-F238E27FC236}">
+                <a16:creationId xmlns:a16="http://schemas.microsoft.com/office/drawing/2014/main" id="{1A4C83FC-F7F9-64D3-722B-32046BAF4379}"/>
+              </a:ext>
+            </a:extLst>
+          </p:cNvPr>
+          <p:cNvPicPr>
+            <a:picLocks noChangeAspect="1"/>
+          </p:cNvPicPr>
+          <p:nvPr/>
+        </p:nvPicPr>
+        <p:blipFill>
+          <a:blip r:embed="rId4">
+            <a:extLst>
+              <a:ext uri="{28A0092B-C50C-407E-A947-70E740481C1C}">
+                <a14:useLocalDpi xmlns:a14="http://schemas.microsoft.com/office/drawing/2010/main" val="0"/>
+              </a:ext>
+            </a:extLst>
+          </a:blip>
+          <a:srcRect/>
+          <a:stretch/>
+        </p:blipFill>
+        <p:spPr>
+          <a:xfrm>
+            <a:off x="6388855" y="2307765"/>
+            <a:ext cx="4989696" cy="2857855"/>
+          </a:xfrm>
+          <a:prstGeom prst="rect">
+            <a:avLst/>
+          </a:prstGeom>
+        </p:spPr>
+      </p:pic>
+      <p:sp>
+        <p:nvSpPr>
+          <p:cNvPr id="4" name="Title 1">
+            <a:extLst>
+              <a:ext uri="{FF2B5EF4-FFF2-40B4-BE49-F238E27FC236}">
+                <a16:creationId xmlns:a16="http://schemas.microsoft.com/office/drawing/2014/main" id="{E4E19FC4-81FC-EA38-6E1D-6ABF412017B1}"/>
+              </a:ext>
+            </a:extLst>
+          </p:cNvPr>
+          <p:cNvSpPr>
+            <a:spLocks noGrp="1"/>
+          </p:cNvSpPr>
+          <p:nvPr>
+            <p:ph type="title"/>
+          </p:nvPr>
+        </p:nvSpPr>
+        <p:spPr bwMode="auto">
+          <a:xfrm>
+            <a:off x="838200" y="365125"/>
+            <a:ext cx="10515600" cy="1325563"/>
+          </a:xfrm>
+        </p:spPr>
+        <p:txBody>
+          <a:bodyPr vertOverflow="overflow" horzOverflow="overflow" vert="horz" wrap="square" lIns="91440" tIns="45720" rIns="91440" bIns="45720" numCol="1" spcCol="0" rtlCol="0" fromWordArt="0" anchor="ctr" anchorCtr="0" forceAA="0" compatLnSpc="0">
+            <a:normAutofit/>
+          </a:bodyPr>
+          <a:lstStyle/>
+          <a:p>
+            <a:pPr marL="0" marR="0" indent="0" algn="l">
+              <a:lnSpc>
+                <a:spcPct val="90000"/>
+              </a:lnSpc>
+              <a:spcBef>
+                <a:spcPts val="0"/>
+              </a:spcBef>
+              <a:spcAft>
+                <a:spcPts val="0"/>
+              </a:spcAft>
+              <a:buNone/>
+              <a:defRPr/>
+            </a:pPr>
+            <a:r>
+              <a:rPr lang="de-DE" sz="2800" b="1" dirty="0" err="1">
+                <a:solidFill>
+                  <a:srgbClr val="EF2B5B"/>
+                </a:solidFill>
+              </a:rPr>
+              <a:t>Alcohol</a:t>
+            </a:r>
+            <a:r>
+              <a:rPr lang="de-DE" sz="2800" b="1" dirty="0">
+                <a:solidFill>
+                  <a:srgbClr val="EF2B5B"/>
+                </a:solidFill>
+              </a:rPr>
+              <a:t> </a:t>
+            </a:r>
+            <a:r>
+              <a:rPr lang="de-DE" sz="2800" b="1" dirty="0" err="1">
+                <a:solidFill>
+                  <a:srgbClr val="EF2B5B"/>
+                </a:solidFill>
+              </a:rPr>
+              <a:t>Consumption</a:t>
+            </a:r>
+            <a:r>
+              <a:rPr lang="de-DE" sz="2800" b="1" dirty="0">
+                <a:solidFill>
+                  <a:srgbClr val="EF2B5B"/>
+                </a:solidFill>
+              </a:rPr>
+              <a:t> vs. Gini </a:t>
+            </a:r>
+            <a:r>
+              <a:rPr lang="de-DE" sz="2800" b="1" dirty="0" err="1">
+                <a:solidFill>
+                  <a:srgbClr val="EF2B5B"/>
+                </a:solidFill>
+              </a:rPr>
+              <a:t>Coefficient</a:t>
+            </a:r>
+            <a:endParaRPr b="1" dirty="0"/>
+          </a:p>
+        </p:txBody>
+      </p:sp>
+      <p:pic>
+        <p:nvPicPr>
+          <p:cNvPr id="7" name="Grafik 6">
+            <a:extLst>
+              <a:ext uri="{FF2B5EF4-FFF2-40B4-BE49-F238E27FC236}">
+                <a16:creationId xmlns:a16="http://schemas.microsoft.com/office/drawing/2014/main" id="{5E4BB108-6A80-FA65-DD97-3BCCAEE4247E}"/>
+              </a:ext>
+            </a:extLst>
+          </p:cNvPr>
+          <p:cNvPicPr>
+            <a:picLocks noChangeAspect="1"/>
+          </p:cNvPicPr>
+          <p:nvPr/>
+        </p:nvPicPr>
+        <p:blipFill>
+          <a:blip r:embed="rId5"/>
+          <a:stretch/>
+        </p:blipFill>
+        <p:spPr bwMode="auto">
+          <a:xfrm>
+            <a:off x="10510332" y="232831"/>
+            <a:ext cx="1501747" cy="750873"/>
+          </a:xfrm>
+          <a:prstGeom prst="rect">
+            <a:avLst/>
+          </a:prstGeom>
+        </p:spPr>
+      </p:pic>
+      <p:sp>
+        <p:nvSpPr>
+          <p:cNvPr id="10" name="Content Placeholder 2">
+            <a:extLst>
+              <a:ext uri="{FF2B5EF4-FFF2-40B4-BE49-F238E27FC236}">
+                <a16:creationId xmlns:a16="http://schemas.microsoft.com/office/drawing/2014/main" id="{8F78FB5C-C07D-B724-8E1C-0FFE20AFE681}"/>
+              </a:ext>
+            </a:extLst>
+          </p:cNvPr>
+          <p:cNvSpPr>
+            <a:spLocks noGrp="1"/>
+          </p:cNvSpPr>
+          <p:nvPr>
+            <p:ph idx="1"/>
+          </p:nvPr>
+        </p:nvSpPr>
+        <p:spPr bwMode="auto">
+          <a:xfrm>
+            <a:off x="838200" y="1604907"/>
+            <a:ext cx="5006419" cy="4701625"/>
+          </a:xfrm>
+        </p:spPr>
+        <p:txBody>
+          <a:bodyPr vertOverflow="overflow" horzOverflow="overflow" vert="horz" wrap="square" lIns="91440" tIns="45720" rIns="91440" bIns="45720" numCol="1" spcCol="0" rtlCol="0" fromWordArt="0" anchor="t" anchorCtr="0" forceAA="0" compatLnSpc="0">
+            <a:normAutofit fontScale="95000"/>
+          </a:bodyPr>
+          <a:lstStyle/>
+          <a:p>
+            <a:pPr marL="0" marR="0" lvl="0" indent="0" algn="l" defTabSz="914400" eaLnBrk="1" fontAlgn="auto" latinLnBrk="0" hangingPunct="1">
+              <a:lnSpc>
+                <a:spcPct val="110000"/>
+              </a:lnSpc>
+              <a:spcBef>
+                <a:spcPts val="1000"/>
+              </a:spcBef>
+              <a:spcAft>
+                <a:spcPts val="0"/>
+              </a:spcAft>
+              <a:buClrTx/>
+              <a:buSzTx/>
+              <a:buFont typeface="Arial"/>
+              <a:buNone/>
+              <a:tabLst/>
+              <a:defRPr/>
+            </a:pPr>
+            <a:r>
+              <a:rPr kumimoji="0" lang="en-US" sz="1700" b="1" i="0" u="none" strike="noStrike" kern="0" cap="none" spc="0" normalizeH="0" baseline="0" noProof="0" dirty="0">
+                <a:ln>
+                  <a:noFill/>
+                </a:ln>
+                <a:solidFill>
+                  <a:prstClr val="black"/>
+                </a:solidFill>
+                <a:effectLst/>
+                <a:uLnTx/>
+                <a:uFillTx/>
+                <a:latin typeface="Arial"/>
+                <a:ea typeface="Arial"/>
+                <a:cs typeface="Arial"/>
+              </a:rPr>
+              <a:t>Data</a:t>
+            </a:r>
+            <a:endParaRPr kumimoji="0" lang="en-US" sz="1700" b="0" i="0" u="none" strike="noStrike" kern="0" cap="none" spc="0" normalizeH="0" baseline="0" noProof="0" dirty="0">
+              <a:ln>
+                <a:noFill/>
+              </a:ln>
+              <a:solidFill>
+                <a:prstClr val="black"/>
+              </a:solidFill>
+              <a:effectLst/>
+              <a:uLnTx/>
+              <a:uFillTx/>
+              <a:latin typeface="Times New Roman"/>
+              <a:cs typeface="Times New Roman"/>
+            </a:endParaRPr>
+          </a:p>
+          <a:p>
+            <a:pPr marL="228600" marR="0" lvl="0" indent="-228600" algn="l" defTabSz="914400" eaLnBrk="1" fontAlgn="auto" latinLnBrk="0" hangingPunct="1">
+              <a:lnSpc>
+                <a:spcPct val="110000"/>
+              </a:lnSpc>
+              <a:spcBef>
+                <a:spcPts val="1000"/>
+              </a:spcBef>
+              <a:spcAft>
+                <a:spcPts val="0"/>
+              </a:spcAft>
+              <a:buClrTx/>
+              <a:buSzTx/>
+              <a:buFont typeface="Arial"/>
+              <a:buChar char="•"/>
+              <a:tabLst/>
+              <a:defRPr/>
+            </a:pPr>
+            <a:r>
+              <a:rPr lang="en-US" sz="1200" b="0" i="0" u="none" dirty="0">
+                <a:solidFill>
+                  <a:prstClr val="black"/>
+                </a:solidFill>
+                <a:latin typeface="Arial"/>
+                <a:ea typeface="Times New Roman"/>
+                <a:cs typeface="Arial"/>
+              </a:rPr>
+              <a:t>Alcohol consumption (liters/person) and Gini coefficients for income inequality.</a:t>
+            </a:r>
+          </a:p>
+          <a:p>
+            <a:pPr marL="228600" marR="0" lvl="0" indent="-228600" algn="l" defTabSz="914400" eaLnBrk="1" fontAlgn="auto" latinLnBrk="0" hangingPunct="1">
+              <a:lnSpc>
+                <a:spcPct val="110000"/>
+              </a:lnSpc>
+              <a:spcBef>
+                <a:spcPts val="1000"/>
+              </a:spcBef>
+              <a:spcAft>
+                <a:spcPts val="0"/>
+              </a:spcAft>
+              <a:buClrTx/>
+              <a:buSzTx/>
+              <a:buFont typeface="Arial"/>
+              <a:buChar char="•"/>
+              <a:tabLst/>
+              <a:defRPr/>
+            </a:pPr>
+            <a:endParaRPr lang="en-US" sz="1200" b="0" i="0" u="none" dirty="0">
+              <a:solidFill>
+                <a:prstClr val="black"/>
+              </a:solidFill>
+              <a:latin typeface="Arial"/>
+              <a:ea typeface="Times New Roman"/>
+              <a:cs typeface="Arial"/>
+            </a:endParaRPr>
+          </a:p>
+          <a:p>
+            <a:pPr marL="0" marR="0" lvl="0" indent="0" algn="l" defTabSz="914400" eaLnBrk="1" fontAlgn="auto" latinLnBrk="0" hangingPunct="1">
+              <a:lnSpc>
+                <a:spcPct val="110000"/>
+              </a:lnSpc>
+              <a:spcBef>
+                <a:spcPts val="1000"/>
+              </a:spcBef>
+              <a:spcAft>
+                <a:spcPts val="0"/>
+              </a:spcAft>
+              <a:buClrTx/>
+              <a:buSzTx/>
+              <a:buFont typeface="Arial"/>
+              <a:buNone/>
+              <a:tabLst/>
+              <a:defRPr/>
+            </a:pPr>
+            <a:r>
+              <a:rPr kumimoji="0" lang="en-US" sz="1700" b="1" i="0" u="none" strike="noStrike" kern="0" cap="none" spc="0" normalizeH="0" baseline="0" noProof="0" dirty="0">
+                <a:ln>
+                  <a:noFill/>
+                </a:ln>
+                <a:solidFill>
+                  <a:prstClr val="black"/>
+                </a:solidFill>
+                <a:effectLst/>
+                <a:uLnTx/>
+                <a:uFillTx/>
+                <a:latin typeface="Arial"/>
+                <a:ea typeface="Arial"/>
+                <a:cs typeface="Arial"/>
+              </a:rPr>
+              <a:t>Insights</a:t>
+            </a:r>
+            <a:endParaRPr kumimoji="0" lang="en-US" sz="1700" b="0" i="0" u="none" strike="noStrike" kern="0" cap="none" spc="0" normalizeH="0" baseline="0" noProof="0" dirty="0">
+              <a:ln>
+                <a:noFill/>
+              </a:ln>
+              <a:solidFill>
+                <a:prstClr val="black"/>
+              </a:solidFill>
+              <a:effectLst/>
+              <a:uLnTx/>
+              <a:uFillTx/>
+              <a:latin typeface="Times New Roman"/>
+              <a:cs typeface="Times New Roman"/>
+            </a:endParaRPr>
+          </a:p>
+          <a:p>
+            <a:pPr>
+              <a:lnSpc>
+                <a:spcPct val="110000"/>
+              </a:lnSpc>
+              <a:defRPr/>
+            </a:pPr>
+            <a:r>
+              <a:rPr kumimoji="0" lang="en-US" sz="1200" b="0" i="0" u="none" strike="noStrike" kern="0" cap="none" spc="0" normalizeH="0" baseline="0" noProof="0" dirty="0">
+                <a:ln>
+                  <a:noFill/>
+                </a:ln>
+                <a:solidFill>
+                  <a:prstClr val="black"/>
+                </a:solidFill>
+                <a:effectLst/>
+                <a:uLnTx/>
+                <a:uFillTx/>
+                <a:latin typeface="Arial"/>
+                <a:cs typeface="Arial"/>
+              </a:rPr>
+              <a:t>No significant relationship was found between alcohol consumption and the </a:t>
+            </a:r>
+            <a:r>
+              <a:rPr kumimoji="0" lang="en-US" sz="1200" b="0" i="0" u="none" strike="noStrike" kern="0" cap="none" spc="0" normalizeH="0" baseline="0" noProof="0" dirty="0" err="1">
+                <a:ln>
+                  <a:noFill/>
+                </a:ln>
+                <a:solidFill>
+                  <a:prstClr val="black"/>
+                </a:solidFill>
+                <a:effectLst/>
+                <a:uLnTx/>
+                <a:uFillTx/>
+                <a:latin typeface="Arial"/>
+                <a:cs typeface="Arial"/>
+              </a:rPr>
+              <a:t>gini</a:t>
+            </a:r>
+            <a:r>
+              <a:rPr kumimoji="0" lang="en-US" sz="1200" b="0" i="0" u="none" strike="noStrike" kern="0" cap="none" spc="0" normalizeH="0" baseline="0" noProof="0" dirty="0">
+                <a:ln>
+                  <a:noFill/>
+                </a:ln>
+                <a:solidFill>
+                  <a:prstClr val="black"/>
+                </a:solidFill>
+                <a:effectLst/>
+                <a:uLnTx/>
+                <a:uFillTx/>
+                <a:latin typeface="Arial"/>
+                <a:cs typeface="Arial"/>
+              </a:rPr>
+              <a:t> coefficient of a country, r = -.12, p = .626 (for the calculation </a:t>
+            </a:r>
+            <a:r>
+              <a:rPr kumimoji="0" lang="en-US" sz="1200" b="0" i="0" u="none" strike="noStrike" kern="0" cap="none" spc="0" normalizeH="0" baseline="0" noProof="0" dirty="0" err="1">
+                <a:ln>
+                  <a:noFill/>
+                </a:ln>
+                <a:solidFill>
+                  <a:prstClr val="black"/>
+                </a:solidFill>
+                <a:effectLst/>
+                <a:uLnTx/>
+                <a:uFillTx/>
+                <a:latin typeface="Arial"/>
+                <a:cs typeface="Arial"/>
+              </a:rPr>
+              <a:t>pearson</a:t>
+            </a:r>
+            <a:r>
+              <a:rPr kumimoji="0" lang="en-US" sz="1200" b="0" i="0" u="none" strike="noStrike" kern="0" cap="none" spc="0" normalizeH="0" baseline="0" noProof="0" dirty="0">
+                <a:ln>
+                  <a:noFill/>
+                </a:ln>
+                <a:solidFill>
+                  <a:prstClr val="black"/>
+                </a:solidFill>
+                <a:effectLst/>
+                <a:uLnTx/>
+                <a:uFillTx/>
+                <a:latin typeface="Arial"/>
+                <a:cs typeface="Arial"/>
+              </a:rPr>
+              <a:t> correlation was used)</a:t>
+            </a:r>
+          </a:p>
+          <a:p>
+            <a:pPr>
+              <a:lnSpc>
+                <a:spcPct val="110000"/>
+              </a:lnSpc>
+              <a:defRPr/>
+            </a:pPr>
+            <a:r>
+              <a:rPr kumimoji="0" lang="en-US" sz="1200" b="0" i="0" u="none" strike="noStrike" kern="0" cap="none" spc="0" normalizeH="0" baseline="0" noProof="0" dirty="0">
+                <a:ln>
+                  <a:noFill/>
+                </a:ln>
+                <a:solidFill>
+                  <a:prstClr val="black"/>
+                </a:solidFill>
+                <a:effectLst/>
+                <a:uLnTx/>
+                <a:uFillTx/>
+                <a:latin typeface="Arial"/>
+                <a:cs typeface="Arial"/>
+              </a:rPr>
+              <a:t>Visually this can be seen, because the data points appear randomly distributed across the x and y axis.</a:t>
+            </a:r>
+          </a:p>
+          <a:p>
+            <a:pPr>
+              <a:lnSpc>
+                <a:spcPct val="110000"/>
+              </a:lnSpc>
+              <a:defRPr/>
+            </a:pPr>
+            <a:r>
+              <a:rPr kumimoji="0" lang="en-US" sz="1200" b="0" i="0" u="none" strike="noStrike" kern="0" cap="none" spc="0" normalizeH="0" baseline="0" noProof="0" dirty="0">
+                <a:ln>
+                  <a:noFill/>
+                </a:ln>
+                <a:solidFill>
+                  <a:prstClr val="black"/>
+                </a:solidFill>
+                <a:effectLst/>
+                <a:uLnTx/>
+                <a:uFillTx/>
+                <a:latin typeface="Arial"/>
+                <a:cs typeface="Arial"/>
+              </a:rPr>
+              <a:t>This suggests that alcohol consumption is not directly influenced by income inequality.</a:t>
+            </a:r>
+          </a:p>
+          <a:p>
+            <a:pPr>
+              <a:lnSpc>
+                <a:spcPct val="110000"/>
+              </a:lnSpc>
+              <a:defRPr/>
+            </a:pPr>
+            <a:endParaRPr lang="en-US" sz="1200" dirty="0">
+              <a:solidFill>
+                <a:prstClr val="black"/>
+              </a:solidFill>
+              <a:latin typeface="Arial"/>
+              <a:cs typeface="Arial"/>
+            </a:endParaRPr>
+          </a:p>
+          <a:p>
+            <a:pPr marL="0" marR="0" lvl="0" indent="0" algn="l" defTabSz="914400" eaLnBrk="1" fontAlgn="auto" latinLnBrk="0" hangingPunct="1">
+              <a:lnSpc>
+                <a:spcPct val="110000"/>
+              </a:lnSpc>
+              <a:spcBef>
+                <a:spcPts val="1000"/>
+              </a:spcBef>
+              <a:spcAft>
+                <a:spcPts val="0"/>
+              </a:spcAft>
+              <a:buClrTx/>
+              <a:buSzTx/>
+              <a:buFont typeface="Arial"/>
+              <a:buNone/>
+              <a:tabLst/>
+              <a:defRPr/>
+            </a:pPr>
+            <a:r>
+              <a:rPr lang="en-US" sz="1700" b="1" dirty="0">
+                <a:solidFill>
+                  <a:prstClr val="black"/>
+                </a:solidFill>
+                <a:latin typeface="Arial"/>
+                <a:cs typeface="Arial"/>
+              </a:rPr>
+              <a:t>Relevance</a:t>
+            </a:r>
+            <a:endParaRPr kumimoji="0" lang="en-US" sz="1700" b="0" i="0" u="none" strike="noStrike" kern="0" cap="none" spc="0" normalizeH="0" baseline="0" noProof="0" dirty="0">
+              <a:ln>
+                <a:noFill/>
+              </a:ln>
+              <a:solidFill>
+                <a:prstClr val="black"/>
+              </a:solidFill>
+              <a:effectLst/>
+              <a:uLnTx/>
+              <a:uFillTx/>
+              <a:latin typeface="Times New Roman"/>
+              <a:cs typeface="Times New Roman"/>
+            </a:endParaRPr>
+          </a:p>
+          <a:p>
+            <a:pPr marL="228600" marR="0" lvl="0" indent="-228600" algn="l" defTabSz="914400" eaLnBrk="1" fontAlgn="auto" latinLnBrk="0" hangingPunct="1">
+              <a:lnSpc>
+                <a:spcPct val="110000"/>
+              </a:lnSpc>
+              <a:spcBef>
+                <a:spcPts val="1000"/>
+              </a:spcBef>
+              <a:spcAft>
+                <a:spcPts val="0"/>
+              </a:spcAft>
+              <a:buClrTx/>
+              <a:buSzTx/>
+              <a:buFont typeface="Arial"/>
+              <a:buChar char="•"/>
+              <a:tabLst/>
+              <a:defRPr/>
+            </a:pPr>
+            <a:r>
+              <a:rPr lang="en-US" sz="1200" dirty="0">
+                <a:solidFill>
+                  <a:prstClr val="black"/>
+                </a:solidFill>
+                <a:latin typeface="Arial"/>
+                <a:cs typeface="Arial"/>
+              </a:rPr>
+              <a:t>This suggests that other factors that weren’t analyzed account for the difference between the alcohol consumption.</a:t>
+            </a:r>
+            <a:br>
+              <a:rPr lang="en-US" sz="1200" b="0" i="0" u="none" dirty="0">
+                <a:solidFill>
+                  <a:srgbClr val="000000"/>
+                </a:solidFill>
+                <a:latin typeface="Times New Roman"/>
+                <a:ea typeface="Times New Roman"/>
+                <a:cs typeface="Times New Roman"/>
+              </a:rPr>
+            </a:br>
+            <a:endParaRPr lang="en-US" sz="1400" dirty="0"/>
+          </a:p>
+        </p:txBody>
+      </p:sp>
+    </p:spTree>
+    <p:extLst>
+      <p:ext uri="{BB962C8B-B14F-4D97-AF65-F5344CB8AC3E}">
+        <p14:creationId xmlns:p14="http://schemas.microsoft.com/office/powerpoint/2010/main" val="2986438465"/>
+      </p:ext>
+    </p:extLst>
+  </p:cSld>
+  <p:clrMapOvr>
+    <a:masterClrMapping/>
   </p:clrMapOvr>
 </p:sld>
 </file>
@@ -11310,6 +15458,49 @@
 </a:themeOverride>
 </file>
 
+<file path=ppt/theme/themeOverride10.xml><?xml version="1.0" encoding="utf-8"?>
+<a:themeOverride xmlns:a="http://schemas.openxmlformats.org/drawingml/2006/main">
+  <a:clrScheme name="New Office">
+    <a:dk1>
+      <a:sysClr val="windowText" lastClr="000000"/>
+    </a:dk1>
+    <a:lt1>
+      <a:sysClr val="window" lastClr="FFFFFF"/>
+    </a:lt1>
+    <a:dk2>
+      <a:srgbClr val="44546A"/>
+    </a:dk2>
+    <a:lt2>
+      <a:srgbClr val="E7E6E6"/>
+    </a:lt2>
+    <a:accent1>
+      <a:srgbClr val="5B9BD5"/>
+    </a:accent1>
+    <a:accent2>
+      <a:srgbClr val="ED7D31"/>
+    </a:accent2>
+    <a:accent3>
+      <a:srgbClr val="A5A5A5"/>
+    </a:accent3>
+    <a:accent4>
+      <a:srgbClr val="FFC000"/>
+    </a:accent4>
+    <a:accent5>
+      <a:srgbClr val="4472C4"/>
+    </a:accent5>
+    <a:accent6>
+      <a:srgbClr val="70AD47"/>
+    </a:accent6>
+    <a:hlink>
+      <a:srgbClr val="0563C1"/>
+    </a:hlink>
+    <a:folHlink>
+      <a:srgbClr val="954F72"/>
+    </a:folHlink>
+  </a:clrScheme>
+</a:themeOverride>
+</file>
+
 <file path=ppt/theme/themeOverride2.xml><?xml version="1.0" encoding="utf-8"?>
 <a:themeOverride xmlns:a="http://schemas.openxmlformats.org/drawingml/2006/main">
   <a:clrScheme name="New Office">
@@ -11523,4 +15714,133 @@
     </a:folHlink>
   </a:clrScheme>
 </a:themeOverride>
+</file>
+
+<file path=ppt/theme/themeOverride7.xml><?xml version="1.0" encoding="utf-8"?>
+<a:themeOverride xmlns:a="http://schemas.openxmlformats.org/drawingml/2006/main">
+  <a:clrScheme name="New Office">
+    <a:dk1>
+      <a:sysClr val="windowText" lastClr="000000"/>
+    </a:dk1>
+    <a:lt1>
+      <a:sysClr val="window" lastClr="FFFFFF"/>
+    </a:lt1>
+    <a:dk2>
+      <a:srgbClr val="44546A"/>
+    </a:dk2>
+    <a:lt2>
+      <a:srgbClr val="E7E6E6"/>
+    </a:lt2>
+    <a:accent1>
+      <a:srgbClr val="5B9BD5"/>
+    </a:accent1>
+    <a:accent2>
+      <a:srgbClr val="ED7D31"/>
+    </a:accent2>
+    <a:accent3>
+      <a:srgbClr val="A5A5A5"/>
+    </a:accent3>
+    <a:accent4>
+      <a:srgbClr val="FFC000"/>
+    </a:accent4>
+    <a:accent5>
+      <a:srgbClr val="4472C4"/>
+    </a:accent5>
+    <a:accent6>
+      <a:srgbClr val="70AD47"/>
+    </a:accent6>
+    <a:hlink>
+      <a:srgbClr val="0563C1"/>
+    </a:hlink>
+    <a:folHlink>
+      <a:srgbClr val="954F72"/>
+    </a:folHlink>
+  </a:clrScheme>
+</a:themeOverride>
+</file>
+
+<file path=ppt/theme/themeOverride8.xml><?xml version="1.0" encoding="utf-8"?>
+<a:themeOverride xmlns:a="http://schemas.openxmlformats.org/drawingml/2006/main">
+  <a:clrScheme name="New Office">
+    <a:dk1>
+      <a:sysClr val="windowText" lastClr="000000"/>
+    </a:dk1>
+    <a:lt1>
+      <a:sysClr val="window" lastClr="FFFFFF"/>
+    </a:lt1>
+    <a:dk2>
+      <a:srgbClr val="44546A"/>
+    </a:dk2>
+    <a:lt2>
+      <a:srgbClr val="E7E6E6"/>
+    </a:lt2>
+    <a:accent1>
+      <a:srgbClr val="5B9BD5"/>
+    </a:accent1>
+    <a:accent2>
+      <a:srgbClr val="ED7D31"/>
+    </a:accent2>
+    <a:accent3>
+      <a:srgbClr val="A5A5A5"/>
+    </a:accent3>
+    <a:accent4>
+      <a:srgbClr val="FFC000"/>
+    </a:accent4>
+    <a:accent5>
+      <a:srgbClr val="4472C4"/>
+    </a:accent5>
+    <a:accent6>
+      <a:srgbClr val="70AD47"/>
+    </a:accent6>
+    <a:hlink>
+      <a:srgbClr val="0563C1"/>
+    </a:hlink>
+    <a:folHlink>
+      <a:srgbClr val="954F72"/>
+    </a:folHlink>
+  </a:clrScheme>
+</a:themeOverride>
+</file>
+
+<file path=ppt/theme/themeOverride9.xml><?xml version="1.0" encoding="utf-8"?>
+<a:themeOverride xmlns:a="http://schemas.openxmlformats.org/drawingml/2006/main">
+  <a:clrScheme name="New Office">
+    <a:dk1>
+      <a:sysClr val="windowText" lastClr="000000"/>
+    </a:dk1>
+    <a:lt1>
+      <a:sysClr val="window" lastClr="FFFFFF"/>
+    </a:lt1>
+    <a:dk2>
+      <a:srgbClr val="44546A"/>
+    </a:dk2>
+    <a:lt2>
+      <a:srgbClr val="E7E6E6"/>
+    </a:lt2>
+    <a:accent1>
+      <a:srgbClr val="5B9BD5"/>
+    </a:accent1>
+    <a:accent2>
+      <a:srgbClr val="ED7D31"/>
+    </a:accent2>
+    <a:accent3>
+      <a:srgbClr val="A5A5A5"/>
+    </a:accent3>
+    <a:accent4>
+      <a:srgbClr val="FFC000"/>
+    </a:accent4>
+    <a:accent5>
+      <a:srgbClr val="4472C4"/>
+    </a:accent5>
+    <a:accent6>
+      <a:srgbClr val="70AD47"/>
+    </a:accent6>
+    <a:hlink>
+      <a:srgbClr val="0563C1"/>
+    </a:hlink>
+    <a:folHlink>
+      <a:srgbClr val="954F72"/>
+    </a:folHlink>
+  </a:clrScheme>
+</a:themeOverride>
 </file>